--- a/UnixShellScripting.pptx
+++ b/UnixShellScripting.pptx
@@ -33,15 +33,34 @@
     <p:sldId id="281" r:id="rId27"/>
     <p:sldId id="282" r:id="rId28"/>
     <p:sldId id="283" r:id="rId29"/>
-    <p:sldId id="376" r:id="rId30"/>
-    <p:sldId id="377" r:id="rId31"/>
-    <p:sldId id="378" r:id="rId32"/>
-    <p:sldId id="379" r:id="rId33"/>
-    <p:sldId id="380" r:id="rId34"/>
-    <p:sldId id="381" r:id="rId35"/>
-    <p:sldId id="382" r:id="rId36"/>
-    <p:sldId id="374" r:id="rId37"/>
-    <p:sldId id="375" r:id="rId38"/>
+    <p:sldId id="284" r:id="rId30"/>
+    <p:sldId id="285" r:id="rId31"/>
+    <p:sldId id="286" r:id="rId32"/>
+    <p:sldId id="287" r:id="rId33"/>
+    <p:sldId id="288" r:id="rId34"/>
+    <p:sldId id="289" r:id="rId35"/>
+    <p:sldId id="290" r:id="rId36"/>
+    <p:sldId id="291" r:id="rId37"/>
+    <p:sldId id="292" r:id="rId38"/>
+    <p:sldId id="293" r:id="rId39"/>
+    <p:sldId id="294" r:id="rId40"/>
+    <p:sldId id="295" r:id="rId41"/>
+    <p:sldId id="296" r:id="rId42"/>
+    <p:sldId id="297" r:id="rId43"/>
+    <p:sldId id="298" r:id="rId44"/>
+    <p:sldId id="299" r:id="rId45"/>
+    <p:sldId id="300" r:id="rId46"/>
+    <p:sldId id="301" r:id="rId47"/>
+    <p:sldId id="302" r:id="rId48"/>
+    <p:sldId id="303" r:id="rId49"/>
+    <p:sldId id="304" r:id="rId50"/>
+    <p:sldId id="305" r:id="rId51"/>
+    <p:sldId id="306" r:id="rId52"/>
+    <p:sldId id="308" r:id="rId53"/>
+    <p:sldId id="312" r:id="rId54"/>
+    <p:sldId id="313" r:id="rId55"/>
+    <p:sldId id="374" r:id="rId56"/>
+    <p:sldId id="375" r:id="rId57"/>
   </p:sldIdLst>
   <p:sldSz cx="12192000" cy="6858000"/>
   <p:notesSz cx="6858000" cy="9144000"/>
@@ -148,121 +167,37 @@
 </p:presentation>
 </file>
 
+<file path=ppt/revisionInfo.xml><?xml version="1.0" encoding="utf-8"?>
+<p1510:revInfo xmlns:a="http://schemas.openxmlformats.org/drawingml/2006/main" xmlns:r="http://schemas.openxmlformats.org/officeDocument/2006/relationships" xmlns:p1510="http://schemas.microsoft.com/office/powerpoint/2015/10/main">
+  <p1510:revLst>
+    <p1510:client id="{BD87B1A3-5AE9-4C2B-8618-E5C861305B81}" v="2" dt="2022-08-16T13:42:05.156"/>
+  </p1510:revLst>
+</p1510:revInfo>
+</file>
+
 <file path=ppt/changesInfos/changesInfo1.xml><?xml version="1.0" encoding="utf-8"?>
 <pc:chgInfo xmlns:a="http://schemas.openxmlformats.org/drawingml/2006/main" xmlns:r="http://schemas.openxmlformats.org/officeDocument/2006/relationships" xmlns:ac="http://schemas.microsoft.com/office/drawing/2013/main/command" xmlns:pc="http://schemas.microsoft.com/office/powerpoint/2013/main/command">
   <pc:docChgLst>
-    <pc:chgData name="Raghul Ramesh" userId="63565bf456f280ee" providerId="LiveId" clId="{1B2DC777-8632-42C1-A519-A2C6C3423FE4}"/>
-    <pc:docChg chg="custSel addSld modSld">
-      <pc:chgData name="Raghul Ramesh" userId="63565bf456f280ee" providerId="LiveId" clId="{1B2DC777-8632-42C1-A519-A2C6C3423FE4}" dt="2022-08-12T04:54:06.176" v="89" actId="6549"/>
+    <pc:chgData name="Raghul Ramesh" userId="63565bf456f280ee" providerId="LiveId" clId="{BD87B1A3-5AE9-4C2B-8618-E5C861305B81}"/>
+    <pc:docChg chg="modSld">
+      <pc:chgData name="Raghul Ramesh" userId="63565bf456f280ee" providerId="LiveId" clId="{BD87B1A3-5AE9-4C2B-8618-E5C861305B81}" dt="2022-08-16T13:42:05.156" v="1" actId="1076"/>
       <pc:docMkLst>
         <pc:docMk/>
       </pc:docMkLst>
-      <pc:sldChg chg="modSp mod">
-        <pc:chgData name="Raghul Ramesh" userId="63565bf456f280ee" providerId="LiveId" clId="{1B2DC777-8632-42C1-A519-A2C6C3423FE4}" dt="2022-08-12T04:45:59.224" v="35" actId="27636"/>
+      <pc:sldChg chg="modSp">
+        <pc:chgData name="Raghul Ramesh" userId="63565bf456f280ee" providerId="LiveId" clId="{BD87B1A3-5AE9-4C2B-8618-E5C861305B81}" dt="2022-08-16T13:42:05.156" v="1" actId="1076"/>
         <pc:sldMkLst>
           <pc:docMk/>
-          <pc:sldMk cId="557420976" sldId="378"/>
+          <pc:sldMk cId="3740067763" sldId="374"/>
         </pc:sldMkLst>
-        <pc:spChg chg="mod">
-          <ac:chgData name="Raghul Ramesh" userId="63565bf456f280ee" providerId="LiveId" clId="{1B2DC777-8632-42C1-A519-A2C6C3423FE4}" dt="2022-08-12T03:55:06.629" v="16" actId="20577"/>
-          <ac:spMkLst>
+        <pc:picChg chg="mod">
+          <ac:chgData name="Raghul Ramesh" userId="63565bf456f280ee" providerId="LiveId" clId="{BD87B1A3-5AE9-4C2B-8618-E5C861305B81}" dt="2022-08-16T13:42:05.156" v="1" actId="1076"/>
+          <ac:picMkLst>
             <pc:docMk/>
-            <pc:sldMk cId="557420976" sldId="378"/>
-            <ac:spMk id="2" creationId="{00000000-0000-0000-0000-000000000000}"/>
-          </ac:spMkLst>
-        </pc:spChg>
-        <pc:spChg chg="mod">
-          <ac:chgData name="Raghul Ramesh" userId="63565bf456f280ee" providerId="LiveId" clId="{1B2DC777-8632-42C1-A519-A2C6C3423FE4}" dt="2022-08-12T04:45:59.224" v="35" actId="27636"/>
-          <ac:spMkLst>
-            <pc:docMk/>
-            <pc:sldMk cId="557420976" sldId="378"/>
-            <ac:spMk id="3" creationId="{00000000-0000-0000-0000-000000000000}"/>
-          </ac:spMkLst>
-        </pc:spChg>
-      </pc:sldChg>
-      <pc:sldChg chg="modSp add mod">
-        <pc:chgData name="Raghul Ramesh" userId="63565bf456f280ee" providerId="LiveId" clId="{1B2DC777-8632-42C1-A519-A2C6C3423FE4}" dt="2022-08-12T04:47:06.159" v="44" actId="6549"/>
-        <pc:sldMkLst>
-          <pc:docMk/>
-          <pc:sldMk cId="1048572984" sldId="379"/>
-        </pc:sldMkLst>
-        <pc:spChg chg="mod">
-          <ac:chgData name="Raghul Ramesh" userId="63565bf456f280ee" providerId="LiveId" clId="{1B2DC777-8632-42C1-A519-A2C6C3423FE4}" dt="2022-08-12T04:47:06.159" v="44" actId="6549"/>
-          <ac:spMkLst>
-            <pc:docMk/>
-            <pc:sldMk cId="1048572984" sldId="379"/>
-            <ac:spMk id="3" creationId="{00000000-0000-0000-0000-000000000000}"/>
-          </ac:spMkLst>
-        </pc:spChg>
-      </pc:sldChg>
-      <pc:sldChg chg="modSp add mod">
-        <pc:chgData name="Raghul Ramesh" userId="63565bf456f280ee" providerId="LiveId" clId="{1B2DC777-8632-42C1-A519-A2C6C3423FE4}" dt="2022-08-12T04:49:25.826" v="58" actId="108"/>
-        <pc:sldMkLst>
-          <pc:docMk/>
-          <pc:sldMk cId="2011396583" sldId="380"/>
-        </pc:sldMkLst>
-        <pc:spChg chg="mod">
-          <ac:chgData name="Raghul Ramesh" userId="63565bf456f280ee" providerId="LiveId" clId="{1B2DC777-8632-42C1-A519-A2C6C3423FE4}" dt="2022-08-12T04:47:19.189" v="50" actId="20577"/>
-          <ac:spMkLst>
-            <pc:docMk/>
-            <pc:sldMk cId="2011396583" sldId="380"/>
-            <ac:spMk id="2" creationId="{00000000-0000-0000-0000-000000000000}"/>
-          </ac:spMkLst>
-        </pc:spChg>
-        <pc:spChg chg="mod">
-          <ac:chgData name="Raghul Ramesh" userId="63565bf456f280ee" providerId="LiveId" clId="{1B2DC777-8632-42C1-A519-A2C6C3423FE4}" dt="2022-08-12T04:49:25.826" v="58" actId="108"/>
-          <ac:spMkLst>
-            <pc:docMk/>
-            <pc:sldMk cId="2011396583" sldId="380"/>
-            <ac:spMk id="3" creationId="{00000000-0000-0000-0000-000000000000}"/>
-          </ac:spMkLst>
-        </pc:spChg>
-      </pc:sldChg>
-      <pc:sldChg chg="modSp add mod">
-        <pc:chgData name="Raghul Ramesh" userId="63565bf456f280ee" providerId="LiveId" clId="{1B2DC777-8632-42C1-A519-A2C6C3423FE4}" dt="2022-08-12T04:51:10.475" v="68"/>
-        <pc:sldMkLst>
-          <pc:docMk/>
-          <pc:sldMk cId="1530057697" sldId="381"/>
-        </pc:sldMkLst>
-        <pc:spChg chg="mod">
-          <ac:chgData name="Raghul Ramesh" userId="63565bf456f280ee" providerId="LiveId" clId="{1B2DC777-8632-42C1-A519-A2C6C3423FE4}" dt="2022-08-12T04:49:41.748" v="65" actId="20577"/>
-          <ac:spMkLst>
-            <pc:docMk/>
-            <pc:sldMk cId="1530057697" sldId="381"/>
-            <ac:spMk id="2" creationId="{00000000-0000-0000-0000-000000000000}"/>
-          </ac:spMkLst>
-        </pc:spChg>
-        <pc:spChg chg="mod">
-          <ac:chgData name="Raghul Ramesh" userId="63565bf456f280ee" providerId="LiveId" clId="{1B2DC777-8632-42C1-A519-A2C6C3423FE4}" dt="2022-08-12T04:51:10.475" v="68"/>
-          <ac:spMkLst>
-            <pc:docMk/>
-            <pc:sldMk cId="1530057697" sldId="381"/>
-            <ac:spMk id="3" creationId="{00000000-0000-0000-0000-000000000000}"/>
-          </ac:spMkLst>
-        </pc:spChg>
-      </pc:sldChg>
-      <pc:sldChg chg="modSp add mod">
-        <pc:chgData name="Raghul Ramesh" userId="63565bf456f280ee" providerId="LiveId" clId="{1B2DC777-8632-42C1-A519-A2C6C3423FE4}" dt="2022-08-12T04:54:06.176" v="89" actId="6549"/>
-        <pc:sldMkLst>
-          <pc:docMk/>
-          <pc:sldMk cId="3976004556" sldId="382"/>
-        </pc:sldMkLst>
-        <pc:spChg chg="mod">
-          <ac:chgData name="Raghul Ramesh" userId="63565bf456f280ee" providerId="LiveId" clId="{1B2DC777-8632-42C1-A519-A2C6C3423FE4}" dt="2022-08-12T04:51:22.319" v="79" actId="20577"/>
-          <ac:spMkLst>
-            <pc:docMk/>
-            <pc:sldMk cId="3976004556" sldId="382"/>
-            <ac:spMk id="2" creationId="{00000000-0000-0000-0000-000000000000}"/>
-          </ac:spMkLst>
-        </pc:spChg>
-        <pc:spChg chg="mod">
-          <ac:chgData name="Raghul Ramesh" userId="63565bf456f280ee" providerId="LiveId" clId="{1B2DC777-8632-42C1-A519-A2C6C3423FE4}" dt="2022-08-12T04:54:06.176" v="89" actId="6549"/>
-          <ac:spMkLst>
-            <pc:docMk/>
-            <pc:sldMk cId="3976004556" sldId="382"/>
-            <ac:spMk id="3" creationId="{00000000-0000-0000-0000-000000000000}"/>
-          </ac:spMkLst>
-        </pc:spChg>
+            <pc:sldMk cId="3740067763" sldId="374"/>
+            <ac:picMk id="18434" creationId="{00000000-0000-0000-0000-000000000000}"/>
+          </ac:picMkLst>
+        </pc:picChg>
       </pc:sldChg>
     </pc:docChg>
   </pc:docChgLst>
@@ -455,7 +390,7 @@
           <a:p>
             <a:fld id="{4AAD347D-5ACD-4C99-B74B-A9C85AD731AF}" type="datetimeFigureOut">
               <a:rPr lang="en-US" dirty="0"/>
-              <a:t>8/12/2022</a:t>
+              <a:t>8/16/2022</a:t>
             </a:fld>
             <a:endParaRPr lang="en-US" dirty="0"/>
           </a:p>
@@ -725,7 +660,7 @@
           <a:p>
             <a:fld id="{4509A250-FF31-4206-8172-F9D3106AACB1}" type="datetimeFigureOut">
               <a:rPr lang="en-US" dirty="0"/>
-              <a:t>8/12/2022</a:t>
+              <a:t>8/16/2022</a:t>
             </a:fld>
             <a:endParaRPr lang="en-US" dirty="0"/>
           </a:p>
@@ -914,7 +849,7 @@
           <a:p>
             <a:fld id="{4509A250-FF31-4206-8172-F9D3106AACB1}" type="datetimeFigureOut">
               <a:rPr lang="en-US" dirty="0"/>
-              <a:t>8/12/2022</a:t>
+              <a:t>8/16/2022</a:t>
             </a:fld>
             <a:endParaRPr lang="en-US" dirty="0"/>
           </a:p>
@@ -1182,7 +1117,7 @@
           <a:p>
             <a:fld id="{4509A250-FF31-4206-8172-F9D3106AACB1}" type="datetimeFigureOut">
               <a:rPr lang="en-US" dirty="0"/>
-              <a:t>8/12/2022</a:t>
+              <a:t>8/16/2022</a:t>
             </a:fld>
             <a:endParaRPr lang="en-US" dirty="0"/>
           </a:p>
@@ -1518,7 +1453,7 @@
           <a:p>
             <a:fld id="{4509A250-FF31-4206-8172-F9D3106AACB1}" type="datetimeFigureOut">
               <a:rPr lang="en-US" dirty="0"/>
-              <a:t>8/12/2022</a:t>
+              <a:t>8/16/2022</a:t>
             </a:fld>
             <a:endParaRPr lang="en-US" dirty="0"/>
           </a:p>
@@ -2136,7 +2071,7 @@
           <a:p>
             <a:fld id="{4509A250-FF31-4206-8172-F9D3106AACB1}" type="datetimeFigureOut">
               <a:rPr lang="en-US" dirty="0"/>
-              <a:t>8/12/2022</a:t>
+              <a:t>8/16/2022</a:t>
             </a:fld>
             <a:endParaRPr lang="en-US" dirty="0"/>
           </a:p>
@@ -2991,7 +2926,7 @@
           <a:p>
             <a:fld id="{4509A250-FF31-4206-8172-F9D3106AACB1}" type="datetimeFigureOut">
               <a:rPr lang="en-US" dirty="0"/>
-              <a:t>8/12/2022</a:t>
+              <a:t>8/16/2022</a:t>
             </a:fld>
             <a:endParaRPr lang="en-US" dirty="0"/>
           </a:p>
@@ -3156,7 +3091,7 @@
           <a:p>
             <a:fld id="{4509A250-FF31-4206-8172-F9D3106AACB1}" type="datetimeFigureOut">
               <a:rPr lang="en-US" dirty="0"/>
-              <a:t>8/12/2022</a:t>
+              <a:t>8/16/2022</a:t>
             </a:fld>
             <a:endParaRPr lang="en-US" dirty="0"/>
           </a:p>
@@ -3331,7 +3266,7 @@
           <a:p>
             <a:fld id="{4509A250-FF31-4206-8172-F9D3106AACB1}" type="datetimeFigureOut">
               <a:rPr lang="en-US" dirty="0"/>
-              <a:t>8/12/2022</a:t>
+              <a:t>8/16/2022</a:t>
             </a:fld>
             <a:endParaRPr lang="en-US" dirty="0"/>
           </a:p>
@@ -3496,7 +3431,7 @@
           <a:p>
             <a:fld id="{4509A250-FF31-4206-8172-F9D3106AACB1}" type="datetimeFigureOut">
               <a:rPr lang="en-US" dirty="0"/>
-              <a:t>8/12/2022</a:t>
+              <a:t>8/16/2022</a:t>
             </a:fld>
             <a:endParaRPr lang="en-US" dirty="0"/>
           </a:p>
@@ -3738,7 +3673,7 @@
           <a:p>
             <a:fld id="{9796027F-7875-4030-9381-8BD8C4F21935}" type="datetimeFigureOut">
               <a:rPr lang="en-US" dirty="0"/>
-              <a:t>8/12/2022</a:t>
+              <a:t>8/16/2022</a:t>
             </a:fld>
             <a:endParaRPr lang="en-US" dirty="0"/>
           </a:p>
@@ -4025,7 +3960,7 @@
           <a:p>
             <a:fld id="{9796027F-7875-4030-9381-8BD8C4F21935}" type="datetimeFigureOut">
               <a:rPr lang="en-US" dirty="0"/>
-              <a:t>8/12/2022</a:t>
+              <a:t>8/16/2022</a:t>
             </a:fld>
             <a:endParaRPr lang="en-US" dirty="0"/>
           </a:p>
@@ -4464,7 +4399,7 @@
           <a:p>
             <a:fld id="{9796027F-7875-4030-9381-8BD8C4F21935}" type="datetimeFigureOut">
               <a:rPr lang="en-US" dirty="0"/>
-              <a:t>8/12/2022</a:t>
+              <a:t>8/16/2022</a:t>
             </a:fld>
             <a:endParaRPr lang="en-US" dirty="0"/>
           </a:p>
@@ -4577,7 +4512,7 @@
           <a:p>
             <a:fld id="{4509A250-FF31-4206-8172-F9D3106AACB1}" type="datetimeFigureOut">
               <a:rPr lang="en-US" dirty="0"/>
-              <a:t>8/12/2022</a:t>
+              <a:t>8/16/2022</a:t>
             </a:fld>
             <a:endParaRPr lang="en-US" dirty="0"/>
           </a:p>
@@ -4667,7 +4602,7 @@
           <a:p>
             <a:fld id="{4509A250-FF31-4206-8172-F9D3106AACB1}" type="datetimeFigureOut">
               <a:rPr lang="en-US" dirty="0"/>
-              <a:t>8/12/2022</a:t>
+              <a:t>8/16/2022</a:t>
             </a:fld>
             <a:endParaRPr lang="en-US" dirty="0"/>
           </a:p>
@@ -4941,7 +4876,7 @@
           <a:p>
             <a:fld id="{4509A250-FF31-4206-8172-F9D3106AACB1}" type="datetimeFigureOut">
               <a:rPr lang="en-US" dirty="0"/>
-              <a:t>8/12/2022</a:t>
+              <a:t>8/16/2022</a:t>
             </a:fld>
             <a:endParaRPr lang="en-US" dirty="0"/>
           </a:p>
@@ -5211,7 +5146,7 @@
           <a:p>
             <a:fld id="{4509A250-FF31-4206-8172-F9D3106AACB1}" type="datetimeFigureOut">
               <a:rPr lang="en-US" dirty="0"/>
-              <a:t>8/12/2022</a:t>
+              <a:t>8/16/2022</a:t>
             </a:fld>
             <a:endParaRPr lang="en-US" dirty="0"/>
           </a:p>
@@ -5635,7 +5570,7 @@
           <a:p>
             <a:fld id="{4AAD347D-5ACD-4C99-B74B-A9C85AD731AF}" type="datetimeFigureOut">
               <a:rPr lang="en-US" dirty="0"/>
-              <a:t>8/12/2022</a:t>
+              <a:t>8/16/2022</a:t>
             </a:fld>
             <a:endParaRPr lang="en-US" dirty="0"/>
           </a:p>
@@ -6171,7 +6106,7 @@
         </p:nvSpPr>
         <p:spPr>
           <a:xfrm>
-            <a:off x="977154" y="1447800"/>
+            <a:off x="977154" y="1447799"/>
             <a:ext cx="9789458" cy="3329581"/>
           </a:xfrm>
         </p:spPr>
@@ -11091,7 +11026,7 @@
           <a:p>
             <a:r>
               <a:rPr lang="en-US" dirty="0"/>
-              <a:t>Networking Commands</a:t>
+              <a:t>What is Shell?</a:t>
             </a:r>
           </a:p>
         </p:txBody>
@@ -11118,136 +11053,38 @@
           </a:bodyPr>
           <a:lstStyle/>
           <a:p>
-            <a:r>
-              <a:rPr lang="en-US" altLang="en-US" b="1" dirty="0">
-                <a:latin typeface="Verdana" pitchFamily="34" charset="0"/>
-              </a:rPr>
-              <a:t>• test network connection – </a:t>
-            </a:r>
-            <a:r>
-              <a:rPr lang="en-US" altLang="en-US" b="1" dirty="0">
-                <a:solidFill>
-                  <a:srgbClr val="FFFF00"/>
-                </a:solidFill>
-                <a:latin typeface="Verdana" pitchFamily="34" charset="0"/>
-              </a:rPr>
-              <a:t>ping</a:t>
-            </a:r>
-          </a:p>
-          <a:p>
-            <a:pPr marL="342900" lvl="2" indent="-342900"/>
-            <a:r>
-              <a:rPr lang="en-US" altLang="en-US" sz="2000" b="1" dirty="0">
-                <a:latin typeface="Verdana" pitchFamily="34" charset="0"/>
-              </a:rPr>
-              <a:t>• getting network configuration – </a:t>
-            </a:r>
-            <a:r>
-              <a:rPr lang="en-US" altLang="en-US" sz="2000" b="1" dirty="0" err="1">
-                <a:solidFill>
-                  <a:srgbClr val="FFFF00"/>
-                </a:solidFill>
-                <a:latin typeface="Verdana" pitchFamily="34" charset="0"/>
-              </a:rPr>
-              <a:t>ifconfig</a:t>
-            </a:r>
-            <a:endParaRPr lang="en-US" altLang="en-US" sz="2000" b="1" dirty="0">
-              <a:solidFill>
-                <a:srgbClr val="FFFF00"/>
-              </a:solidFill>
-              <a:latin typeface="Verdana" pitchFamily="34" charset="0"/>
-            </a:endParaRPr>
-          </a:p>
-          <a:p>
-            <a:pPr marL="342900" lvl="2" indent="-342900"/>
-            <a:r>
-              <a:rPr lang="en-US" altLang="en-US" sz="2000" b="1" dirty="0">
-                <a:latin typeface="Verdana" pitchFamily="34" charset="0"/>
-              </a:rPr>
-              <a:t>• Network connections, routing tables, interface statistics – </a:t>
-            </a:r>
-            <a:r>
-              <a:rPr lang="en-US" altLang="en-US" sz="2000" b="1" dirty="0">
-                <a:solidFill>
-                  <a:srgbClr val="FFFF00"/>
-                </a:solidFill>
-                <a:latin typeface="Verdana" pitchFamily="34" charset="0"/>
-              </a:rPr>
-              <a:t>netstat</a:t>
-            </a:r>
-          </a:p>
-          <a:p>
-            <a:pPr marL="342900" lvl="2" indent="-342900"/>
-            <a:r>
-              <a:rPr lang="en-US" altLang="en-US" sz="2000" b="1" dirty="0">
-                <a:latin typeface="Verdana" pitchFamily="34" charset="0"/>
-              </a:rPr>
-              <a:t>• finding host/domain name and IP address - </a:t>
-            </a:r>
-            <a:r>
-              <a:rPr lang="en-US" altLang="en-US" sz="2000" b="1" dirty="0">
-                <a:solidFill>
-                  <a:srgbClr val="FFFF00"/>
-                </a:solidFill>
-                <a:latin typeface="Verdana" pitchFamily="34" charset="0"/>
-              </a:rPr>
-              <a:t>hostname</a:t>
-            </a:r>
-          </a:p>
-          <a:p>
-            <a:pPr marL="342900" lvl="2" indent="-342900"/>
-            <a:r>
-              <a:rPr lang="en-US" altLang="en-US" sz="2000" b="1" dirty="0">
-                <a:latin typeface="Verdana" pitchFamily="34" charset="0"/>
-              </a:rPr>
-              <a:t>• query DNS lookup name – </a:t>
-            </a:r>
-            <a:r>
-              <a:rPr lang="en-US" altLang="en-US" sz="2000" b="1" dirty="0" err="1">
-                <a:solidFill>
-                  <a:srgbClr val="FFFF00"/>
-                </a:solidFill>
-                <a:latin typeface="Verdana" pitchFamily="34" charset="0"/>
-              </a:rPr>
-              <a:t>nslookup</a:t>
-            </a:r>
-            <a:endParaRPr lang="en-US" altLang="en-US" sz="2000" b="1" dirty="0">
-              <a:solidFill>
-                <a:srgbClr val="FFFF00"/>
-              </a:solidFill>
-              <a:latin typeface="Verdana" pitchFamily="34" charset="0"/>
-            </a:endParaRPr>
-          </a:p>
-          <a:p>
-            <a:pPr marL="342900" lvl="2" indent="-342900"/>
-            <a:r>
-              <a:rPr lang="en-US" altLang="en-US" sz="2000" b="1" dirty="0">
-                <a:latin typeface="Verdana" pitchFamily="34" charset="0"/>
-              </a:rPr>
-              <a:t>• communicate with another hostname – </a:t>
-            </a:r>
-            <a:r>
-              <a:rPr lang="en-US" altLang="en-US" sz="2000" b="1" dirty="0">
-                <a:solidFill>
-                  <a:srgbClr val="FFFF00"/>
-                </a:solidFill>
-                <a:latin typeface="Verdana" pitchFamily="34" charset="0"/>
-              </a:rPr>
-              <a:t>telnet</a:t>
-            </a:r>
-            <a:endParaRPr lang="en-US" sz="2000" b="1" dirty="0">
-              <a:solidFill>
-                <a:srgbClr val="FFFF00"/>
-              </a:solidFill>
-              <a:latin typeface="Verdana" pitchFamily="34" charset="0"/>
-            </a:endParaRPr>
+            <a:pPr>
+              <a:buFont typeface="Arial" panose="020B0604020202020204" pitchFamily="34" charset="0"/>
+              <a:buChar char="•"/>
+            </a:pPr>
+            <a:r>
+              <a:rPr lang="en-US" dirty="0"/>
+              <a:t>A shell is an environment in which we can run our commands, programs, and shell scripts</a:t>
+            </a:r>
+            <a:br>
+              <a:rPr lang="en-US" dirty="0"/>
+            </a:br>
+            <a:endParaRPr lang="en-US" dirty="0"/>
+          </a:p>
+          <a:p>
+            <a:pPr>
+              <a:buFont typeface="Arial" panose="020B0604020202020204" pitchFamily="34" charset="0"/>
+              <a:buChar char="•"/>
+            </a:pPr>
+            <a:r>
+              <a:rPr lang="en-US" dirty="0"/>
+              <a:t>The shell provides you with an interface to the UNIX system. </a:t>
+            </a:r>
+          </a:p>
+          <a:p>
+            <a:endParaRPr lang="en-US" dirty="0"/>
           </a:p>
         </p:txBody>
       </p:sp>
     </p:spTree>
     <p:extLst>
       <p:ext uri="{BB962C8B-B14F-4D97-AF65-F5344CB8AC3E}">
-        <p14:creationId xmlns:p14="http://schemas.microsoft.com/office/powerpoint/2010/main" val="2489736740"/>
+        <p14:creationId xmlns:p14="http://schemas.microsoft.com/office/powerpoint/2010/main" val="3670244020"/>
       </p:ext>
     </p:extLst>
   </p:cSld>
@@ -11466,9 +11303,10 @@
           <a:lstStyle/>
           <a:p>
             <a:r>
-              <a:rPr lang="en-US" dirty="0"/>
-              <a:t>Find Command</a:t>
-            </a:r>
+              <a:rPr lang="en-US" b="1" dirty="0"/>
+              <a:t>What is a Shell Script?</a:t>
+            </a:r>
+            <a:endParaRPr lang="en-US" dirty="0"/>
           </a:p>
         </p:txBody>
       </p:sp>
@@ -11490,141 +11328,163 @@
         </p:spPr>
         <p:txBody>
           <a:bodyPr>
-            <a:normAutofit fontScale="85000" lnSpcReduction="20000"/>
+            <a:normAutofit fontScale="92500" lnSpcReduction="20000"/>
           </a:bodyPr>
           <a:lstStyle/>
           <a:p>
-            <a:r>
-              <a:rPr lang="en-US" altLang="en-US" b="1" dirty="0">
-                <a:latin typeface="Verdana" pitchFamily="34" charset="0"/>
-              </a:rPr>
-              <a:t>-name pattern: Returns true if the file’s name matches the provided shell pattern.</a:t>
-            </a:r>
-          </a:p>
-          <a:p>
-            <a:r>
-              <a:rPr lang="en-US" altLang="en-US" b="1" dirty="0">
-                <a:latin typeface="Verdana" pitchFamily="34" charset="0"/>
-              </a:rPr>
-              <a:t>-</a:t>
-            </a:r>
-            <a:r>
-              <a:rPr lang="en-US" altLang="en-US" b="1" dirty="0" err="1">
-                <a:latin typeface="Verdana" pitchFamily="34" charset="0"/>
-              </a:rPr>
-              <a:t>iname</a:t>
-            </a:r>
-            <a:r>
-              <a:rPr lang="en-US" altLang="en-US" b="1" dirty="0">
-                <a:latin typeface="Verdana" pitchFamily="34" charset="0"/>
-              </a:rPr>
-              <a:t> pattern: Returns true if the file’s name matches the provided shell pattern. The matching here is case insensitive.</a:t>
-            </a:r>
-          </a:p>
-          <a:p>
-            <a:r>
-              <a:rPr lang="en-US" altLang="en-US" b="1" dirty="0">
-                <a:latin typeface="Verdana" pitchFamily="34" charset="0"/>
-              </a:rPr>
-              <a:t>-type c: Returns true if the file is of type c (e.g. ‘b’ for block device file, ‘d’ for directory etc.).</a:t>
-            </a:r>
-          </a:p>
-          <a:p>
-            <a:r>
-              <a:rPr lang="en-US" altLang="en-US" b="1" dirty="0">
-                <a:latin typeface="Verdana" pitchFamily="34" charset="0"/>
-              </a:rPr>
-              <a:t>-</a:t>
-            </a:r>
-            <a:r>
-              <a:rPr lang="en-US" altLang="en-US" b="1" dirty="0" err="1">
-                <a:latin typeface="Verdana" pitchFamily="34" charset="0"/>
-              </a:rPr>
-              <a:t>atime</a:t>
-            </a:r>
-            <a:r>
-              <a:rPr lang="en-US" altLang="en-US" b="1" dirty="0">
-                <a:latin typeface="Verdana" pitchFamily="34" charset="0"/>
-              </a:rPr>
-              <a:t> n: Returns true if the file was accessed n days ago.</a:t>
-            </a:r>
-          </a:p>
-          <a:p>
-            <a:r>
-              <a:rPr lang="en-US" altLang="en-US" b="1" dirty="0">
-                <a:latin typeface="Verdana" pitchFamily="34" charset="0"/>
-              </a:rPr>
-              <a:t>-</a:t>
-            </a:r>
-            <a:r>
-              <a:rPr lang="en-US" altLang="en-US" b="1" dirty="0" err="1">
-                <a:latin typeface="Verdana" pitchFamily="34" charset="0"/>
-              </a:rPr>
-              <a:t>ctime</a:t>
-            </a:r>
-            <a:r>
-              <a:rPr lang="en-US" altLang="en-US" b="1" dirty="0">
-                <a:latin typeface="Verdana" pitchFamily="34" charset="0"/>
-              </a:rPr>
-              <a:t> n: Returns true if the file’s status was changed n days ago.</a:t>
-            </a:r>
-          </a:p>
-          <a:p>
-            <a:r>
-              <a:rPr lang="en-US" altLang="en-US" b="1" dirty="0">
-                <a:latin typeface="Verdana" pitchFamily="34" charset="0"/>
-              </a:rPr>
-              <a:t>-</a:t>
-            </a:r>
-            <a:r>
-              <a:rPr lang="en-US" altLang="en-US" b="1" dirty="0" err="1">
-                <a:latin typeface="Verdana" pitchFamily="34" charset="0"/>
-              </a:rPr>
-              <a:t>mtime</a:t>
-            </a:r>
-            <a:r>
-              <a:rPr lang="en-US" altLang="en-US" b="1" dirty="0">
-                <a:latin typeface="Verdana" pitchFamily="34" charset="0"/>
-              </a:rPr>
-              <a:t> n: Returns true if the file’s contents were modified n days ago.</a:t>
-            </a:r>
-          </a:p>
-          <a:p>
-            <a:r>
-              <a:rPr lang="en-US" altLang="en-US" b="1" dirty="0">
-                <a:latin typeface="Verdana" pitchFamily="34" charset="0"/>
-              </a:rPr>
-              <a:t>-size n: Returns true if the file size is n blocks.</a:t>
-            </a:r>
-          </a:p>
-          <a:p>
-            <a:r>
-              <a:rPr lang="en-US" altLang="en-US" b="1" dirty="0">
-                <a:latin typeface="Verdana" pitchFamily="34" charset="0"/>
-              </a:rPr>
-              <a:t>-perm – mode: Returns true if all the permission bits for mode are set for the file.</a:t>
-            </a:r>
-          </a:p>
-          <a:p>
-            <a:r>
-              <a:rPr lang="en-US" altLang="en-US" b="1" dirty="0">
-                <a:latin typeface="Verdana" pitchFamily="34" charset="0"/>
-              </a:rPr>
-              <a:t>-username: Returns true if the file is owned by username ‘name’.</a:t>
-            </a:r>
-            <a:endParaRPr lang="en-US" sz="2000" b="1" dirty="0">
-              <a:solidFill>
-                <a:srgbClr val="FFFF00"/>
-              </a:solidFill>
-              <a:latin typeface="Verdana" pitchFamily="34" charset="0"/>
+            <a:pPr>
+              <a:buFont typeface="Arial" panose="020B0604020202020204" pitchFamily="34" charset="0"/>
+              <a:buChar char="•"/>
+            </a:pPr>
+            <a:r>
+              <a:rPr lang="en-US" dirty="0"/>
+              <a:t>The basic concept of a shell script is a list of commands, which are listed in the order of execution. </a:t>
+            </a:r>
+          </a:p>
+          <a:p>
+            <a:pPr>
+              <a:buFont typeface="Arial" panose="020B0604020202020204" pitchFamily="34" charset="0"/>
+              <a:buChar char="•"/>
+            </a:pPr>
+            <a:r>
+              <a:rPr lang="en-US" dirty="0"/>
+              <a:t>A good shell script will have comments, preceded by a pound sign, #, describing the steps.</a:t>
+            </a:r>
+          </a:p>
+          <a:p>
+            <a:pPr>
+              <a:buFont typeface="Arial" panose="020B0604020202020204" pitchFamily="34" charset="0"/>
+              <a:buChar char="•"/>
+            </a:pPr>
+            <a:r>
+              <a:rPr lang="en-US" dirty="0"/>
+              <a:t>Shell scripts and functions are both interpreted. This means they are not compiled.</a:t>
+            </a:r>
+          </a:p>
+          <a:p>
+            <a:pPr>
+              <a:buFont typeface="Arial" panose="020B0604020202020204" pitchFamily="34" charset="0"/>
+              <a:buChar char="•"/>
+            </a:pPr>
+            <a:r>
+              <a:rPr lang="en-US" dirty="0"/>
+              <a:t>Example Script:</a:t>
+            </a:r>
+          </a:p>
+          <a:p>
+            <a:pPr lvl="2" indent="0">
+              <a:buNone/>
+            </a:pPr>
+            <a:r>
+              <a:rPr lang="en-US" dirty="0">
+                <a:latin typeface="Courier New" panose="02070309020205020404" pitchFamily="49" charset="0"/>
+                <a:cs typeface="Courier New" panose="02070309020205020404" pitchFamily="49" charset="0"/>
+              </a:rPr>
+              <a:t> #!/bin/bash</a:t>
+            </a:r>
+          </a:p>
+          <a:p>
+            <a:pPr lvl="2" indent="0">
+              <a:buNone/>
+            </a:pPr>
+            <a:r>
+              <a:rPr lang="en-US" dirty="0">
+                <a:latin typeface="Courier New" panose="02070309020205020404" pitchFamily="49" charset="0"/>
+                <a:cs typeface="Courier New" panose="02070309020205020404" pitchFamily="49" charset="0"/>
+              </a:rPr>
+              <a:t> # Author : Ramesh K</a:t>
+            </a:r>
+          </a:p>
+          <a:p>
+            <a:pPr lvl="2" indent="0">
+              <a:buNone/>
+            </a:pPr>
+            <a:r>
+              <a:rPr lang="en-US" dirty="0">
+                <a:latin typeface="Courier New" panose="02070309020205020404" pitchFamily="49" charset="0"/>
+                <a:cs typeface="Courier New" panose="02070309020205020404" pitchFamily="49" charset="0"/>
+              </a:rPr>
+              <a:t> # Copyright : </a:t>
+            </a:r>
+            <a:r>
+              <a:rPr lang="en-US" dirty="0" err="1">
+                <a:latin typeface="Courier New" panose="02070309020205020404" pitchFamily="49" charset="0"/>
+                <a:cs typeface="Courier New" panose="02070309020205020404" pitchFamily="49" charset="0"/>
+              </a:rPr>
+              <a:t>Altimetrik</a:t>
+            </a:r>
+            <a:endParaRPr lang="en-US" dirty="0">
+              <a:latin typeface="Courier New" panose="02070309020205020404" pitchFamily="49" charset="0"/>
+              <a:cs typeface="Courier New" panose="02070309020205020404" pitchFamily="49" charset="0"/>
             </a:endParaRPr>
+          </a:p>
+          <a:p>
+            <a:pPr lvl="2" indent="0">
+              <a:buNone/>
+            </a:pPr>
+            <a:r>
+              <a:rPr lang="en-US" dirty="0">
+                <a:latin typeface="Courier New" panose="02070309020205020404" pitchFamily="49" charset="0"/>
+                <a:cs typeface="Courier New" panose="02070309020205020404" pitchFamily="49" charset="0"/>
+              </a:rPr>
+              <a:t> # Script follows here:</a:t>
+            </a:r>
+          </a:p>
+          <a:p>
+            <a:pPr lvl="2" indent="0">
+              <a:buNone/>
+            </a:pPr>
+            <a:r>
+              <a:rPr lang="en-US" dirty="0">
+                <a:latin typeface="Courier New" panose="02070309020205020404" pitchFamily="49" charset="0"/>
+                <a:cs typeface="Courier New" panose="02070309020205020404" pitchFamily="49" charset="0"/>
+              </a:rPr>
+              <a:t> </a:t>
+            </a:r>
+            <a:r>
+              <a:rPr lang="en-US" dirty="0" err="1">
+                <a:latin typeface="Courier New" panose="02070309020205020404" pitchFamily="49" charset="0"/>
+                <a:cs typeface="Courier New" panose="02070309020205020404" pitchFamily="49" charset="0"/>
+              </a:rPr>
+              <a:t>pwd</a:t>
+            </a:r>
+            <a:endParaRPr lang="en-US" dirty="0">
+              <a:latin typeface="Courier New" panose="02070309020205020404" pitchFamily="49" charset="0"/>
+              <a:cs typeface="Courier New" panose="02070309020205020404" pitchFamily="49" charset="0"/>
+            </a:endParaRPr>
+          </a:p>
+          <a:p>
+            <a:pPr lvl="2" indent="0">
+              <a:buNone/>
+            </a:pPr>
+            <a:r>
+              <a:rPr lang="en-US" dirty="0">
+                <a:latin typeface="Courier New" panose="02070309020205020404" pitchFamily="49" charset="0"/>
+                <a:cs typeface="Courier New" panose="02070309020205020404" pitchFamily="49" charset="0"/>
+              </a:rPr>
+              <a:t> </a:t>
+            </a:r>
+            <a:r>
+              <a:rPr lang="en-US" dirty="0" err="1">
+                <a:latin typeface="Courier New" panose="02070309020205020404" pitchFamily="49" charset="0"/>
+                <a:cs typeface="Courier New" panose="02070309020205020404" pitchFamily="49" charset="0"/>
+              </a:rPr>
+              <a:t>ls</a:t>
+            </a:r>
+            <a:endParaRPr lang="en-US" dirty="0">
+              <a:latin typeface="Courier New" panose="02070309020205020404" pitchFamily="49" charset="0"/>
+              <a:cs typeface="Courier New" panose="02070309020205020404" pitchFamily="49" charset="0"/>
+            </a:endParaRPr>
+          </a:p>
+          <a:p>
+            <a:endParaRPr lang="en-US" dirty="0"/>
           </a:p>
         </p:txBody>
       </p:sp>
     </p:spTree>
     <p:extLst>
       <p:ext uri="{BB962C8B-B14F-4D97-AF65-F5344CB8AC3E}">
-        <p14:creationId xmlns:p14="http://schemas.microsoft.com/office/powerpoint/2010/main" val="2847628468"/>
+        <p14:creationId xmlns:p14="http://schemas.microsoft.com/office/powerpoint/2010/main" val="2183881721"/>
       </p:ext>
     </p:extLst>
   </p:cSld>
@@ -11667,8 +11527,8 @@
           <a:lstStyle/>
           <a:p>
             <a:r>
-              <a:rPr lang="en-US" dirty="0" err="1"/>
-              <a:t>chmod</a:t>
+              <a:rPr lang="en-US" b="1" dirty="0"/>
+              <a:t>Shell Variables</a:t>
             </a:r>
             <a:endParaRPr lang="en-US" dirty="0"/>
           </a:p>
@@ -11692,184 +11552,84 @@
         </p:spPr>
         <p:txBody>
           <a:bodyPr>
-            <a:normAutofit fontScale="92500" lnSpcReduction="20000"/>
+            <a:normAutofit/>
           </a:bodyPr>
           <a:lstStyle/>
           <a:p>
-            <a:r>
-              <a:rPr lang="en-US" altLang="en-US" b="1" dirty="0" err="1">
-                <a:latin typeface="Verdana" pitchFamily="34" charset="0"/>
-              </a:rPr>
-              <a:t>chmod</a:t>
-            </a:r>
-            <a:r>
-              <a:rPr lang="en-US" altLang="en-US" b="1" dirty="0">
-                <a:latin typeface="Verdana" pitchFamily="34" charset="0"/>
-              </a:rPr>
-              <a:t> changes the permissions of each given file according to mode, where mode describes the permissions to modify. Mode can be specified with octal numbers or with letters.</a:t>
-            </a:r>
-          </a:p>
-          <a:p>
-            <a:endParaRPr lang="en-US" sz="2000" b="1" dirty="0">
-              <a:solidFill>
-                <a:srgbClr val="FFFF00"/>
-              </a:solidFill>
-              <a:latin typeface="Verdana" pitchFamily="34" charset="0"/>
-            </a:endParaRPr>
-          </a:p>
-          <a:p>
-            <a:r>
-              <a:rPr lang="en-US" sz="2000" b="1" dirty="0">
-                <a:solidFill>
-                  <a:srgbClr val="FFFF00"/>
-                </a:solidFill>
-                <a:latin typeface="Verdana" pitchFamily="34" charset="0"/>
-              </a:rPr>
-              <a:t>Read by owner only</a:t>
-            </a:r>
-          </a:p>
-          <a:p>
-            <a:r>
-              <a:rPr lang="en-US" sz="2000" b="1" dirty="0">
-                <a:solidFill>
-                  <a:srgbClr val="FFFF00"/>
-                </a:solidFill>
-                <a:latin typeface="Verdana" pitchFamily="34" charset="0"/>
-              </a:rPr>
-              <a:t>$ </a:t>
-            </a:r>
-            <a:r>
-              <a:rPr lang="en-US" sz="2000" b="1" dirty="0" err="1">
-                <a:solidFill>
-                  <a:srgbClr val="FFFF00"/>
-                </a:solidFill>
-                <a:latin typeface="Verdana" pitchFamily="34" charset="0"/>
-              </a:rPr>
-              <a:t>chmod</a:t>
-            </a:r>
-            <a:r>
-              <a:rPr lang="en-US" sz="2000" b="1" dirty="0">
-                <a:solidFill>
-                  <a:srgbClr val="FFFF00"/>
-                </a:solidFill>
-                <a:latin typeface="Verdana" pitchFamily="34" charset="0"/>
-              </a:rPr>
-              <a:t> 400 sample.txt</a:t>
-            </a:r>
-          </a:p>
-          <a:p>
-            <a:endParaRPr lang="en-US" sz="2000" b="1" dirty="0">
-              <a:solidFill>
-                <a:srgbClr val="FFFF00"/>
-              </a:solidFill>
-              <a:latin typeface="Verdana" pitchFamily="34" charset="0"/>
-            </a:endParaRPr>
-          </a:p>
-          <a:p>
-            <a:r>
-              <a:rPr lang="en-US" sz="2000" b="1" dirty="0">
-                <a:solidFill>
-                  <a:srgbClr val="FFFF00"/>
-                </a:solidFill>
-                <a:latin typeface="Verdana" pitchFamily="34" charset="0"/>
-              </a:rPr>
-              <a:t>Read by group only</a:t>
-            </a:r>
-          </a:p>
-          <a:p>
-            <a:r>
-              <a:rPr lang="en-US" sz="2000" b="1" dirty="0">
-                <a:solidFill>
-                  <a:srgbClr val="FFFF00"/>
-                </a:solidFill>
-                <a:latin typeface="Verdana" pitchFamily="34" charset="0"/>
-              </a:rPr>
-              <a:t>$ </a:t>
-            </a:r>
-            <a:r>
-              <a:rPr lang="en-US" sz="2000" b="1" dirty="0" err="1">
-                <a:solidFill>
-                  <a:srgbClr val="FFFF00"/>
-                </a:solidFill>
-                <a:latin typeface="Verdana" pitchFamily="34" charset="0"/>
-              </a:rPr>
-              <a:t>chmod</a:t>
-            </a:r>
-            <a:r>
-              <a:rPr lang="en-US" sz="2000" b="1" dirty="0">
-                <a:solidFill>
-                  <a:srgbClr val="FFFF00"/>
-                </a:solidFill>
-                <a:latin typeface="Verdana" pitchFamily="34" charset="0"/>
-              </a:rPr>
-              <a:t> 040 sample.txt</a:t>
-            </a:r>
-          </a:p>
-          <a:p>
-            <a:endParaRPr lang="en-US" sz="2000" b="1" dirty="0">
-              <a:solidFill>
-                <a:srgbClr val="FFFF00"/>
-              </a:solidFill>
-              <a:latin typeface="Verdana" pitchFamily="34" charset="0"/>
-            </a:endParaRPr>
-          </a:p>
-          <a:p>
-            <a:r>
-              <a:rPr lang="en-US" sz="2000" b="1" dirty="0">
-                <a:solidFill>
-                  <a:srgbClr val="FFFF00"/>
-                </a:solidFill>
-                <a:latin typeface="Verdana" pitchFamily="34" charset="0"/>
-              </a:rPr>
-              <a:t>Read by anyone</a:t>
-            </a:r>
-          </a:p>
-          <a:p>
-            <a:r>
-              <a:rPr lang="en-US" sz="2000" b="1" dirty="0">
-                <a:solidFill>
-                  <a:srgbClr val="FFFF00"/>
-                </a:solidFill>
-                <a:latin typeface="Verdana" pitchFamily="34" charset="0"/>
-              </a:rPr>
-              <a:t>$ </a:t>
-            </a:r>
-            <a:r>
-              <a:rPr lang="en-US" sz="2000" b="1" dirty="0" err="1">
-                <a:solidFill>
-                  <a:srgbClr val="FFFF00"/>
-                </a:solidFill>
-                <a:latin typeface="Verdana" pitchFamily="34" charset="0"/>
-              </a:rPr>
-              <a:t>chmod</a:t>
-            </a:r>
-            <a:r>
-              <a:rPr lang="en-US" sz="2000" b="1" dirty="0">
-                <a:solidFill>
-                  <a:srgbClr val="FFFF00"/>
-                </a:solidFill>
-                <a:latin typeface="Verdana" pitchFamily="34" charset="0"/>
-              </a:rPr>
-              <a:t> 004 sample.txt</a:t>
-            </a:r>
-          </a:p>
-          <a:p>
-            <a:pPr marL="0" indent="0">
-              <a:buNone/>
+            <a:pPr>
+              <a:buFont typeface="Arial" panose="020B0604020202020204" pitchFamily="34" charset="0"/>
+              <a:buChar char="•"/>
             </a:pPr>
-            <a:endParaRPr lang="en-US" sz="2000" b="1" dirty="0">
-              <a:solidFill>
-                <a:srgbClr val="FFFF00"/>
-              </a:solidFill>
-              <a:latin typeface="Verdana" pitchFamily="34" charset="0"/>
-            </a:endParaRPr>
+            <a:r>
+              <a:rPr lang="en-US" dirty="0"/>
+              <a:t>A variable is a character string capable of storing a value. value assigned could be a number, text, filename, device, or any other type of data.</a:t>
+            </a:r>
+          </a:p>
+          <a:p>
+            <a:endParaRPr lang="en-US" dirty="0"/>
+          </a:p>
+          <a:p>
+            <a:pPr>
+              <a:buFont typeface="Arial" pitchFamily="34" charset="0"/>
+              <a:buChar char="•"/>
+            </a:pPr>
+            <a:r>
+              <a:rPr lang="en-US" dirty="0"/>
+              <a:t>Rules:-</a:t>
+            </a:r>
+          </a:p>
+          <a:p>
+            <a:pPr lvl="1">
+              <a:buFont typeface="Wingdings" panose="05000000000000000000" pitchFamily="2" charset="2"/>
+              <a:buChar char="ü"/>
+            </a:pPr>
+            <a:r>
+              <a:rPr lang="en-US" dirty="0"/>
+              <a:t>contain only letters (a-z or A-Z)</a:t>
+            </a:r>
+          </a:p>
+          <a:p>
+            <a:pPr lvl="1">
+              <a:buFont typeface="Wingdings" panose="05000000000000000000" pitchFamily="2" charset="2"/>
+              <a:buChar char="ü"/>
+            </a:pPr>
+            <a:r>
+              <a:rPr lang="en-US" dirty="0"/>
+              <a:t>Digits (0-9)</a:t>
+            </a:r>
+          </a:p>
+          <a:p>
+            <a:pPr lvl="1">
+              <a:buFont typeface="Wingdings" panose="05000000000000000000" pitchFamily="2" charset="2"/>
+              <a:buChar char="ü"/>
+            </a:pPr>
+            <a:r>
+              <a:rPr lang="en-US" dirty="0"/>
+              <a:t>Can contain Underscore character</a:t>
+            </a:r>
+          </a:p>
+          <a:p>
+            <a:endParaRPr lang="en-US" dirty="0"/>
+          </a:p>
+          <a:p>
+            <a:pPr>
+              <a:buFont typeface="Arial" pitchFamily="34" charset="0"/>
+              <a:buChar char="•"/>
+            </a:pPr>
+            <a:r>
+              <a:rPr lang="en-US" dirty="0"/>
+              <a:t>Unix Variables are case sensitive.</a:t>
+            </a:r>
+          </a:p>
+          <a:p>
+            <a:endParaRPr lang="en-US" dirty="0"/>
           </a:p>
         </p:txBody>
       </p:sp>
     </p:spTree>
     <p:extLst>
       <p:ext uri="{BB962C8B-B14F-4D97-AF65-F5344CB8AC3E}">
-        <p14:creationId xmlns:p14="http://schemas.microsoft.com/office/powerpoint/2010/main" val="557420976"/>
+        <p14:creationId xmlns:p14="http://schemas.microsoft.com/office/powerpoint/2010/main" val="1363270315"/>
       </p:ext>
     </p:extLst>
   </p:cSld>
@@ -11906,16 +11666,20 @@
             <p:ph type="title"/>
           </p:nvPr>
         </p:nvSpPr>
-        <p:spPr/>
+        <p:spPr>
+          <a:xfrm>
+            <a:off x="646111" y="452718"/>
+            <a:ext cx="9887418" cy="1400530"/>
+          </a:xfrm>
+        </p:spPr>
         <p:txBody>
           <a:bodyPr/>
           <a:lstStyle/>
           <a:p>
             <a:r>
-              <a:rPr lang="en-US" dirty="0" err="1"/>
-              <a:t>chmod</a:t>
-            </a:r>
-            <a:endParaRPr lang="en-US" dirty="0"/>
+              <a:rPr lang="en-US" dirty="0"/>
+              <a:t>Defining &amp; Accessing Variables:</a:t>
+            </a:r>
           </a:p>
         </p:txBody>
       </p:sp>
@@ -11937,232 +11701,96 @@
         </p:spPr>
         <p:txBody>
           <a:bodyPr>
-            <a:noAutofit/>
+            <a:normAutofit/>
           </a:bodyPr>
           <a:lstStyle/>
           <a:p>
-            <a:pPr marL="0" indent="0">
+            <a:r>
+              <a:rPr lang="en-US" b="1" dirty="0"/>
+              <a:t>-Defining Variables</a:t>
+            </a:r>
+          </a:p>
+          <a:p>
+            <a:pPr lvl="1"/>
+            <a:r>
+              <a:rPr lang="en-US" dirty="0" err="1"/>
+              <a:t>variable_name</a:t>
+            </a:r>
+            <a:r>
+              <a:rPr lang="en-US" dirty="0"/>
+              <a:t>=</a:t>
+            </a:r>
+            <a:r>
+              <a:rPr lang="en-US" dirty="0" err="1"/>
+              <a:t>variable_value</a:t>
+            </a:r>
+            <a:r>
+              <a:rPr lang="en-US" dirty="0"/>
+              <a:t> </a:t>
+            </a:r>
+          </a:p>
+          <a:p>
+            <a:pPr lvl="1"/>
+            <a:r>
+              <a:rPr lang="en-US" dirty="0"/>
+              <a:t>Example: </a:t>
+            </a:r>
+          </a:p>
+          <a:p>
+            <a:pPr lvl="1">
               <a:buNone/>
             </a:pPr>
             <a:r>
-              <a:rPr lang="en-US" b="1" dirty="0">
-                <a:solidFill>
-                  <a:srgbClr val="FFFF00"/>
-                </a:solidFill>
-                <a:latin typeface="Verdana" pitchFamily="34" charset="0"/>
-              </a:rPr>
-              <a:t>Write by owner only</a:t>
-            </a:r>
-          </a:p>
-          <a:p>
-            <a:pPr marL="0" indent="0">
+              <a:rPr lang="en-US" dirty="0"/>
+              <a:t>              NAME=RAMESH</a:t>
+            </a:r>
+          </a:p>
+          <a:p>
+            <a:r>
+              <a:rPr lang="en-US" b="1" dirty="0"/>
+              <a:t>-Accessing Values:</a:t>
+            </a:r>
+          </a:p>
+          <a:p>
+            <a:pPr lvl="1"/>
+            <a:r>
+              <a:rPr lang="en-US" dirty="0"/>
+              <a:t>echo $</a:t>
+            </a:r>
+            <a:r>
+              <a:rPr lang="en-US" dirty="0" err="1"/>
+              <a:t>variable_value</a:t>
+            </a:r>
+            <a:r>
+              <a:rPr lang="en-US" dirty="0"/>
+              <a:t> </a:t>
+            </a:r>
+          </a:p>
+          <a:p>
+            <a:pPr lvl="1"/>
+            <a:r>
+              <a:rPr lang="en-US" dirty="0"/>
+              <a:t>Example: </a:t>
+            </a:r>
+          </a:p>
+          <a:p>
+            <a:pPr lvl="1">
               <a:buNone/>
             </a:pPr>
             <a:r>
-              <a:rPr lang="en-US" b="1" dirty="0">
-                <a:solidFill>
-                  <a:srgbClr val="FFFF00"/>
-                </a:solidFill>
-                <a:latin typeface="Verdana" pitchFamily="34" charset="0"/>
-              </a:rPr>
-              <a:t>$ </a:t>
-            </a:r>
-            <a:r>
-              <a:rPr lang="en-US" b="1" dirty="0" err="1">
-                <a:solidFill>
-                  <a:srgbClr val="FFFF00"/>
-                </a:solidFill>
-                <a:latin typeface="Verdana" pitchFamily="34" charset="0"/>
-              </a:rPr>
-              <a:t>chmod</a:t>
-            </a:r>
-            <a:r>
-              <a:rPr lang="en-US" b="1" dirty="0">
-                <a:solidFill>
-                  <a:srgbClr val="FFFF00"/>
-                </a:solidFill>
-                <a:latin typeface="Verdana" pitchFamily="34" charset="0"/>
-              </a:rPr>
-              <a:t> 200 sample.txt</a:t>
-            </a:r>
-          </a:p>
-          <a:p>
-            <a:pPr marL="0" indent="0">
-              <a:buNone/>
-            </a:pPr>
-            <a:endParaRPr lang="en-US" b="1" dirty="0">
-              <a:solidFill>
-                <a:srgbClr val="FFFF00"/>
-              </a:solidFill>
-              <a:latin typeface="Verdana" pitchFamily="34" charset="0"/>
-            </a:endParaRPr>
-          </a:p>
-          <a:p>
-            <a:pPr marL="0" indent="0">
-              <a:buNone/>
-            </a:pPr>
-            <a:r>
-              <a:rPr lang="en-US" b="1" dirty="0">
-                <a:solidFill>
-                  <a:srgbClr val="FFFF00"/>
-                </a:solidFill>
-                <a:latin typeface="Verdana" pitchFamily="34" charset="0"/>
-              </a:rPr>
-              <a:t>Write by group only</a:t>
-            </a:r>
-          </a:p>
-          <a:p>
-            <a:pPr marL="0" indent="0">
-              <a:buNone/>
-            </a:pPr>
-            <a:r>
-              <a:rPr lang="en-US" b="1" dirty="0">
-                <a:solidFill>
-                  <a:srgbClr val="FFFF00"/>
-                </a:solidFill>
-                <a:latin typeface="Verdana" pitchFamily="34" charset="0"/>
-              </a:rPr>
-              <a:t>$ </a:t>
-            </a:r>
-            <a:r>
-              <a:rPr lang="en-US" b="1" dirty="0" err="1">
-                <a:solidFill>
-                  <a:srgbClr val="FFFF00"/>
-                </a:solidFill>
-                <a:latin typeface="Verdana" pitchFamily="34" charset="0"/>
-              </a:rPr>
-              <a:t>chmod</a:t>
-            </a:r>
-            <a:r>
-              <a:rPr lang="en-US" b="1" dirty="0">
-                <a:solidFill>
-                  <a:srgbClr val="FFFF00"/>
-                </a:solidFill>
-                <a:latin typeface="Verdana" pitchFamily="34" charset="0"/>
-              </a:rPr>
-              <a:t> 020 sample.txt</a:t>
-            </a:r>
-          </a:p>
-          <a:p>
-            <a:pPr marL="0" indent="0">
-              <a:buNone/>
-            </a:pPr>
-            <a:endParaRPr lang="en-US" b="1" dirty="0">
-              <a:solidFill>
-                <a:srgbClr val="FFFF00"/>
-              </a:solidFill>
-              <a:latin typeface="Verdana" pitchFamily="34" charset="0"/>
-            </a:endParaRPr>
-          </a:p>
-          <a:p>
-            <a:pPr marL="0" indent="0">
-              <a:buNone/>
-            </a:pPr>
-            <a:r>
-              <a:rPr lang="en-US" b="1" dirty="0">
-                <a:solidFill>
-                  <a:srgbClr val="FFFF00"/>
-                </a:solidFill>
-                <a:latin typeface="Verdana" pitchFamily="34" charset="0"/>
-              </a:rPr>
-              <a:t>Execute by owner only</a:t>
-            </a:r>
-          </a:p>
-          <a:p>
-            <a:pPr marL="0" indent="0">
-              <a:buNone/>
-            </a:pPr>
-            <a:r>
-              <a:rPr lang="en-US" b="1" dirty="0">
-                <a:solidFill>
-                  <a:srgbClr val="FFFF00"/>
-                </a:solidFill>
-                <a:latin typeface="Verdana" pitchFamily="34" charset="0"/>
-              </a:rPr>
-              <a:t>$ </a:t>
-            </a:r>
-            <a:r>
-              <a:rPr lang="en-US" b="1" dirty="0" err="1">
-                <a:solidFill>
-                  <a:srgbClr val="FFFF00"/>
-                </a:solidFill>
-                <a:latin typeface="Verdana" pitchFamily="34" charset="0"/>
-              </a:rPr>
-              <a:t>chmod</a:t>
-            </a:r>
-            <a:r>
-              <a:rPr lang="en-US" b="1" dirty="0">
-                <a:solidFill>
-                  <a:srgbClr val="FFFF00"/>
-                </a:solidFill>
-                <a:latin typeface="Verdana" pitchFamily="34" charset="0"/>
-              </a:rPr>
-              <a:t> 100 sample.txt</a:t>
-            </a:r>
-          </a:p>
-          <a:p>
-            <a:pPr marL="0" indent="0">
-              <a:buNone/>
-            </a:pPr>
-            <a:endParaRPr lang="en-US" b="1" dirty="0">
-              <a:solidFill>
-                <a:srgbClr val="FFFF00"/>
-              </a:solidFill>
-              <a:latin typeface="Verdana" pitchFamily="34" charset="0"/>
-            </a:endParaRPr>
-          </a:p>
-          <a:p>
-            <a:pPr marL="0" indent="0">
-              <a:buNone/>
-            </a:pPr>
-            <a:r>
-              <a:rPr lang="en-US" b="1" dirty="0">
-                <a:solidFill>
-                  <a:srgbClr val="FFFF00"/>
-                </a:solidFill>
-                <a:latin typeface="Verdana" pitchFamily="34" charset="0"/>
-              </a:rPr>
-              <a:t>Execute by group only</a:t>
-            </a:r>
-          </a:p>
-          <a:p>
-            <a:pPr marL="0" indent="0">
-              <a:buNone/>
-            </a:pPr>
-            <a:r>
-              <a:rPr lang="en-US" b="1" dirty="0">
-                <a:solidFill>
-                  <a:srgbClr val="FFFF00"/>
-                </a:solidFill>
-                <a:latin typeface="Verdana" pitchFamily="34" charset="0"/>
-              </a:rPr>
-              <a:t>$ </a:t>
-            </a:r>
-            <a:r>
-              <a:rPr lang="en-US" b="1" dirty="0" err="1">
-                <a:solidFill>
-                  <a:srgbClr val="FFFF00"/>
-                </a:solidFill>
-                <a:latin typeface="Verdana" pitchFamily="34" charset="0"/>
-              </a:rPr>
-              <a:t>chmod</a:t>
-            </a:r>
-            <a:r>
-              <a:rPr lang="en-US" b="1" dirty="0">
-                <a:solidFill>
-                  <a:srgbClr val="FFFF00"/>
-                </a:solidFill>
-                <a:latin typeface="Verdana" pitchFamily="34" charset="0"/>
-              </a:rPr>
-              <a:t> 010 sample.txt</a:t>
-            </a:r>
+              <a:rPr lang="en-US" dirty="0"/>
+              <a:t>               echo $NAME</a:t>
+            </a:r>
+          </a:p>
+          <a:p>
+            <a:endParaRPr lang="en-US" b="1" dirty="0"/>
           </a:p>
         </p:txBody>
       </p:sp>
     </p:spTree>
     <p:extLst>
       <p:ext uri="{BB962C8B-B14F-4D97-AF65-F5344CB8AC3E}">
-        <p14:creationId xmlns:p14="http://schemas.microsoft.com/office/powerpoint/2010/main" val="1048572984"/>
+        <p14:creationId xmlns:p14="http://schemas.microsoft.com/office/powerpoint/2010/main" val="2390609421"/>
       </p:ext>
     </p:extLst>
   </p:cSld>
@@ -12199,14 +11827,19 @@
             <p:ph type="title"/>
           </p:nvPr>
         </p:nvSpPr>
-        <p:spPr/>
+        <p:spPr>
+          <a:xfrm>
+            <a:off x="646111" y="452718"/>
+            <a:ext cx="9887418" cy="1400530"/>
+          </a:xfrm>
+        </p:spPr>
         <p:txBody>
           <a:bodyPr/>
           <a:lstStyle/>
           <a:p>
             <a:r>
-              <a:rPr lang="en-US" dirty="0" err="1"/>
-              <a:t>chown</a:t>
+              <a:rPr lang="en-US" b="1" dirty="0"/>
+              <a:t>Variable Types</a:t>
             </a:r>
             <a:endParaRPr lang="en-US" dirty="0"/>
           </a:p>
@@ -12230,176 +11863,59 @@
         </p:spPr>
         <p:txBody>
           <a:bodyPr>
-            <a:noAutofit/>
+            <a:normAutofit/>
           </a:bodyPr>
           <a:lstStyle/>
           <a:p>
-            <a:pPr marL="0" indent="0">
-              <a:buNone/>
-            </a:pPr>
-            <a:r>
-              <a:rPr lang="en-US" sz="1900" b="1" dirty="0">
-                <a:latin typeface="Verdana" pitchFamily="34" charset="0"/>
-              </a:rPr>
-              <a:t>To change owner, change the user and/or group ownership of each given File to a new Owner. </a:t>
-            </a:r>
-            <a:r>
-              <a:rPr lang="en-US" sz="1900" b="1" dirty="0" err="1">
-                <a:latin typeface="Verdana" pitchFamily="34" charset="0"/>
-              </a:rPr>
-              <a:t>Chown</a:t>
-            </a:r>
-            <a:r>
-              <a:rPr lang="en-US" sz="1900" b="1" dirty="0">
-                <a:latin typeface="Verdana" pitchFamily="34" charset="0"/>
-              </a:rPr>
-              <a:t> can also change the ownership of a file to match the user/group of an existing reference file.</a:t>
-            </a:r>
-          </a:p>
-          <a:p>
-            <a:pPr marL="0" indent="0">
-              <a:buNone/>
-            </a:pPr>
-            <a:endParaRPr lang="en-US" sz="1900" b="1" dirty="0">
-              <a:latin typeface="Verdana" pitchFamily="34" charset="0"/>
-            </a:endParaRPr>
-          </a:p>
-          <a:p>
-            <a:pPr marL="0" indent="0">
-              <a:buNone/>
-            </a:pPr>
-            <a:r>
-              <a:rPr lang="en-US" b="1" dirty="0">
-                <a:solidFill>
-                  <a:srgbClr val="FFFF00"/>
-                </a:solidFill>
-                <a:latin typeface="Verdana" pitchFamily="34" charset="0"/>
-              </a:rPr>
-              <a:t>Change the owner of file.</a:t>
-            </a:r>
-          </a:p>
-          <a:p>
-            <a:pPr marL="0" indent="0">
-              <a:buNone/>
-            </a:pPr>
-            <a:r>
-              <a:rPr lang="en-US" b="1" dirty="0">
-                <a:solidFill>
-                  <a:srgbClr val="FFFF00"/>
-                </a:solidFill>
-                <a:latin typeface="Verdana" pitchFamily="34" charset="0"/>
-              </a:rPr>
-              <a:t>$ </a:t>
-            </a:r>
-            <a:r>
-              <a:rPr lang="en-US" b="1" dirty="0" err="1">
-                <a:solidFill>
-                  <a:srgbClr val="FFFF00"/>
-                </a:solidFill>
-                <a:latin typeface="Verdana" pitchFamily="34" charset="0"/>
-              </a:rPr>
-              <a:t>chown</a:t>
-            </a:r>
-            <a:r>
-              <a:rPr lang="en-US" b="1" dirty="0">
-                <a:solidFill>
-                  <a:srgbClr val="FFFF00"/>
-                </a:solidFill>
-                <a:latin typeface="Verdana" pitchFamily="34" charset="0"/>
-              </a:rPr>
-              <a:t> user1 sample.txt</a:t>
-            </a:r>
-          </a:p>
-          <a:p>
-            <a:pPr marL="0" indent="0">
-              <a:buNone/>
-            </a:pPr>
-            <a:endParaRPr lang="en-US" b="1" dirty="0">
-              <a:solidFill>
-                <a:srgbClr val="FFFF00"/>
-              </a:solidFill>
-              <a:latin typeface="Verdana" pitchFamily="34" charset="0"/>
-            </a:endParaRPr>
-          </a:p>
-          <a:p>
-            <a:pPr marL="0" indent="0">
-              <a:buNone/>
-            </a:pPr>
-            <a:endParaRPr lang="en-US" b="1" dirty="0">
-              <a:solidFill>
-                <a:srgbClr val="FFFF00"/>
-              </a:solidFill>
-              <a:latin typeface="Verdana" pitchFamily="34" charset="0"/>
-            </a:endParaRPr>
-          </a:p>
-          <a:p>
-            <a:pPr marL="0" indent="0">
-              <a:buNone/>
-            </a:pPr>
-            <a:r>
-              <a:rPr lang="en-US" b="1" dirty="0">
-                <a:solidFill>
-                  <a:srgbClr val="FFFF00"/>
-                </a:solidFill>
-                <a:latin typeface="Verdana" pitchFamily="34" charset="0"/>
-              </a:rPr>
-              <a:t>Change both the owner and group of file in single command.</a:t>
-            </a:r>
-          </a:p>
-          <a:p>
-            <a:pPr marL="0" indent="0">
-              <a:buNone/>
-            </a:pPr>
-            <a:r>
-              <a:rPr lang="en-US" b="1" dirty="0">
-                <a:solidFill>
-                  <a:srgbClr val="FFFF00"/>
-                </a:solidFill>
-                <a:latin typeface="Verdana" pitchFamily="34" charset="0"/>
-              </a:rPr>
-              <a:t>$ </a:t>
-            </a:r>
-            <a:r>
-              <a:rPr lang="en-US" b="1" dirty="0" err="1">
-                <a:solidFill>
-                  <a:srgbClr val="FFFF00"/>
-                </a:solidFill>
-                <a:latin typeface="Verdana" pitchFamily="34" charset="0"/>
-              </a:rPr>
-              <a:t>chown</a:t>
-            </a:r>
-            <a:r>
-              <a:rPr lang="en-US" b="1" dirty="0">
-                <a:solidFill>
-                  <a:srgbClr val="FFFF00"/>
-                </a:solidFill>
-                <a:latin typeface="Verdana" pitchFamily="34" charset="0"/>
-              </a:rPr>
-              <a:t> user1:mygroup file.txt</a:t>
-            </a:r>
-          </a:p>
-          <a:p>
-            <a:pPr marL="0" indent="0">
-              <a:buNone/>
-            </a:pPr>
-            <a:endParaRPr lang="en-US" sz="1900" b="1" dirty="0">
-              <a:latin typeface="Verdana" pitchFamily="34" charset="0"/>
-            </a:endParaRPr>
-          </a:p>
-          <a:p>
-            <a:pPr marL="0" indent="0">
-              <a:buNone/>
-            </a:pPr>
-            <a:endParaRPr lang="en-US" sz="1900" b="1" dirty="0">
-              <a:latin typeface="Verdana" pitchFamily="34" charset="0"/>
-            </a:endParaRPr>
+            <a:r>
+              <a:rPr lang="en-US" b="1" dirty="0"/>
+              <a:t>-Local Variables:-</a:t>
+            </a:r>
+          </a:p>
+          <a:p>
+            <a:pPr lvl="1"/>
+            <a:r>
+              <a:rPr lang="en-US" dirty="0"/>
+              <a:t>A local variable is a variable that is present within the current instance of the shell. It is not available to programs that are started by the shell.</a:t>
+            </a:r>
+            <a:endParaRPr lang="en-US" b="1" dirty="0"/>
+          </a:p>
+          <a:p>
+            <a:r>
+              <a:rPr lang="en-US" b="1" dirty="0"/>
+              <a:t>-Environment Variables</a:t>
+            </a:r>
+          </a:p>
+          <a:p>
+            <a:pPr lvl="1"/>
+            <a:r>
+              <a:rPr lang="en-US" dirty="0"/>
+              <a:t>An environment variable is a variable that is available to any child process of the shell.</a:t>
+            </a:r>
+            <a:endParaRPr lang="en-US" b="1" dirty="0"/>
+          </a:p>
+          <a:p>
+            <a:r>
+              <a:rPr lang="en-US" b="1" dirty="0"/>
+              <a:t>-Shell Variables</a:t>
+            </a:r>
+          </a:p>
+          <a:p>
+            <a:pPr lvl="1"/>
+            <a:r>
+              <a:rPr lang="en-US" dirty="0"/>
+              <a:t>A shell variable are environment variable that is set by the shell and is required by the shell in order to function correctly</a:t>
+            </a:r>
+          </a:p>
+          <a:p>
+            <a:endParaRPr lang="en-US" dirty="0"/>
           </a:p>
         </p:txBody>
       </p:sp>
     </p:spTree>
     <p:extLst>
       <p:ext uri="{BB962C8B-B14F-4D97-AF65-F5344CB8AC3E}">
-        <p14:creationId xmlns:p14="http://schemas.microsoft.com/office/powerpoint/2010/main" val="2011396583"/>
+        <p14:creationId xmlns:p14="http://schemas.microsoft.com/office/powerpoint/2010/main" val="1977271759"/>
       </p:ext>
     </p:extLst>
   </p:cSld>
@@ -12436,204 +11952,84 @@
             <p:ph type="title"/>
           </p:nvPr>
         </p:nvSpPr>
-        <p:spPr/>
-        <p:txBody>
-          <a:bodyPr/>
-          <a:lstStyle/>
-          <a:p>
-            <a:r>
-              <a:rPr lang="en-US" dirty="0" err="1"/>
-              <a:t>chgrp</a:t>
-            </a:r>
-            <a:endParaRPr lang="en-US" dirty="0"/>
-          </a:p>
-        </p:txBody>
-      </p:sp>
-      <p:sp>
-        <p:nvSpPr>
-          <p:cNvPr id="3" name="Content Placeholder 2"/>
-          <p:cNvSpPr>
-            <a:spLocks noGrp="1"/>
-          </p:cNvSpPr>
-          <p:nvPr>
-            <p:ph idx="1"/>
-          </p:nvPr>
-        </p:nvSpPr>
         <p:spPr>
           <a:xfrm>
-            <a:off x="646111" y="1568824"/>
-            <a:ext cx="8946541" cy="4195481"/>
+            <a:off x="646111" y="452718"/>
+            <a:ext cx="9887418" cy="1400530"/>
           </a:xfrm>
         </p:spPr>
         <p:txBody>
-          <a:bodyPr>
-            <a:noAutofit/>
-          </a:bodyPr>
-          <a:lstStyle/>
-          <a:p>
-            <a:pPr marL="0" indent="0">
-              <a:buNone/>
-            </a:pPr>
-            <a:r>
-              <a:rPr lang="en-US" sz="1900" b="1" dirty="0">
-                <a:latin typeface="Verdana" pitchFamily="34" charset="0"/>
-              </a:rPr>
-              <a:t>'</a:t>
-            </a:r>
-            <a:r>
-              <a:rPr lang="en-US" sz="1900" b="1" dirty="0" err="1">
-                <a:latin typeface="Verdana" pitchFamily="34" charset="0"/>
-              </a:rPr>
-              <a:t>chgrp</a:t>
-            </a:r>
-            <a:r>
-              <a:rPr lang="en-US" sz="1900" b="1" dirty="0">
-                <a:latin typeface="Verdana" pitchFamily="34" charset="0"/>
-              </a:rPr>
-              <a:t>' command changes the group ownership of each given File to Group (which can be either a group name or a numeric group id) or to match the same group as an existing reference file</a:t>
-            </a:r>
-          </a:p>
-          <a:p>
-            <a:pPr marL="0" indent="0">
-              <a:buNone/>
-            </a:pPr>
-            <a:endParaRPr lang="en-US" sz="1900" b="1" dirty="0">
-              <a:latin typeface="Verdana" pitchFamily="34" charset="0"/>
-            </a:endParaRPr>
-          </a:p>
-          <a:p>
-            <a:pPr marL="0" indent="0">
-              <a:buNone/>
-            </a:pPr>
-            <a:r>
-              <a:rPr lang="en-US" b="1" dirty="0">
+          <a:bodyPr/>
+          <a:lstStyle/>
+          <a:p>
+            <a:r>
+              <a:rPr lang="en-US" b="1" dirty="0"/>
+              <a:t>Shell Variables</a:t>
+            </a:r>
+            <a:endParaRPr lang="en-US" dirty="0"/>
+          </a:p>
+        </p:txBody>
+      </p:sp>
+      <p:pic>
+        <p:nvPicPr>
+          <p:cNvPr id="5" name="Picture 2"/>
+          <p:cNvPicPr>
+            <a:picLocks noGrp="1" noChangeAspect="1" noChangeArrowheads="1"/>
+          </p:cNvPicPr>
+          <p:nvPr>
+            <p:ph sz="quarter" idx="10"/>
+          </p:nvPr>
+        </p:nvPicPr>
+        <p:blipFill>
+          <a:blip r:embed="rId2">
+            <a:extLst>
+              <a:ext uri="{28A0092B-C50C-407E-A947-70E740481C1C}">
+                <a14:useLocalDpi xmlns:a14="http://schemas.microsoft.com/office/drawing/2010/main" val="0"/>
+              </a:ext>
+            </a:extLst>
+          </a:blip>
+          <a:srcRect/>
+          <a:stretch>
+            <a:fillRect/>
+          </a:stretch>
+        </p:blipFill>
+        <p:spPr bwMode="auto">
+          <a:xfrm>
+            <a:off x="367552" y="1692368"/>
+            <a:ext cx="11273589" cy="4562475"/>
+          </a:xfrm>
+          <a:prstGeom prst="rect">
+            <a:avLst/>
+          </a:prstGeom>
+          <a:noFill/>
+          <a:ln>
+            <a:noFill/>
+          </a:ln>
+          <a:extLst>
+            <a:ext uri="{909E8E84-426E-40DD-AFC4-6F175D3DCCD1}">
+              <a14:hiddenFill xmlns:a14="http://schemas.microsoft.com/office/drawing/2010/main">
                 <a:solidFill>
-                  <a:srgbClr val="FFFF00"/>
+                  <a:schemeClr val="accent1"/>
                 </a:solidFill>
-                <a:latin typeface="Verdana" pitchFamily="34" charset="0"/>
-              </a:rPr>
-              <a:t>To Make </a:t>
-            </a:r>
-            <a:r>
-              <a:rPr lang="en-US" b="1" dirty="0" err="1">
+              </a14:hiddenFill>
+            </a:ext>
+            <a:ext uri="{91240B29-F687-4F45-9708-019B960494DF}">
+              <a14:hiddenLine xmlns:a14="http://schemas.microsoft.com/office/drawing/2010/main" w="9525">
                 <a:solidFill>
-                  <a:srgbClr val="FFFF00"/>
+                  <a:schemeClr val="tx1"/>
                 </a:solidFill>
-                <a:latin typeface="Verdana" pitchFamily="34" charset="0"/>
-              </a:rPr>
-              <a:t>oracleadmin</a:t>
-            </a:r>
-            <a:r>
-              <a:rPr lang="en-US" b="1" dirty="0">
-                <a:solidFill>
-                  <a:srgbClr val="FFFF00"/>
-                </a:solidFill>
-                <a:latin typeface="Verdana" pitchFamily="34" charset="0"/>
-              </a:rPr>
-              <a:t> the owner of the database directory</a:t>
-            </a:r>
-          </a:p>
-          <a:p>
-            <a:pPr marL="0" indent="0">
-              <a:buNone/>
-            </a:pPr>
-            <a:r>
-              <a:rPr lang="en-US" b="1" dirty="0">
-                <a:solidFill>
-                  <a:srgbClr val="FFFF00"/>
-                </a:solidFill>
-                <a:latin typeface="Verdana" pitchFamily="34" charset="0"/>
-              </a:rPr>
-              <a:t>$ </a:t>
-            </a:r>
-            <a:r>
-              <a:rPr lang="en-US" b="1" dirty="0" err="1">
-                <a:solidFill>
-                  <a:srgbClr val="FFFF00"/>
-                </a:solidFill>
-                <a:latin typeface="Verdana" pitchFamily="34" charset="0"/>
-              </a:rPr>
-              <a:t>chgrp</a:t>
-            </a:r>
-            <a:r>
-              <a:rPr lang="en-US" b="1" dirty="0">
-                <a:solidFill>
-                  <a:srgbClr val="FFFF00"/>
-                </a:solidFill>
-                <a:latin typeface="Verdana" pitchFamily="34" charset="0"/>
-              </a:rPr>
-              <a:t> </a:t>
-            </a:r>
-            <a:r>
-              <a:rPr lang="en-US" b="1" dirty="0" err="1">
-                <a:solidFill>
-                  <a:srgbClr val="FFFF00"/>
-                </a:solidFill>
-                <a:latin typeface="Verdana" pitchFamily="34" charset="0"/>
-              </a:rPr>
-              <a:t>oracleadmin</a:t>
-            </a:r>
-            <a:r>
-              <a:rPr lang="en-US" b="1" dirty="0">
-                <a:solidFill>
-                  <a:srgbClr val="FFFF00"/>
-                </a:solidFill>
-                <a:latin typeface="Verdana" pitchFamily="34" charset="0"/>
-              </a:rPr>
-              <a:t> /</a:t>
-            </a:r>
-            <a:r>
-              <a:rPr lang="en-US" b="1" dirty="0" err="1">
-                <a:solidFill>
-                  <a:srgbClr val="FFFF00"/>
-                </a:solidFill>
-                <a:latin typeface="Verdana" pitchFamily="34" charset="0"/>
-              </a:rPr>
-              <a:t>usr</a:t>
-            </a:r>
-            <a:r>
-              <a:rPr lang="en-US" b="1" dirty="0">
-                <a:solidFill>
-                  <a:srgbClr val="FFFF00"/>
-                </a:solidFill>
-                <a:latin typeface="Verdana" pitchFamily="34" charset="0"/>
-              </a:rPr>
-              <a:t>/database</a:t>
-            </a:r>
-          </a:p>
-          <a:p>
-            <a:pPr marL="0" indent="0">
-              <a:buNone/>
-            </a:pPr>
-            <a:endParaRPr lang="en-US" b="1" dirty="0">
-              <a:solidFill>
-                <a:srgbClr val="FFFF00"/>
-              </a:solidFill>
-              <a:latin typeface="Verdana" pitchFamily="34" charset="0"/>
-            </a:endParaRPr>
-          </a:p>
-          <a:p>
-            <a:pPr marL="0" indent="0">
-              <a:buNone/>
-            </a:pPr>
-            <a:endParaRPr lang="en-US" sz="1900" b="1" dirty="0">
-              <a:latin typeface="Verdana" pitchFamily="34" charset="0"/>
-            </a:endParaRPr>
-          </a:p>
-          <a:p>
-            <a:pPr marL="0" indent="0">
-              <a:buNone/>
-            </a:pPr>
-            <a:endParaRPr lang="en-US" sz="1900" b="1" dirty="0">
-              <a:latin typeface="Verdana" pitchFamily="34" charset="0"/>
-            </a:endParaRPr>
-          </a:p>
-        </p:txBody>
-      </p:sp>
+                <a:miter lim="800000"/>
+                <a:headEnd/>
+                <a:tailEnd/>
+              </a14:hiddenLine>
+            </a:ext>
+          </a:extLst>
+        </p:spPr>
+      </p:pic>
     </p:spTree>
     <p:extLst>
       <p:ext uri="{BB962C8B-B14F-4D97-AF65-F5344CB8AC3E}">
-        <p14:creationId xmlns:p14="http://schemas.microsoft.com/office/powerpoint/2010/main" val="1530057697"/>
+        <p14:creationId xmlns:p14="http://schemas.microsoft.com/office/powerpoint/2010/main" val="605354044"/>
       </p:ext>
     </p:extLst>
   </p:cSld>
@@ -12670,226 +12066,100 @@
             <p:ph type="title"/>
           </p:nvPr>
         </p:nvSpPr>
-        <p:spPr/>
-        <p:txBody>
-          <a:bodyPr/>
-          <a:lstStyle/>
-          <a:p>
-            <a:r>
-              <a:rPr lang="en-US" dirty="0" err="1"/>
-              <a:t>umask</a:t>
-            </a:r>
-            <a:endParaRPr lang="en-US" dirty="0"/>
-          </a:p>
-        </p:txBody>
-      </p:sp>
-      <p:sp>
-        <p:nvSpPr>
-          <p:cNvPr id="3" name="Content Placeholder 2"/>
-          <p:cNvSpPr>
-            <a:spLocks noGrp="1"/>
-          </p:cNvSpPr>
-          <p:nvPr>
-            <p:ph idx="1"/>
-          </p:nvPr>
-        </p:nvSpPr>
         <p:spPr>
           <a:xfrm>
-            <a:off x="646111" y="1568824"/>
-            <a:ext cx="11175775" cy="4195481"/>
+            <a:off x="646111" y="452718"/>
+            <a:ext cx="9887418" cy="1400530"/>
           </a:xfrm>
         </p:spPr>
         <p:txBody>
-          <a:bodyPr>
-            <a:noAutofit/>
-          </a:bodyPr>
-          <a:lstStyle/>
-          <a:p>
-            <a:pPr marL="0" indent="0">
-              <a:buNone/>
-            </a:pPr>
-            <a:r>
-              <a:rPr lang="en-US" sz="1900" b="1" dirty="0">
-                <a:latin typeface="Verdana" pitchFamily="34" charset="0"/>
-              </a:rPr>
-              <a:t>The </a:t>
-            </a:r>
-            <a:r>
-              <a:rPr lang="en-US" sz="1900" b="1" dirty="0" err="1">
-                <a:latin typeface="Verdana" pitchFamily="34" charset="0"/>
-              </a:rPr>
-              <a:t>umask</a:t>
-            </a:r>
-            <a:r>
-              <a:rPr lang="en-US" sz="1900" b="1" dirty="0">
-                <a:latin typeface="Verdana" pitchFamily="34" charset="0"/>
-              </a:rPr>
-              <a:t> ( UNIX shorthand for "user file-creation mode mask") is a four-digit octal number that UNIX uses to determine the file permission for newly created files. Every process has its own </a:t>
-            </a:r>
-            <a:r>
-              <a:rPr lang="en-US" sz="1900" b="1" dirty="0" err="1">
-                <a:latin typeface="Verdana" pitchFamily="34" charset="0"/>
-              </a:rPr>
-              <a:t>umask</a:t>
-            </a:r>
-            <a:r>
-              <a:rPr lang="en-US" sz="1900" b="1" dirty="0">
-                <a:latin typeface="Verdana" pitchFamily="34" charset="0"/>
-              </a:rPr>
-              <a:t>, inherited from its parent process.</a:t>
-            </a:r>
-          </a:p>
-          <a:p>
-            <a:pPr marL="0" indent="0">
-              <a:buNone/>
-            </a:pPr>
-            <a:r>
-              <a:rPr lang="en-US" b="1" dirty="0">
+          <a:bodyPr/>
+          <a:lstStyle/>
+          <a:p>
+            <a:r>
+              <a:rPr lang="en-US" dirty="0"/>
+              <a:t>Info…</a:t>
+            </a:r>
+          </a:p>
+        </p:txBody>
+      </p:sp>
+      <p:sp>
+        <p:nvSpPr>
+          <p:cNvPr id="3" name="Date Placeholder 2"/>
+          <p:cNvSpPr>
+            <a:spLocks noGrp="1"/>
+          </p:cNvSpPr>
+          <p:nvPr>
+            <p:ph type="dt" sz="half" idx="10"/>
+          </p:nvPr>
+        </p:nvSpPr>
+        <p:spPr/>
+        <p:txBody>
+          <a:bodyPr/>
+          <a:lstStyle/>
+          <a:p>
+            <a:endParaRPr lang="en-US"/>
+          </a:p>
+        </p:txBody>
+      </p:sp>
+      <p:pic>
+        <p:nvPicPr>
+          <p:cNvPr id="6" name="Picture 2"/>
+          <p:cNvPicPr>
+            <a:picLocks noChangeAspect="1" noChangeArrowheads="1"/>
+          </p:cNvPicPr>
+          <p:nvPr/>
+        </p:nvPicPr>
+        <p:blipFill>
+          <a:blip r:embed="rId2">
+            <a:extLst>
+              <a:ext uri="{28A0092B-C50C-407E-A947-70E740481C1C}">
+                <a14:useLocalDpi xmlns:a14="http://schemas.microsoft.com/office/drawing/2010/main" val="0"/>
+              </a:ext>
+            </a:extLst>
+          </a:blip>
+          <a:srcRect/>
+          <a:stretch>
+            <a:fillRect/>
+          </a:stretch>
+        </p:blipFill>
+        <p:spPr bwMode="auto">
+          <a:xfrm>
+            <a:off x="172924" y="1584630"/>
+            <a:ext cx="11405937" cy="4884820"/>
+          </a:xfrm>
+          <a:prstGeom prst="rect">
+            <a:avLst/>
+          </a:prstGeom>
+          <a:noFill/>
+          <a:ln>
+            <a:noFill/>
+          </a:ln>
+          <a:extLst>
+            <a:ext uri="{909E8E84-426E-40DD-AFC4-6F175D3DCCD1}">
+              <a14:hiddenFill xmlns:a14="http://schemas.microsoft.com/office/drawing/2010/main">
                 <a:solidFill>
-                  <a:srgbClr val="FFFF00"/>
+                  <a:schemeClr val="accent1"/>
                 </a:solidFill>
-                <a:latin typeface="Verdana" pitchFamily="34" charset="0"/>
-              </a:rPr>
-              <a:t>Common “unmask” Values</a:t>
-            </a:r>
-          </a:p>
-          <a:p>
-            <a:pPr marL="0" indent="0">
-              <a:buNone/>
-            </a:pPr>
-            <a:r>
-              <a:rPr lang="en-US" b="1" dirty="0">
+              </a14:hiddenFill>
+            </a:ext>
+            <a:ext uri="{91240B29-F687-4F45-9708-019B960494DF}">
+              <a14:hiddenLine xmlns:a14="http://schemas.microsoft.com/office/drawing/2010/main" w="9525">
                 <a:solidFill>
-                  <a:srgbClr val="FFFF00"/>
+                  <a:schemeClr val="tx1"/>
                 </a:solidFill>
-                <a:latin typeface="Verdana" pitchFamily="34" charset="0"/>
-              </a:rPr>
-              <a:t>By default, most UNIX versions specify an octal mode of 666 (any user can read or write the file) when they create new files. Likewise, new programs are created with a mode of 777 (any user can read, write, or execute the program).</a:t>
-            </a:r>
-          </a:p>
-          <a:p>
-            <a:pPr marL="0" indent="0">
-              <a:buNone/>
-            </a:pPr>
-            <a:r>
-              <a:rPr lang="en-US" b="1">
-                <a:solidFill>
-                  <a:srgbClr val="FFFF00"/>
-                </a:solidFill>
-                <a:latin typeface="Verdana" pitchFamily="34" charset="0"/>
-              </a:rPr>
-              <a:t>The </a:t>
-            </a:r>
-            <a:r>
-              <a:rPr lang="en-US" b="1" dirty="0">
-                <a:solidFill>
-                  <a:srgbClr val="FFFF00"/>
-                </a:solidFill>
-                <a:latin typeface="Verdana" pitchFamily="34" charset="0"/>
-              </a:rPr>
-              <a:t>most common </a:t>
-            </a:r>
-            <a:r>
-              <a:rPr lang="en-US" b="1" dirty="0" err="1">
-                <a:solidFill>
-                  <a:srgbClr val="FFFF00"/>
-                </a:solidFill>
-                <a:latin typeface="Verdana" pitchFamily="34" charset="0"/>
-              </a:rPr>
-              <a:t>umask</a:t>
-            </a:r>
-            <a:r>
-              <a:rPr lang="en-US" b="1" dirty="0">
-                <a:solidFill>
-                  <a:srgbClr val="FFFF00"/>
-                </a:solidFill>
-                <a:latin typeface="Verdana" pitchFamily="34" charset="0"/>
-              </a:rPr>
-              <a:t> values are 022, 027, and 077. A </a:t>
-            </a:r>
-            <a:r>
-              <a:rPr lang="en-US" b="1" dirty="0" err="1">
-                <a:solidFill>
-                  <a:srgbClr val="FFFF00"/>
-                </a:solidFill>
-                <a:latin typeface="Verdana" pitchFamily="34" charset="0"/>
-              </a:rPr>
-              <a:t>umask</a:t>
-            </a:r>
-            <a:r>
-              <a:rPr lang="en-US" b="1" dirty="0">
-                <a:solidFill>
-                  <a:srgbClr val="FFFF00"/>
-                </a:solidFill>
-                <a:latin typeface="Verdana" pitchFamily="34" charset="0"/>
-              </a:rPr>
-              <a:t> value of 022 lets the owner both read and write all newly created files, but everybody else can only read them:</a:t>
-            </a:r>
-          </a:p>
-          <a:p>
-            <a:pPr marL="0" indent="0">
-              <a:buNone/>
-            </a:pPr>
-            <a:r>
-              <a:rPr lang="en-US" b="1" dirty="0">
-                <a:solidFill>
-                  <a:srgbClr val="FFFF00"/>
-                </a:solidFill>
-                <a:latin typeface="Verdana" pitchFamily="34" charset="0"/>
-              </a:rPr>
-              <a:t>0666: Default file creation mode.</a:t>
-            </a:r>
-          </a:p>
-          <a:p>
-            <a:pPr marL="0" indent="0">
-              <a:buNone/>
-            </a:pPr>
-            <a:r>
-              <a:rPr lang="en-US" b="1" dirty="0">
-                <a:solidFill>
-                  <a:srgbClr val="FFFF00"/>
-                </a:solidFill>
-                <a:latin typeface="Verdana" pitchFamily="34" charset="0"/>
-              </a:rPr>
-              <a:t>022: resultant mode.</a:t>
-            </a:r>
-          </a:p>
-          <a:p>
-            <a:pPr marL="0" indent="0">
-              <a:buNone/>
-            </a:pPr>
-            <a:r>
-              <a:rPr lang="en-US" b="1" dirty="0">
-                <a:solidFill>
-                  <a:srgbClr val="FFFF00"/>
-                </a:solidFill>
-                <a:latin typeface="Verdana" pitchFamily="34" charset="0"/>
-              </a:rPr>
-              <a:t>0644: resultant mode.</a:t>
-            </a:r>
-          </a:p>
-          <a:p>
-            <a:pPr marL="0" indent="0">
-              <a:buNone/>
-            </a:pPr>
-            <a:endParaRPr lang="en-US" sz="1900" b="1" dirty="0">
-              <a:latin typeface="Verdana" pitchFamily="34" charset="0"/>
-            </a:endParaRPr>
-          </a:p>
-          <a:p>
-            <a:pPr marL="0" indent="0">
-              <a:buNone/>
-            </a:pPr>
-            <a:endParaRPr lang="en-US" sz="1900" b="1" dirty="0">
-              <a:latin typeface="Verdana" pitchFamily="34" charset="0"/>
-            </a:endParaRPr>
-          </a:p>
-        </p:txBody>
-      </p:sp>
+                <a:miter lim="800000"/>
+                <a:headEnd/>
+                <a:tailEnd/>
+              </a14:hiddenLine>
+            </a:ext>
+          </a:extLst>
+        </p:spPr>
+      </p:pic>
     </p:spTree>
     <p:extLst>
       <p:ext uri="{BB962C8B-B14F-4D97-AF65-F5344CB8AC3E}">
-        <p14:creationId xmlns:p14="http://schemas.microsoft.com/office/powerpoint/2010/main" val="3976004556"/>
+        <p14:creationId xmlns:p14="http://schemas.microsoft.com/office/powerpoint/2010/main" val="1695391745"/>
       </p:ext>
     </p:extLst>
   </p:cSld>
@@ -12926,6 +12196,3387 @@
             <p:ph type="title"/>
           </p:nvPr>
         </p:nvSpPr>
+        <p:spPr>
+          <a:xfrm>
+            <a:off x="646111" y="452718"/>
+            <a:ext cx="9887418" cy="1400530"/>
+          </a:xfrm>
+        </p:spPr>
+        <p:txBody>
+          <a:bodyPr/>
+          <a:lstStyle/>
+          <a:p>
+            <a:r>
+              <a:rPr lang="en-US" dirty="0"/>
+              <a:t>Info…</a:t>
+            </a:r>
+          </a:p>
+        </p:txBody>
+      </p:sp>
+      <p:sp>
+        <p:nvSpPr>
+          <p:cNvPr id="3" name="Date Placeholder 2"/>
+          <p:cNvSpPr>
+            <a:spLocks noGrp="1"/>
+          </p:cNvSpPr>
+          <p:nvPr>
+            <p:ph type="dt" sz="half" idx="10"/>
+          </p:nvPr>
+        </p:nvSpPr>
+        <p:spPr/>
+        <p:txBody>
+          <a:bodyPr/>
+          <a:lstStyle/>
+          <a:p>
+            <a:endParaRPr lang="en-US"/>
+          </a:p>
+        </p:txBody>
+      </p:sp>
+      <p:pic>
+        <p:nvPicPr>
+          <p:cNvPr id="5" name="Picture 2"/>
+          <p:cNvPicPr>
+            <a:picLocks noChangeAspect="1" noChangeArrowheads="1"/>
+          </p:cNvPicPr>
+          <p:nvPr/>
+        </p:nvPicPr>
+        <p:blipFill>
+          <a:blip r:embed="rId2">
+            <a:extLst>
+              <a:ext uri="{28A0092B-C50C-407E-A947-70E740481C1C}">
+                <a14:useLocalDpi xmlns:a14="http://schemas.microsoft.com/office/drawing/2010/main" val="0"/>
+              </a:ext>
+            </a:extLst>
+          </a:blip>
+          <a:srcRect/>
+          <a:stretch>
+            <a:fillRect/>
+          </a:stretch>
+        </p:blipFill>
+        <p:spPr bwMode="auto">
+          <a:xfrm>
+            <a:off x="933599" y="1604212"/>
+            <a:ext cx="9312441" cy="4487778"/>
+          </a:xfrm>
+          <a:prstGeom prst="rect">
+            <a:avLst/>
+          </a:prstGeom>
+          <a:noFill/>
+          <a:ln>
+            <a:noFill/>
+          </a:ln>
+          <a:extLst>
+            <a:ext uri="{909E8E84-426E-40DD-AFC4-6F175D3DCCD1}">
+              <a14:hiddenFill xmlns:a14="http://schemas.microsoft.com/office/drawing/2010/main">
+                <a:solidFill>
+                  <a:schemeClr val="accent1"/>
+                </a:solidFill>
+              </a14:hiddenFill>
+            </a:ext>
+            <a:ext uri="{91240B29-F687-4F45-9708-019B960494DF}">
+              <a14:hiddenLine xmlns:a14="http://schemas.microsoft.com/office/drawing/2010/main" w="9525">
+                <a:solidFill>
+                  <a:schemeClr val="tx1"/>
+                </a:solidFill>
+                <a:miter lim="800000"/>
+                <a:headEnd/>
+                <a:tailEnd/>
+              </a14:hiddenLine>
+            </a:ext>
+          </a:extLst>
+        </p:spPr>
+      </p:pic>
+    </p:spTree>
+    <p:extLst>
+      <p:ext uri="{BB962C8B-B14F-4D97-AF65-F5344CB8AC3E}">
+        <p14:creationId xmlns:p14="http://schemas.microsoft.com/office/powerpoint/2010/main" val="553255776"/>
+      </p:ext>
+    </p:extLst>
+  </p:cSld>
+  <p:clrMapOvr>
+    <a:masterClrMapping/>
+  </p:clrMapOvr>
+</p:sld>
+</file>
+
+<file path=ppt/slides/slide37.xml><?xml version="1.0" encoding="utf-8"?>
+<p:sld xmlns:a="http://schemas.openxmlformats.org/drawingml/2006/main" xmlns:r="http://schemas.openxmlformats.org/officeDocument/2006/relationships" xmlns:p="http://schemas.openxmlformats.org/presentationml/2006/main">
+  <p:cSld>
+    <p:spTree>
+      <p:nvGrpSpPr>
+        <p:cNvPr id="1" name=""/>
+        <p:cNvGrpSpPr/>
+        <p:nvPr/>
+      </p:nvGrpSpPr>
+      <p:grpSpPr>
+        <a:xfrm>
+          <a:off x="0" y="0"/>
+          <a:ext cx="0" cy="0"/>
+          <a:chOff x="0" y="0"/>
+          <a:chExt cx="0" cy="0"/>
+        </a:xfrm>
+      </p:grpSpPr>
+      <p:sp>
+        <p:nvSpPr>
+          <p:cNvPr id="2" name="Title 1"/>
+          <p:cNvSpPr>
+            <a:spLocks noGrp="1"/>
+          </p:cNvSpPr>
+          <p:nvPr>
+            <p:ph type="title"/>
+          </p:nvPr>
+        </p:nvSpPr>
+        <p:spPr>
+          <a:xfrm>
+            <a:off x="646111" y="452718"/>
+            <a:ext cx="9887418" cy="1400530"/>
+          </a:xfrm>
+        </p:spPr>
+        <p:txBody>
+          <a:bodyPr/>
+          <a:lstStyle/>
+          <a:p>
+            <a:r>
+              <a:rPr lang="en-US" dirty="0"/>
+              <a:t>Special Variables:</a:t>
+            </a:r>
+          </a:p>
+        </p:txBody>
+      </p:sp>
+      <p:sp>
+        <p:nvSpPr>
+          <p:cNvPr id="3" name="Date Placeholder 2"/>
+          <p:cNvSpPr>
+            <a:spLocks noGrp="1"/>
+          </p:cNvSpPr>
+          <p:nvPr>
+            <p:ph type="dt" sz="half" idx="10"/>
+          </p:nvPr>
+        </p:nvSpPr>
+        <p:spPr/>
+        <p:txBody>
+          <a:bodyPr/>
+          <a:lstStyle/>
+          <a:p>
+            <a:endParaRPr lang="en-US"/>
+          </a:p>
+        </p:txBody>
+      </p:sp>
+      <p:sp>
+        <p:nvSpPr>
+          <p:cNvPr id="4" name="Rectangle 3"/>
+          <p:cNvSpPr/>
+          <p:nvPr/>
+        </p:nvSpPr>
+        <p:spPr>
+          <a:xfrm>
+            <a:off x="546846" y="1447801"/>
+            <a:ext cx="9681883" cy="3416320"/>
+          </a:xfrm>
+          <a:prstGeom prst="rect">
+            <a:avLst/>
+          </a:prstGeom>
+        </p:spPr>
+        <p:txBody>
+          <a:bodyPr wrap="square">
+            <a:spAutoFit/>
+          </a:bodyPr>
+          <a:lstStyle/>
+          <a:p>
+            <a:pPr lvl="1"/>
+            <a:r>
+              <a:rPr lang="en-US" b="1" dirty="0"/>
+              <a:t>$0 : </a:t>
+            </a:r>
+            <a:r>
+              <a:rPr lang="en-US" dirty="0"/>
+              <a:t>The filename of the current script.</a:t>
+            </a:r>
+          </a:p>
+          <a:p>
+            <a:pPr lvl="1"/>
+            <a:r>
+              <a:rPr lang="en-US" b="1" dirty="0"/>
+              <a:t>$1, $2, $3,...$9</a:t>
+            </a:r>
+            <a:r>
+              <a:rPr lang="en-US" dirty="0"/>
+              <a:t> : positional parameters with which a script was invoked. </a:t>
+            </a:r>
+          </a:p>
+          <a:p>
+            <a:pPr lvl="1"/>
+            <a:r>
+              <a:rPr lang="en-US" b="1" dirty="0"/>
+              <a:t>$# : </a:t>
+            </a:r>
+            <a:r>
+              <a:rPr lang="en-US" dirty="0"/>
+              <a:t>The number of arguments supplied to a script.</a:t>
+            </a:r>
+          </a:p>
+          <a:p>
+            <a:pPr lvl="1"/>
+            <a:r>
+              <a:rPr lang="en-US" b="1" dirty="0"/>
+              <a:t>$* : </a:t>
+            </a:r>
+            <a:r>
+              <a:rPr lang="en-US" dirty="0"/>
+              <a:t>All the arguments are double quoted. If a script receives two arguments, $* is equivalent to $1 $2.</a:t>
+            </a:r>
+          </a:p>
+          <a:p>
+            <a:pPr lvl="1"/>
+            <a:r>
+              <a:rPr lang="en-US" b="1" dirty="0"/>
+              <a:t>$@ : </a:t>
+            </a:r>
+            <a:r>
+              <a:rPr lang="en-US" dirty="0"/>
+              <a:t>All the arguments are individually double quoted. If a script receives two arguments, $@ is equivalent to $1 $2.</a:t>
+            </a:r>
+          </a:p>
+          <a:p>
+            <a:pPr lvl="1"/>
+            <a:r>
+              <a:rPr lang="en-US" b="1" dirty="0"/>
+              <a:t>$? : </a:t>
+            </a:r>
+            <a:r>
+              <a:rPr lang="en-US" dirty="0"/>
+              <a:t>The exit status of the last command executed.</a:t>
+            </a:r>
+          </a:p>
+          <a:p>
+            <a:pPr lvl="1"/>
+            <a:r>
+              <a:rPr lang="en-US" b="1" dirty="0"/>
+              <a:t>$$ : </a:t>
+            </a:r>
+            <a:r>
+              <a:rPr lang="en-US" dirty="0"/>
+              <a:t>The process number of the current shell. For shell scripts, this is the process ID under which they are executing.</a:t>
+            </a:r>
+          </a:p>
+          <a:p>
+            <a:pPr lvl="1"/>
+            <a:r>
+              <a:rPr lang="en-US" b="1" dirty="0"/>
+              <a:t>$! : </a:t>
+            </a:r>
+            <a:r>
+              <a:rPr lang="en-US" dirty="0"/>
+              <a:t>The process number of the last background command.</a:t>
+            </a:r>
+            <a:r>
+              <a:rPr lang="en-US" b="1" dirty="0"/>
+              <a:t> </a:t>
+            </a:r>
+            <a:endParaRPr lang="en-US" dirty="0"/>
+          </a:p>
+          <a:p>
+            <a:endParaRPr lang="en-US" dirty="0"/>
+          </a:p>
+        </p:txBody>
+      </p:sp>
+    </p:spTree>
+    <p:extLst>
+      <p:ext uri="{BB962C8B-B14F-4D97-AF65-F5344CB8AC3E}">
+        <p14:creationId xmlns:p14="http://schemas.microsoft.com/office/powerpoint/2010/main" val="151191116"/>
+      </p:ext>
+    </p:extLst>
+  </p:cSld>
+  <p:clrMapOvr>
+    <a:masterClrMapping/>
+  </p:clrMapOvr>
+</p:sld>
+</file>
+
+<file path=ppt/slides/slide38.xml><?xml version="1.0" encoding="utf-8"?>
+<p:sld xmlns:a="http://schemas.openxmlformats.org/drawingml/2006/main" xmlns:r="http://schemas.openxmlformats.org/officeDocument/2006/relationships" xmlns:p="http://schemas.openxmlformats.org/presentationml/2006/main">
+  <p:cSld>
+    <p:spTree>
+      <p:nvGrpSpPr>
+        <p:cNvPr id="1" name=""/>
+        <p:cNvGrpSpPr/>
+        <p:nvPr/>
+      </p:nvGrpSpPr>
+      <p:grpSpPr>
+        <a:xfrm>
+          <a:off x="0" y="0"/>
+          <a:ext cx="0" cy="0"/>
+          <a:chOff x="0" y="0"/>
+          <a:chExt cx="0" cy="0"/>
+        </a:xfrm>
+      </p:grpSpPr>
+      <p:sp>
+        <p:nvSpPr>
+          <p:cNvPr id="2" name="Title 1"/>
+          <p:cNvSpPr>
+            <a:spLocks noGrp="1"/>
+          </p:cNvSpPr>
+          <p:nvPr>
+            <p:ph type="title"/>
+          </p:nvPr>
+        </p:nvSpPr>
+        <p:spPr>
+          <a:xfrm>
+            <a:off x="646111" y="452718"/>
+            <a:ext cx="9887418" cy="1400530"/>
+          </a:xfrm>
+        </p:spPr>
+        <p:txBody>
+          <a:bodyPr/>
+          <a:lstStyle/>
+          <a:p>
+            <a:r>
+              <a:rPr lang="en-US" dirty="0"/>
+              <a:t>Conditional Statements</a:t>
+            </a:r>
+          </a:p>
+        </p:txBody>
+      </p:sp>
+      <p:sp>
+        <p:nvSpPr>
+          <p:cNvPr id="3" name="Date Placeholder 2"/>
+          <p:cNvSpPr>
+            <a:spLocks noGrp="1"/>
+          </p:cNvSpPr>
+          <p:nvPr>
+            <p:ph type="dt" sz="half" idx="10"/>
+          </p:nvPr>
+        </p:nvSpPr>
+        <p:spPr/>
+        <p:txBody>
+          <a:bodyPr/>
+          <a:lstStyle/>
+          <a:p>
+            <a:endParaRPr lang="en-US"/>
+          </a:p>
+        </p:txBody>
+      </p:sp>
+      <p:sp>
+        <p:nvSpPr>
+          <p:cNvPr id="4" name="Rectangle 3"/>
+          <p:cNvSpPr/>
+          <p:nvPr/>
+        </p:nvSpPr>
+        <p:spPr>
+          <a:xfrm>
+            <a:off x="546846" y="1447801"/>
+            <a:ext cx="9681883" cy="1477328"/>
+          </a:xfrm>
+          <a:prstGeom prst="rect">
+            <a:avLst/>
+          </a:prstGeom>
+        </p:spPr>
+        <p:txBody>
+          <a:bodyPr wrap="square">
+            <a:spAutoFit/>
+          </a:bodyPr>
+          <a:lstStyle/>
+          <a:p>
+            <a:r>
+              <a:rPr lang="en-US" dirty="0"/>
+              <a:t>-Unix Shell supports conditional statements which are used to perform different actions based on different conditions.</a:t>
+            </a:r>
+          </a:p>
+          <a:p>
+            <a:pPr lvl="1"/>
+            <a:r>
+              <a:rPr lang="en-US" dirty="0"/>
+              <a:t>The </a:t>
+            </a:r>
+            <a:r>
+              <a:rPr lang="en-US" b="1" dirty="0"/>
+              <a:t>if...else</a:t>
+            </a:r>
+            <a:r>
+              <a:rPr lang="en-US" dirty="0"/>
+              <a:t> statements</a:t>
+            </a:r>
+          </a:p>
+          <a:p>
+            <a:pPr lvl="1"/>
+            <a:r>
+              <a:rPr lang="en-US" dirty="0"/>
+              <a:t>The </a:t>
+            </a:r>
+            <a:r>
+              <a:rPr lang="en-US" b="1" dirty="0"/>
+              <a:t>case...</a:t>
+            </a:r>
+            <a:r>
+              <a:rPr lang="en-US" b="1" dirty="0" err="1"/>
+              <a:t>esac</a:t>
+            </a:r>
+            <a:r>
+              <a:rPr lang="en-US" dirty="0"/>
+              <a:t> statement</a:t>
+            </a:r>
+          </a:p>
+          <a:p>
+            <a:endParaRPr lang="en-US" dirty="0"/>
+          </a:p>
+        </p:txBody>
+      </p:sp>
+    </p:spTree>
+    <p:extLst>
+      <p:ext uri="{BB962C8B-B14F-4D97-AF65-F5344CB8AC3E}">
+        <p14:creationId xmlns:p14="http://schemas.microsoft.com/office/powerpoint/2010/main" val="2565804461"/>
+      </p:ext>
+    </p:extLst>
+  </p:cSld>
+  <p:clrMapOvr>
+    <a:masterClrMapping/>
+  </p:clrMapOvr>
+</p:sld>
+</file>
+
+<file path=ppt/slides/slide39.xml><?xml version="1.0" encoding="utf-8"?>
+<p:sld xmlns:a="http://schemas.openxmlformats.org/drawingml/2006/main" xmlns:r="http://schemas.openxmlformats.org/officeDocument/2006/relationships" xmlns:p="http://schemas.openxmlformats.org/presentationml/2006/main">
+  <p:cSld>
+    <p:spTree>
+      <p:nvGrpSpPr>
+        <p:cNvPr id="1" name=""/>
+        <p:cNvGrpSpPr/>
+        <p:nvPr/>
+      </p:nvGrpSpPr>
+      <p:grpSpPr>
+        <a:xfrm>
+          <a:off x="0" y="0"/>
+          <a:ext cx="0" cy="0"/>
+          <a:chOff x="0" y="0"/>
+          <a:chExt cx="0" cy="0"/>
+        </a:xfrm>
+      </p:grpSpPr>
+      <p:sp>
+        <p:nvSpPr>
+          <p:cNvPr id="2" name="Title 1"/>
+          <p:cNvSpPr>
+            <a:spLocks noGrp="1"/>
+          </p:cNvSpPr>
+          <p:nvPr>
+            <p:ph type="title"/>
+          </p:nvPr>
+        </p:nvSpPr>
+        <p:spPr>
+          <a:xfrm>
+            <a:off x="646111" y="452718"/>
+            <a:ext cx="9887418" cy="1400530"/>
+          </a:xfrm>
+        </p:spPr>
+        <p:txBody>
+          <a:bodyPr/>
+          <a:lstStyle/>
+          <a:p>
+            <a:r>
+              <a:rPr lang="en-US" b="1" dirty="0"/>
+              <a:t>The if...else statements</a:t>
+            </a:r>
+            <a:endParaRPr lang="en-US" dirty="0"/>
+          </a:p>
+        </p:txBody>
+      </p:sp>
+      <p:sp>
+        <p:nvSpPr>
+          <p:cNvPr id="3" name="Date Placeholder 2"/>
+          <p:cNvSpPr>
+            <a:spLocks noGrp="1"/>
+          </p:cNvSpPr>
+          <p:nvPr>
+            <p:ph type="dt" sz="half" idx="10"/>
+          </p:nvPr>
+        </p:nvSpPr>
+        <p:spPr/>
+        <p:txBody>
+          <a:bodyPr/>
+          <a:lstStyle/>
+          <a:p>
+            <a:endParaRPr lang="en-US"/>
+          </a:p>
+        </p:txBody>
+      </p:sp>
+      <p:sp>
+        <p:nvSpPr>
+          <p:cNvPr id="4" name="Rectangle 3"/>
+          <p:cNvSpPr/>
+          <p:nvPr/>
+        </p:nvSpPr>
+        <p:spPr>
+          <a:xfrm>
+            <a:off x="546846" y="1447801"/>
+            <a:ext cx="9681883" cy="1477328"/>
+          </a:xfrm>
+          <a:prstGeom prst="rect">
+            <a:avLst/>
+          </a:prstGeom>
+        </p:spPr>
+        <p:txBody>
+          <a:bodyPr wrap="square">
+            <a:spAutoFit/>
+          </a:bodyPr>
+          <a:lstStyle/>
+          <a:p>
+            <a:r>
+              <a:rPr lang="en-US" dirty="0"/>
+              <a:t>Unix Shell supports following forms of </a:t>
+            </a:r>
+            <a:r>
+              <a:rPr lang="en-US" dirty="0" err="1"/>
+              <a:t>if..else</a:t>
+            </a:r>
+            <a:r>
+              <a:rPr lang="en-US" dirty="0"/>
+              <a:t> statement</a:t>
+            </a:r>
+          </a:p>
+          <a:p>
+            <a:pPr lvl="1"/>
+            <a:r>
+              <a:rPr lang="en-US" dirty="0"/>
+              <a:t>if...fi statement</a:t>
+            </a:r>
+          </a:p>
+          <a:p>
+            <a:pPr lvl="1"/>
+            <a:r>
+              <a:rPr lang="en-US" dirty="0"/>
+              <a:t>if...else...fi statement</a:t>
+            </a:r>
+          </a:p>
+          <a:p>
+            <a:pPr lvl="1"/>
+            <a:r>
+              <a:rPr lang="en-US" dirty="0"/>
+              <a:t>if...</a:t>
+            </a:r>
+            <a:r>
+              <a:rPr lang="en-US" dirty="0" err="1"/>
+              <a:t>elif</a:t>
+            </a:r>
+            <a:r>
+              <a:rPr lang="en-US" dirty="0"/>
+              <a:t>...else...fi statement</a:t>
+            </a:r>
+          </a:p>
+          <a:p>
+            <a:endParaRPr lang="en-US" dirty="0"/>
+          </a:p>
+        </p:txBody>
+      </p:sp>
+    </p:spTree>
+    <p:extLst>
+      <p:ext uri="{BB962C8B-B14F-4D97-AF65-F5344CB8AC3E}">
+        <p14:creationId xmlns:p14="http://schemas.microsoft.com/office/powerpoint/2010/main" val="1830334049"/>
+      </p:ext>
+    </p:extLst>
+  </p:cSld>
+  <p:clrMapOvr>
+    <a:masterClrMapping/>
+  </p:clrMapOvr>
+</p:sld>
+</file>
+
+<file path=ppt/slides/slide4.xml><?xml version="1.0" encoding="utf-8"?>
+<p:sld xmlns:a="http://schemas.openxmlformats.org/drawingml/2006/main" xmlns:r="http://schemas.openxmlformats.org/officeDocument/2006/relationships" xmlns:p="http://schemas.openxmlformats.org/presentationml/2006/main">
+  <p:cSld>
+    <p:spTree>
+      <p:nvGrpSpPr>
+        <p:cNvPr id="1" name=""/>
+        <p:cNvGrpSpPr/>
+        <p:nvPr/>
+      </p:nvGrpSpPr>
+      <p:grpSpPr>
+        <a:xfrm>
+          <a:off x="0" y="0"/>
+          <a:ext cx="0" cy="0"/>
+          <a:chOff x="0" y="0"/>
+          <a:chExt cx="0" cy="0"/>
+        </a:xfrm>
+      </p:grpSpPr>
+      <p:sp>
+        <p:nvSpPr>
+          <p:cNvPr id="2" name="Title 1"/>
+          <p:cNvSpPr>
+            <a:spLocks noGrp="1"/>
+          </p:cNvSpPr>
+          <p:nvPr>
+            <p:ph type="title"/>
+          </p:nvPr>
+        </p:nvSpPr>
+        <p:spPr/>
+        <p:txBody>
+          <a:bodyPr/>
+          <a:lstStyle/>
+          <a:p>
+            <a:r>
+              <a:rPr lang="en-US" dirty="0" err="1"/>
+              <a:t>Cont</a:t>
+            </a:r>
+            <a:r>
+              <a:rPr lang="en-US" dirty="0"/>
+              <a:t>…</a:t>
+            </a:r>
+          </a:p>
+        </p:txBody>
+      </p:sp>
+      <p:sp>
+        <p:nvSpPr>
+          <p:cNvPr id="3" name="Content Placeholder 2"/>
+          <p:cNvSpPr>
+            <a:spLocks noGrp="1"/>
+          </p:cNvSpPr>
+          <p:nvPr>
+            <p:ph idx="1"/>
+          </p:nvPr>
+        </p:nvSpPr>
+        <p:spPr>
+          <a:xfrm>
+            <a:off x="646111" y="1568824"/>
+            <a:ext cx="8946541" cy="4195481"/>
+          </a:xfrm>
+        </p:spPr>
+        <p:txBody>
+          <a:bodyPr>
+            <a:normAutofit fontScale="85000" lnSpcReduction="20000"/>
+          </a:bodyPr>
+          <a:lstStyle/>
+          <a:p>
+            <a:pPr lvl="2"/>
+            <a:r>
+              <a:rPr lang="en-US" altLang="en-US" b="1" dirty="0">
+                <a:latin typeface="Verdana" pitchFamily="34" charset="0"/>
+              </a:rPr>
+              <a:t>KERNEL</a:t>
+            </a:r>
+          </a:p>
+          <a:p>
+            <a:pPr lvl="3"/>
+            <a:r>
+              <a:rPr lang="en-US" altLang="en-US" dirty="0">
+                <a:latin typeface="Verdana" pitchFamily="34" charset="0"/>
+              </a:rPr>
+              <a:t>The Kernel is the heart of the system. It contains a set of programs  normally written in C to communicate with the hardware.</a:t>
+            </a:r>
+          </a:p>
+          <a:p>
+            <a:pPr lvl="3"/>
+            <a:r>
+              <a:rPr lang="en-US" altLang="en-US" dirty="0">
+                <a:latin typeface="Verdana" pitchFamily="34" charset="0"/>
+              </a:rPr>
+              <a:t>The Kernel acts as the interface between the computer hardware and various programs/application/shell.</a:t>
+            </a:r>
+          </a:p>
+          <a:p>
+            <a:pPr lvl="3">
+              <a:buFontTx/>
+              <a:buNone/>
+            </a:pPr>
+            <a:endParaRPr lang="en-US" altLang="en-US" dirty="0">
+              <a:latin typeface="Verdana" pitchFamily="34" charset="0"/>
+            </a:endParaRPr>
+          </a:p>
+          <a:p>
+            <a:pPr lvl="3">
+              <a:buFontTx/>
+              <a:buNone/>
+            </a:pPr>
+            <a:r>
+              <a:rPr lang="en-US" altLang="en-US" dirty="0">
+                <a:latin typeface="Verdana" pitchFamily="34" charset="0"/>
+              </a:rPr>
+              <a:t>The following are the tasks done by the Kernel</a:t>
+            </a:r>
+          </a:p>
+          <a:p>
+            <a:pPr lvl="2">
+              <a:buFontTx/>
+              <a:buNone/>
+            </a:pPr>
+            <a:r>
+              <a:rPr lang="en-US" altLang="en-US" dirty="0">
+                <a:latin typeface="Verdana" pitchFamily="34" charset="0"/>
+              </a:rPr>
+              <a:t>			1) I/O management</a:t>
+            </a:r>
+          </a:p>
+          <a:p>
+            <a:pPr lvl="2">
+              <a:buFontTx/>
+              <a:buNone/>
+            </a:pPr>
+            <a:r>
+              <a:rPr lang="en-US" altLang="en-US" dirty="0">
+                <a:latin typeface="Verdana" pitchFamily="34" charset="0"/>
+              </a:rPr>
+              <a:t>			2) Process management</a:t>
+            </a:r>
+          </a:p>
+          <a:p>
+            <a:pPr lvl="2">
+              <a:buFontTx/>
+              <a:buNone/>
+            </a:pPr>
+            <a:r>
+              <a:rPr lang="en-US" altLang="en-US" dirty="0">
+                <a:latin typeface="Verdana" pitchFamily="34" charset="0"/>
+              </a:rPr>
+              <a:t>			3) Device management</a:t>
+            </a:r>
+          </a:p>
+          <a:p>
+            <a:pPr lvl="2">
+              <a:buFontTx/>
+              <a:buNone/>
+            </a:pPr>
+            <a:r>
+              <a:rPr lang="en-US" altLang="en-US" dirty="0">
+                <a:latin typeface="Verdana" pitchFamily="34" charset="0"/>
+              </a:rPr>
+              <a:t>			4) File management</a:t>
+            </a:r>
+          </a:p>
+          <a:p>
+            <a:pPr lvl="2">
+              <a:buFontTx/>
+              <a:buNone/>
+            </a:pPr>
+            <a:r>
+              <a:rPr lang="en-US" altLang="en-US" dirty="0">
+                <a:latin typeface="Verdana" pitchFamily="34" charset="0"/>
+              </a:rPr>
+              <a:t>			5) Memory management</a:t>
+            </a:r>
+          </a:p>
+          <a:p>
+            <a:pPr lvl="2"/>
+            <a:r>
+              <a:rPr lang="en-US" altLang="en-US" b="1" dirty="0">
+                <a:latin typeface="Verdana" pitchFamily="34" charset="0"/>
+              </a:rPr>
+              <a:t>SHELL</a:t>
+            </a:r>
+          </a:p>
+          <a:p>
+            <a:pPr lvl="3"/>
+            <a:r>
+              <a:rPr lang="en-US" altLang="en-US" dirty="0">
+                <a:latin typeface="Verdana" pitchFamily="34" charset="0"/>
+              </a:rPr>
+              <a:t>Computer understands the language of  0's and 1's called the binary language.</a:t>
+            </a:r>
+          </a:p>
+          <a:p>
+            <a:pPr lvl="3"/>
+            <a:r>
+              <a:rPr lang="en-US" altLang="en-US" dirty="0">
+                <a:latin typeface="Verdana" pitchFamily="34" charset="0"/>
+              </a:rPr>
+              <a:t>The Shell is an special program that takes in the human understandable command and if it is an valid one it will pass on to the Kernel for execution.</a:t>
+            </a:r>
+          </a:p>
+          <a:p>
+            <a:endParaRPr lang="en-US" dirty="0"/>
+          </a:p>
+        </p:txBody>
+      </p:sp>
+    </p:spTree>
+    <p:extLst>
+      <p:ext uri="{BB962C8B-B14F-4D97-AF65-F5344CB8AC3E}">
+        <p14:creationId xmlns:p14="http://schemas.microsoft.com/office/powerpoint/2010/main" val="1055357257"/>
+      </p:ext>
+    </p:extLst>
+  </p:cSld>
+  <p:clrMapOvr>
+    <a:masterClrMapping/>
+  </p:clrMapOvr>
+</p:sld>
+</file>
+
+<file path=ppt/slides/slide40.xml><?xml version="1.0" encoding="utf-8"?>
+<p:sld xmlns:a="http://schemas.openxmlformats.org/drawingml/2006/main" xmlns:r="http://schemas.openxmlformats.org/officeDocument/2006/relationships" xmlns:p="http://schemas.openxmlformats.org/presentationml/2006/main">
+  <p:cSld>
+    <p:spTree>
+      <p:nvGrpSpPr>
+        <p:cNvPr id="1" name=""/>
+        <p:cNvGrpSpPr/>
+        <p:nvPr/>
+      </p:nvGrpSpPr>
+      <p:grpSpPr>
+        <a:xfrm>
+          <a:off x="0" y="0"/>
+          <a:ext cx="0" cy="0"/>
+          <a:chOff x="0" y="0"/>
+          <a:chExt cx="0" cy="0"/>
+        </a:xfrm>
+      </p:grpSpPr>
+      <p:sp>
+        <p:nvSpPr>
+          <p:cNvPr id="2" name="Title 1"/>
+          <p:cNvSpPr>
+            <a:spLocks noGrp="1"/>
+          </p:cNvSpPr>
+          <p:nvPr>
+            <p:ph type="title"/>
+          </p:nvPr>
+        </p:nvSpPr>
+        <p:spPr>
+          <a:xfrm>
+            <a:off x="646111" y="452718"/>
+            <a:ext cx="9887418" cy="1400530"/>
+          </a:xfrm>
+        </p:spPr>
+        <p:txBody>
+          <a:bodyPr/>
+          <a:lstStyle/>
+          <a:p>
+            <a:r>
+              <a:rPr lang="en-US" b="1" dirty="0"/>
+              <a:t>Shell Basic Operators</a:t>
+            </a:r>
+            <a:endParaRPr lang="en-US" dirty="0"/>
+          </a:p>
+        </p:txBody>
+      </p:sp>
+      <p:sp>
+        <p:nvSpPr>
+          <p:cNvPr id="3" name="Date Placeholder 2"/>
+          <p:cNvSpPr>
+            <a:spLocks noGrp="1"/>
+          </p:cNvSpPr>
+          <p:nvPr>
+            <p:ph type="dt" sz="half" idx="10"/>
+          </p:nvPr>
+        </p:nvSpPr>
+        <p:spPr/>
+        <p:txBody>
+          <a:bodyPr/>
+          <a:lstStyle/>
+          <a:p>
+            <a:endParaRPr lang="en-US"/>
+          </a:p>
+        </p:txBody>
+      </p:sp>
+      <p:pic>
+        <p:nvPicPr>
+          <p:cNvPr id="5" name="Picture 2"/>
+          <p:cNvPicPr>
+            <a:picLocks noChangeAspect="1" noChangeArrowheads="1"/>
+          </p:cNvPicPr>
+          <p:nvPr/>
+        </p:nvPicPr>
+        <p:blipFill>
+          <a:blip r:embed="rId2">
+            <a:extLst>
+              <a:ext uri="{28A0092B-C50C-407E-A947-70E740481C1C}">
+                <a14:useLocalDpi xmlns:a14="http://schemas.microsoft.com/office/drawing/2010/main" val="0"/>
+              </a:ext>
+            </a:extLst>
+          </a:blip>
+          <a:srcRect/>
+          <a:stretch>
+            <a:fillRect/>
+          </a:stretch>
+        </p:blipFill>
+        <p:spPr bwMode="auto">
+          <a:xfrm>
+            <a:off x="1489543" y="2142004"/>
+            <a:ext cx="8029575" cy="2305050"/>
+          </a:xfrm>
+          <a:prstGeom prst="rect">
+            <a:avLst/>
+          </a:prstGeom>
+          <a:noFill/>
+          <a:ln>
+            <a:noFill/>
+          </a:ln>
+          <a:extLst>
+            <a:ext uri="{909E8E84-426E-40DD-AFC4-6F175D3DCCD1}">
+              <a14:hiddenFill xmlns:a14="http://schemas.microsoft.com/office/drawing/2010/main">
+                <a:solidFill>
+                  <a:schemeClr val="accent1"/>
+                </a:solidFill>
+              </a14:hiddenFill>
+            </a:ext>
+            <a:ext uri="{91240B29-F687-4F45-9708-019B960494DF}">
+              <a14:hiddenLine xmlns:a14="http://schemas.microsoft.com/office/drawing/2010/main" w="9525">
+                <a:solidFill>
+                  <a:schemeClr val="tx1"/>
+                </a:solidFill>
+                <a:miter lim="800000"/>
+                <a:headEnd/>
+                <a:tailEnd/>
+              </a14:hiddenLine>
+            </a:ext>
+          </a:extLst>
+        </p:spPr>
+      </p:pic>
+    </p:spTree>
+    <p:extLst>
+      <p:ext uri="{BB962C8B-B14F-4D97-AF65-F5344CB8AC3E}">
+        <p14:creationId xmlns:p14="http://schemas.microsoft.com/office/powerpoint/2010/main" val="4184267541"/>
+      </p:ext>
+    </p:extLst>
+  </p:cSld>
+  <p:clrMapOvr>
+    <a:masterClrMapping/>
+  </p:clrMapOvr>
+</p:sld>
+</file>
+
+<file path=ppt/slides/slide41.xml><?xml version="1.0" encoding="utf-8"?>
+<p:sld xmlns:a="http://schemas.openxmlformats.org/drawingml/2006/main" xmlns:r="http://schemas.openxmlformats.org/officeDocument/2006/relationships" xmlns:p="http://schemas.openxmlformats.org/presentationml/2006/main">
+  <p:cSld>
+    <p:spTree>
+      <p:nvGrpSpPr>
+        <p:cNvPr id="1" name=""/>
+        <p:cNvGrpSpPr/>
+        <p:nvPr/>
+      </p:nvGrpSpPr>
+      <p:grpSpPr>
+        <a:xfrm>
+          <a:off x="0" y="0"/>
+          <a:ext cx="0" cy="0"/>
+          <a:chOff x="0" y="0"/>
+          <a:chExt cx="0" cy="0"/>
+        </a:xfrm>
+      </p:grpSpPr>
+      <p:sp>
+        <p:nvSpPr>
+          <p:cNvPr id="2" name="Title 1"/>
+          <p:cNvSpPr>
+            <a:spLocks noGrp="1"/>
+          </p:cNvSpPr>
+          <p:nvPr>
+            <p:ph type="title"/>
+          </p:nvPr>
+        </p:nvSpPr>
+        <p:spPr>
+          <a:xfrm>
+            <a:off x="646111" y="452718"/>
+            <a:ext cx="9887418" cy="1400530"/>
+          </a:xfrm>
+        </p:spPr>
+        <p:txBody>
+          <a:bodyPr/>
+          <a:lstStyle/>
+          <a:p>
+            <a:r>
+              <a:rPr lang="en-US" dirty="0"/>
+              <a:t>Relational Operator</a:t>
+            </a:r>
+          </a:p>
+        </p:txBody>
+      </p:sp>
+      <p:sp>
+        <p:nvSpPr>
+          <p:cNvPr id="3" name="Date Placeholder 2"/>
+          <p:cNvSpPr>
+            <a:spLocks noGrp="1"/>
+          </p:cNvSpPr>
+          <p:nvPr>
+            <p:ph type="dt" sz="half" idx="10"/>
+          </p:nvPr>
+        </p:nvSpPr>
+        <p:spPr/>
+        <p:txBody>
+          <a:bodyPr/>
+          <a:lstStyle/>
+          <a:p>
+            <a:endParaRPr lang="en-US"/>
+          </a:p>
+        </p:txBody>
+      </p:sp>
+      <p:pic>
+        <p:nvPicPr>
+          <p:cNvPr id="6" name="Picture 2"/>
+          <p:cNvPicPr>
+            <a:picLocks noChangeAspect="1" noChangeArrowheads="1"/>
+          </p:cNvPicPr>
+          <p:nvPr/>
+        </p:nvPicPr>
+        <p:blipFill>
+          <a:blip r:embed="rId2">
+            <a:extLst>
+              <a:ext uri="{28A0092B-C50C-407E-A947-70E740481C1C}">
+                <a14:useLocalDpi xmlns:a14="http://schemas.microsoft.com/office/drawing/2010/main" val="0"/>
+              </a:ext>
+            </a:extLst>
+          </a:blip>
+          <a:srcRect/>
+          <a:stretch>
+            <a:fillRect/>
+          </a:stretch>
+        </p:blipFill>
+        <p:spPr bwMode="auto">
+          <a:xfrm>
+            <a:off x="718120" y="1862213"/>
+            <a:ext cx="9577137" cy="4171950"/>
+          </a:xfrm>
+          <a:prstGeom prst="rect">
+            <a:avLst/>
+          </a:prstGeom>
+          <a:noFill/>
+          <a:ln>
+            <a:noFill/>
+          </a:ln>
+          <a:extLst>
+            <a:ext uri="{909E8E84-426E-40DD-AFC4-6F175D3DCCD1}">
+              <a14:hiddenFill xmlns:a14="http://schemas.microsoft.com/office/drawing/2010/main">
+                <a:solidFill>
+                  <a:schemeClr val="accent1"/>
+                </a:solidFill>
+              </a14:hiddenFill>
+            </a:ext>
+            <a:ext uri="{91240B29-F687-4F45-9708-019B960494DF}">
+              <a14:hiddenLine xmlns:a14="http://schemas.microsoft.com/office/drawing/2010/main" w="9525">
+                <a:solidFill>
+                  <a:schemeClr val="tx1"/>
+                </a:solidFill>
+                <a:miter lim="800000"/>
+                <a:headEnd/>
+                <a:tailEnd/>
+              </a14:hiddenLine>
+            </a:ext>
+          </a:extLst>
+        </p:spPr>
+      </p:pic>
+    </p:spTree>
+    <p:extLst>
+      <p:ext uri="{BB962C8B-B14F-4D97-AF65-F5344CB8AC3E}">
+        <p14:creationId xmlns:p14="http://schemas.microsoft.com/office/powerpoint/2010/main" val="2821352866"/>
+      </p:ext>
+    </p:extLst>
+  </p:cSld>
+  <p:clrMapOvr>
+    <a:masterClrMapping/>
+  </p:clrMapOvr>
+</p:sld>
+</file>
+
+<file path=ppt/slides/slide42.xml><?xml version="1.0" encoding="utf-8"?>
+<p:sld xmlns:a="http://schemas.openxmlformats.org/drawingml/2006/main" xmlns:r="http://schemas.openxmlformats.org/officeDocument/2006/relationships" xmlns:p="http://schemas.openxmlformats.org/presentationml/2006/main">
+  <p:cSld>
+    <p:spTree>
+      <p:nvGrpSpPr>
+        <p:cNvPr id="1" name=""/>
+        <p:cNvGrpSpPr/>
+        <p:nvPr/>
+      </p:nvGrpSpPr>
+      <p:grpSpPr>
+        <a:xfrm>
+          <a:off x="0" y="0"/>
+          <a:ext cx="0" cy="0"/>
+          <a:chOff x="0" y="0"/>
+          <a:chExt cx="0" cy="0"/>
+        </a:xfrm>
+      </p:grpSpPr>
+      <p:sp>
+        <p:nvSpPr>
+          <p:cNvPr id="2" name="Title 1"/>
+          <p:cNvSpPr>
+            <a:spLocks noGrp="1"/>
+          </p:cNvSpPr>
+          <p:nvPr>
+            <p:ph type="title"/>
+          </p:nvPr>
+        </p:nvSpPr>
+        <p:spPr>
+          <a:xfrm>
+            <a:off x="646111" y="452718"/>
+            <a:ext cx="9887418" cy="1400530"/>
+          </a:xfrm>
+        </p:spPr>
+        <p:txBody>
+          <a:bodyPr/>
+          <a:lstStyle/>
+          <a:p>
+            <a:r>
+              <a:rPr lang="en-US" dirty="0"/>
+              <a:t>String Operator</a:t>
+            </a:r>
+          </a:p>
+        </p:txBody>
+      </p:sp>
+      <p:sp>
+        <p:nvSpPr>
+          <p:cNvPr id="3" name="Date Placeholder 2"/>
+          <p:cNvSpPr>
+            <a:spLocks noGrp="1"/>
+          </p:cNvSpPr>
+          <p:nvPr>
+            <p:ph type="dt" sz="half" idx="10"/>
+          </p:nvPr>
+        </p:nvSpPr>
+        <p:spPr/>
+        <p:txBody>
+          <a:bodyPr/>
+          <a:lstStyle/>
+          <a:p>
+            <a:endParaRPr lang="en-US"/>
+          </a:p>
+        </p:txBody>
+      </p:sp>
+      <p:pic>
+        <p:nvPicPr>
+          <p:cNvPr id="5" name="Picture 2"/>
+          <p:cNvPicPr>
+            <a:picLocks noChangeAspect="1" noChangeArrowheads="1"/>
+          </p:cNvPicPr>
+          <p:nvPr/>
+        </p:nvPicPr>
+        <p:blipFill>
+          <a:blip r:embed="rId2">
+            <a:extLst>
+              <a:ext uri="{28A0092B-C50C-407E-A947-70E740481C1C}">
+                <a14:useLocalDpi xmlns:a14="http://schemas.microsoft.com/office/drawing/2010/main" val="0"/>
+              </a:ext>
+            </a:extLst>
+          </a:blip>
+          <a:srcRect/>
+          <a:stretch>
+            <a:fillRect/>
+          </a:stretch>
+        </p:blipFill>
+        <p:spPr bwMode="auto">
+          <a:xfrm>
+            <a:off x="1349188" y="1691528"/>
+            <a:ext cx="7772400" cy="4572000"/>
+          </a:xfrm>
+          <a:prstGeom prst="rect">
+            <a:avLst/>
+          </a:prstGeom>
+          <a:noFill/>
+          <a:ln>
+            <a:noFill/>
+          </a:ln>
+          <a:extLst>
+            <a:ext uri="{909E8E84-426E-40DD-AFC4-6F175D3DCCD1}">
+              <a14:hiddenFill xmlns:a14="http://schemas.microsoft.com/office/drawing/2010/main">
+                <a:solidFill>
+                  <a:schemeClr val="accent1"/>
+                </a:solidFill>
+              </a14:hiddenFill>
+            </a:ext>
+            <a:ext uri="{91240B29-F687-4F45-9708-019B960494DF}">
+              <a14:hiddenLine xmlns:a14="http://schemas.microsoft.com/office/drawing/2010/main" w="9525">
+                <a:solidFill>
+                  <a:schemeClr val="tx1"/>
+                </a:solidFill>
+                <a:miter lim="800000"/>
+                <a:headEnd/>
+                <a:tailEnd/>
+              </a14:hiddenLine>
+            </a:ext>
+          </a:extLst>
+        </p:spPr>
+      </p:pic>
+    </p:spTree>
+    <p:extLst>
+      <p:ext uri="{BB962C8B-B14F-4D97-AF65-F5344CB8AC3E}">
+        <p14:creationId xmlns:p14="http://schemas.microsoft.com/office/powerpoint/2010/main" val="3384024010"/>
+      </p:ext>
+    </p:extLst>
+  </p:cSld>
+  <p:clrMapOvr>
+    <a:masterClrMapping/>
+  </p:clrMapOvr>
+</p:sld>
+</file>
+
+<file path=ppt/slides/slide43.xml><?xml version="1.0" encoding="utf-8"?>
+<p:sld xmlns:a="http://schemas.openxmlformats.org/drawingml/2006/main" xmlns:r="http://schemas.openxmlformats.org/officeDocument/2006/relationships" xmlns:p="http://schemas.openxmlformats.org/presentationml/2006/main">
+  <p:cSld>
+    <p:spTree>
+      <p:nvGrpSpPr>
+        <p:cNvPr id="1" name=""/>
+        <p:cNvGrpSpPr/>
+        <p:nvPr/>
+      </p:nvGrpSpPr>
+      <p:grpSpPr>
+        <a:xfrm>
+          <a:off x="0" y="0"/>
+          <a:ext cx="0" cy="0"/>
+          <a:chOff x="0" y="0"/>
+          <a:chExt cx="0" cy="0"/>
+        </a:xfrm>
+      </p:grpSpPr>
+      <p:sp>
+        <p:nvSpPr>
+          <p:cNvPr id="2" name="Title 1"/>
+          <p:cNvSpPr>
+            <a:spLocks noGrp="1"/>
+          </p:cNvSpPr>
+          <p:nvPr>
+            <p:ph type="title"/>
+          </p:nvPr>
+        </p:nvSpPr>
+        <p:spPr>
+          <a:xfrm>
+            <a:off x="646111" y="452718"/>
+            <a:ext cx="9887418" cy="1400530"/>
+          </a:xfrm>
+        </p:spPr>
+        <p:txBody>
+          <a:bodyPr/>
+          <a:lstStyle/>
+          <a:p>
+            <a:r>
+              <a:rPr lang="en-US" dirty="0"/>
+              <a:t>Boolean Operator</a:t>
+            </a:r>
+          </a:p>
+        </p:txBody>
+      </p:sp>
+      <p:sp>
+        <p:nvSpPr>
+          <p:cNvPr id="3" name="Date Placeholder 2"/>
+          <p:cNvSpPr>
+            <a:spLocks noGrp="1"/>
+          </p:cNvSpPr>
+          <p:nvPr>
+            <p:ph type="dt" sz="half" idx="10"/>
+          </p:nvPr>
+        </p:nvSpPr>
+        <p:spPr/>
+        <p:txBody>
+          <a:bodyPr/>
+          <a:lstStyle/>
+          <a:p>
+            <a:endParaRPr lang="en-US"/>
+          </a:p>
+        </p:txBody>
+      </p:sp>
+      <p:pic>
+        <p:nvPicPr>
+          <p:cNvPr id="6" name="Picture 2"/>
+          <p:cNvPicPr>
+            <a:picLocks noChangeAspect="1" noChangeArrowheads="1"/>
+          </p:cNvPicPr>
+          <p:nvPr/>
+        </p:nvPicPr>
+        <p:blipFill>
+          <a:blip r:embed="rId2">
+            <a:extLst>
+              <a:ext uri="{28A0092B-C50C-407E-A947-70E740481C1C}">
+                <a14:useLocalDpi xmlns:a14="http://schemas.microsoft.com/office/drawing/2010/main" val="0"/>
+              </a:ext>
+            </a:extLst>
+          </a:blip>
+          <a:srcRect/>
+          <a:stretch>
+            <a:fillRect/>
+          </a:stretch>
+        </p:blipFill>
+        <p:spPr bwMode="auto">
+          <a:xfrm>
+            <a:off x="891709" y="2080372"/>
+            <a:ext cx="7629525" cy="2933700"/>
+          </a:xfrm>
+          <a:prstGeom prst="rect">
+            <a:avLst/>
+          </a:prstGeom>
+          <a:noFill/>
+          <a:ln>
+            <a:noFill/>
+          </a:ln>
+          <a:extLst>
+            <a:ext uri="{909E8E84-426E-40DD-AFC4-6F175D3DCCD1}">
+              <a14:hiddenFill xmlns:a14="http://schemas.microsoft.com/office/drawing/2010/main">
+                <a:solidFill>
+                  <a:schemeClr val="accent1"/>
+                </a:solidFill>
+              </a14:hiddenFill>
+            </a:ext>
+            <a:ext uri="{91240B29-F687-4F45-9708-019B960494DF}">
+              <a14:hiddenLine xmlns:a14="http://schemas.microsoft.com/office/drawing/2010/main" w="9525">
+                <a:solidFill>
+                  <a:schemeClr val="tx1"/>
+                </a:solidFill>
+                <a:miter lim="800000"/>
+                <a:headEnd/>
+                <a:tailEnd/>
+              </a14:hiddenLine>
+            </a:ext>
+          </a:extLst>
+        </p:spPr>
+      </p:pic>
+    </p:spTree>
+    <p:extLst>
+      <p:ext uri="{BB962C8B-B14F-4D97-AF65-F5344CB8AC3E}">
+        <p14:creationId xmlns:p14="http://schemas.microsoft.com/office/powerpoint/2010/main" val="3122927472"/>
+      </p:ext>
+    </p:extLst>
+  </p:cSld>
+  <p:clrMapOvr>
+    <a:masterClrMapping/>
+  </p:clrMapOvr>
+</p:sld>
+</file>
+
+<file path=ppt/slides/slide44.xml><?xml version="1.0" encoding="utf-8"?>
+<p:sld xmlns:a="http://schemas.openxmlformats.org/drawingml/2006/main" xmlns:r="http://schemas.openxmlformats.org/officeDocument/2006/relationships" xmlns:p="http://schemas.openxmlformats.org/presentationml/2006/main">
+  <p:cSld>
+    <p:spTree>
+      <p:nvGrpSpPr>
+        <p:cNvPr id="1" name=""/>
+        <p:cNvGrpSpPr/>
+        <p:nvPr/>
+      </p:nvGrpSpPr>
+      <p:grpSpPr>
+        <a:xfrm>
+          <a:off x="0" y="0"/>
+          <a:ext cx="0" cy="0"/>
+          <a:chOff x="0" y="0"/>
+          <a:chExt cx="0" cy="0"/>
+        </a:xfrm>
+      </p:grpSpPr>
+      <p:sp>
+        <p:nvSpPr>
+          <p:cNvPr id="2" name="Title 1"/>
+          <p:cNvSpPr>
+            <a:spLocks noGrp="1"/>
+          </p:cNvSpPr>
+          <p:nvPr>
+            <p:ph type="title"/>
+          </p:nvPr>
+        </p:nvSpPr>
+        <p:spPr>
+          <a:xfrm>
+            <a:off x="646111" y="452718"/>
+            <a:ext cx="9887418" cy="1400530"/>
+          </a:xfrm>
+        </p:spPr>
+        <p:txBody>
+          <a:bodyPr/>
+          <a:lstStyle/>
+          <a:p>
+            <a:r>
+              <a:rPr lang="en-US" dirty="0"/>
+              <a:t>Arithmetic Operator</a:t>
+            </a:r>
+          </a:p>
+        </p:txBody>
+      </p:sp>
+      <p:sp>
+        <p:nvSpPr>
+          <p:cNvPr id="3" name="Date Placeholder 2"/>
+          <p:cNvSpPr>
+            <a:spLocks noGrp="1"/>
+          </p:cNvSpPr>
+          <p:nvPr>
+            <p:ph type="dt" sz="half" idx="10"/>
+          </p:nvPr>
+        </p:nvSpPr>
+        <p:spPr/>
+        <p:txBody>
+          <a:bodyPr/>
+          <a:lstStyle/>
+          <a:p>
+            <a:endParaRPr lang="en-US"/>
+          </a:p>
+        </p:txBody>
+      </p:sp>
+      <p:pic>
+        <p:nvPicPr>
+          <p:cNvPr id="5" name="Picture 2"/>
+          <p:cNvPicPr>
+            <a:picLocks noChangeAspect="1" noChangeArrowheads="1"/>
+          </p:cNvPicPr>
+          <p:nvPr/>
+        </p:nvPicPr>
+        <p:blipFill>
+          <a:blip r:embed="rId2">
+            <a:extLst>
+              <a:ext uri="{28A0092B-C50C-407E-A947-70E740481C1C}">
+                <a14:useLocalDpi xmlns:a14="http://schemas.microsoft.com/office/drawing/2010/main" val="0"/>
+              </a:ext>
+            </a:extLst>
+          </a:blip>
+          <a:srcRect/>
+          <a:stretch>
+            <a:fillRect/>
+          </a:stretch>
+        </p:blipFill>
+        <p:spPr bwMode="auto">
+          <a:xfrm>
+            <a:off x="911939" y="1587814"/>
+            <a:ext cx="7743825" cy="4343400"/>
+          </a:xfrm>
+          <a:prstGeom prst="rect">
+            <a:avLst/>
+          </a:prstGeom>
+          <a:noFill/>
+          <a:ln>
+            <a:noFill/>
+          </a:ln>
+          <a:extLst>
+            <a:ext uri="{909E8E84-426E-40DD-AFC4-6F175D3DCCD1}">
+              <a14:hiddenFill xmlns:a14="http://schemas.microsoft.com/office/drawing/2010/main">
+                <a:solidFill>
+                  <a:schemeClr val="accent1"/>
+                </a:solidFill>
+              </a14:hiddenFill>
+            </a:ext>
+            <a:ext uri="{91240B29-F687-4F45-9708-019B960494DF}">
+              <a14:hiddenLine xmlns:a14="http://schemas.microsoft.com/office/drawing/2010/main" w="9525">
+                <a:solidFill>
+                  <a:schemeClr val="tx1"/>
+                </a:solidFill>
+                <a:miter lim="800000"/>
+                <a:headEnd/>
+                <a:tailEnd/>
+              </a14:hiddenLine>
+            </a:ext>
+          </a:extLst>
+        </p:spPr>
+      </p:pic>
+    </p:spTree>
+    <p:extLst>
+      <p:ext uri="{BB962C8B-B14F-4D97-AF65-F5344CB8AC3E}">
+        <p14:creationId xmlns:p14="http://schemas.microsoft.com/office/powerpoint/2010/main" val="344106250"/>
+      </p:ext>
+    </p:extLst>
+  </p:cSld>
+  <p:clrMapOvr>
+    <a:masterClrMapping/>
+  </p:clrMapOvr>
+</p:sld>
+</file>
+
+<file path=ppt/slides/slide45.xml><?xml version="1.0" encoding="utf-8"?>
+<p:sld xmlns:a="http://schemas.openxmlformats.org/drawingml/2006/main" xmlns:r="http://schemas.openxmlformats.org/officeDocument/2006/relationships" xmlns:p="http://schemas.openxmlformats.org/presentationml/2006/main">
+  <p:cSld>
+    <p:spTree>
+      <p:nvGrpSpPr>
+        <p:cNvPr id="1" name=""/>
+        <p:cNvGrpSpPr/>
+        <p:nvPr/>
+      </p:nvGrpSpPr>
+      <p:grpSpPr>
+        <a:xfrm>
+          <a:off x="0" y="0"/>
+          <a:ext cx="0" cy="0"/>
+          <a:chOff x="0" y="0"/>
+          <a:chExt cx="0" cy="0"/>
+        </a:xfrm>
+      </p:grpSpPr>
+      <p:sp>
+        <p:nvSpPr>
+          <p:cNvPr id="2" name="Title 1"/>
+          <p:cNvSpPr>
+            <a:spLocks noGrp="1"/>
+          </p:cNvSpPr>
+          <p:nvPr>
+            <p:ph type="title"/>
+          </p:nvPr>
+        </p:nvSpPr>
+        <p:spPr>
+          <a:xfrm>
+            <a:off x="646111" y="452718"/>
+            <a:ext cx="9887418" cy="1400530"/>
+          </a:xfrm>
+        </p:spPr>
+        <p:txBody>
+          <a:bodyPr/>
+          <a:lstStyle/>
+          <a:p>
+            <a:r>
+              <a:rPr lang="en-US" dirty="0"/>
+              <a:t>File Test Operator</a:t>
+            </a:r>
+          </a:p>
+        </p:txBody>
+      </p:sp>
+      <p:sp>
+        <p:nvSpPr>
+          <p:cNvPr id="3" name="Date Placeholder 2"/>
+          <p:cNvSpPr>
+            <a:spLocks noGrp="1"/>
+          </p:cNvSpPr>
+          <p:nvPr>
+            <p:ph type="dt" sz="half" idx="10"/>
+          </p:nvPr>
+        </p:nvSpPr>
+        <p:spPr/>
+        <p:txBody>
+          <a:bodyPr/>
+          <a:lstStyle/>
+          <a:p>
+            <a:endParaRPr lang="en-US"/>
+          </a:p>
+        </p:txBody>
+      </p:sp>
+      <p:pic>
+        <p:nvPicPr>
+          <p:cNvPr id="6" name="Picture 2"/>
+          <p:cNvPicPr>
+            <a:picLocks noChangeAspect="1" noChangeArrowheads="1"/>
+          </p:cNvPicPr>
+          <p:nvPr/>
+        </p:nvPicPr>
+        <p:blipFill>
+          <a:blip r:embed="rId2">
+            <a:extLst>
+              <a:ext uri="{28A0092B-C50C-407E-A947-70E740481C1C}">
+                <a14:useLocalDpi xmlns:a14="http://schemas.microsoft.com/office/drawing/2010/main" val="0"/>
+              </a:ext>
+            </a:extLst>
+          </a:blip>
+          <a:srcRect/>
+          <a:stretch>
+            <a:fillRect/>
+          </a:stretch>
+        </p:blipFill>
+        <p:spPr bwMode="auto">
+          <a:xfrm>
+            <a:off x="732024" y="1577788"/>
+            <a:ext cx="7572375" cy="4781550"/>
+          </a:xfrm>
+          <a:prstGeom prst="rect">
+            <a:avLst/>
+          </a:prstGeom>
+          <a:noFill/>
+          <a:ln>
+            <a:noFill/>
+          </a:ln>
+          <a:extLst>
+            <a:ext uri="{909E8E84-426E-40DD-AFC4-6F175D3DCCD1}">
+              <a14:hiddenFill xmlns:a14="http://schemas.microsoft.com/office/drawing/2010/main">
+                <a:solidFill>
+                  <a:schemeClr val="accent1"/>
+                </a:solidFill>
+              </a14:hiddenFill>
+            </a:ext>
+            <a:ext uri="{91240B29-F687-4F45-9708-019B960494DF}">
+              <a14:hiddenLine xmlns:a14="http://schemas.microsoft.com/office/drawing/2010/main" w="9525">
+                <a:solidFill>
+                  <a:schemeClr val="tx1"/>
+                </a:solidFill>
+                <a:miter lim="800000"/>
+                <a:headEnd/>
+                <a:tailEnd/>
+              </a14:hiddenLine>
+            </a:ext>
+          </a:extLst>
+        </p:spPr>
+      </p:pic>
+    </p:spTree>
+    <p:extLst>
+      <p:ext uri="{BB962C8B-B14F-4D97-AF65-F5344CB8AC3E}">
+        <p14:creationId xmlns:p14="http://schemas.microsoft.com/office/powerpoint/2010/main" val="4153292345"/>
+      </p:ext>
+    </p:extLst>
+  </p:cSld>
+  <p:clrMapOvr>
+    <a:masterClrMapping/>
+  </p:clrMapOvr>
+</p:sld>
+</file>
+
+<file path=ppt/slides/slide46.xml><?xml version="1.0" encoding="utf-8"?>
+<p:sld xmlns:a="http://schemas.openxmlformats.org/drawingml/2006/main" xmlns:r="http://schemas.openxmlformats.org/officeDocument/2006/relationships" xmlns:p="http://schemas.openxmlformats.org/presentationml/2006/main">
+  <p:cSld>
+    <p:spTree>
+      <p:nvGrpSpPr>
+        <p:cNvPr id="1" name=""/>
+        <p:cNvGrpSpPr/>
+        <p:nvPr/>
+      </p:nvGrpSpPr>
+      <p:grpSpPr>
+        <a:xfrm>
+          <a:off x="0" y="0"/>
+          <a:ext cx="0" cy="0"/>
+          <a:chOff x="0" y="0"/>
+          <a:chExt cx="0" cy="0"/>
+        </a:xfrm>
+      </p:grpSpPr>
+      <p:sp>
+        <p:nvSpPr>
+          <p:cNvPr id="2" name="Title 1"/>
+          <p:cNvSpPr>
+            <a:spLocks noGrp="1"/>
+          </p:cNvSpPr>
+          <p:nvPr>
+            <p:ph type="title"/>
+          </p:nvPr>
+        </p:nvSpPr>
+        <p:spPr>
+          <a:xfrm>
+            <a:off x="646111" y="452718"/>
+            <a:ext cx="9887418" cy="1400530"/>
+          </a:xfrm>
+        </p:spPr>
+        <p:txBody>
+          <a:bodyPr/>
+          <a:lstStyle/>
+          <a:p>
+            <a:r>
+              <a:rPr lang="en-US" b="1" dirty="0"/>
+              <a:t>The case...</a:t>
+            </a:r>
+            <a:r>
+              <a:rPr lang="en-US" b="1" dirty="0" err="1"/>
+              <a:t>esac</a:t>
+            </a:r>
+            <a:r>
+              <a:rPr lang="en-US" b="1" dirty="0"/>
+              <a:t> Statement</a:t>
+            </a:r>
+            <a:endParaRPr lang="en-US" dirty="0"/>
+          </a:p>
+        </p:txBody>
+      </p:sp>
+      <p:sp>
+        <p:nvSpPr>
+          <p:cNvPr id="3" name="Date Placeholder 2"/>
+          <p:cNvSpPr>
+            <a:spLocks noGrp="1"/>
+          </p:cNvSpPr>
+          <p:nvPr>
+            <p:ph type="dt" sz="half" idx="10"/>
+          </p:nvPr>
+        </p:nvSpPr>
+        <p:spPr/>
+        <p:txBody>
+          <a:bodyPr/>
+          <a:lstStyle/>
+          <a:p>
+            <a:endParaRPr lang="en-US"/>
+          </a:p>
+        </p:txBody>
+      </p:sp>
+      <p:sp>
+        <p:nvSpPr>
+          <p:cNvPr id="5" name="Content Placeholder 3"/>
+          <p:cNvSpPr>
+            <a:spLocks noGrp="1"/>
+          </p:cNvSpPr>
+          <p:nvPr>
+            <p:ph sz="quarter" idx="10"/>
+          </p:nvPr>
+        </p:nvSpPr>
+        <p:spPr>
+          <a:xfrm>
+            <a:off x="338669" y="1143000"/>
+            <a:ext cx="11416184" cy="4800600"/>
+          </a:xfrm>
+        </p:spPr>
+        <p:txBody>
+          <a:bodyPr/>
+          <a:lstStyle/>
+          <a:p>
+            <a:r>
+              <a:rPr lang="en-US" sz="2400" dirty="0"/>
+              <a:t>case word in </a:t>
+            </a:r>
+          </a:p>
+          <a:p>
+            <a:r>
+              <a:rPr lang="en-US" sz="2400" dirty="0"/>
+              <a:t>      pattern1) </a:t>
+            </a:r>
+          </a:p>
+          <a:p>
+            <a:r>
+              <a:rPr lang="en-US" sz="2400" dirty="0"/>
+              <a:t>            Statement(s) to be executed if pattern1 matches </a:t>
+            </a:r>
+          </a:p>
+          <a:p>
+            <a:r>
+              <a:rPr lang="en-US" sz="2400" dirty="0"/>
+              <a:t>            ;; </a:t>
+            </a:r>
+          </a:p>
+          <a:p>
+            <a:r>
+              <a:rPr lang="en-US" sz="2400" dirty="0"/>
+              <a:t>     pattern2) </a:t>
+            </a:r>
+          </a:p>
+          <a:p>
+            <a:r>
+              <a:rPr lang="en-US" sz="2400" dirty="0"/>
+              <a:t>           Statement(s) to be executed if pattern2 matches </a:t>
+            </a:r>
+          </a:p>
+          <a:p>
+            <a:r>
+              <a:rPr lang="en-US" sz="2400" dirty="0"/>
+              <a:t>           ;; </a:t>
+            </a:r>
+          </a:p>
+          <a:p>
+            <a:r>
+              <a:rPr lang="en-US" sz="2400" dirty="0"/>
+              <a:t>     pattern3) </a:t>
+            </a:r>
+          </a:p>
+          <a:p>
+            <a:r>
+              <a:rPr lang="en-US" sz="2400" dirty="0"/>
+              <a:t>          Statement(s) to be executed if pattern3 matches </a:t>
+            </a:r>
+          </a:p>
+          <a:p>
+            <a:r>
+              <a:rPr lang="en-US" sz="2400" dirty="0"/>
+              <a:t>          ;; </a:t>
+            </a:r>
+          </a:p>
+          <a:p>
+            <a:r>
+              <a:rPr lang="en-US" sz="2400" dirty="0"/>
+              <a:t>   </a:t>
+            </a:r>
+            <a:r>
+              <a:rPr lang="en-US" sz="2400" dirty="0" err="1"/>
+              <a:t>esac</a:t>
+            </a:r>
+            <a:endParaRPr lang="en-US" sz="2400" dirty="0"/>
+          </a:p>
+        </p:txBody>
+      </p:sp>
+    </p:spTree>
+    <p:extLst>
+      <p:ext uri="{BB962C8B-B14F-4D97-AF65-F5344CB8AC3E}">
+        <p14:creationId xmlns:p14="http://schemas.microsoft.com/office/powerpoint/2010/main" val="3251256345"/>
+      </p:ext>
+    </p:extLst>
+  </p:cSld>
+  <p:clrMapOvr>
+    <a:masterClrMapping/>
+  </p:clrMapOvr>
+</p:sld>
+</file>
+
+<file path=ppt/slides/slide47.xml><?xml version="1.0" encoding="utf-8"?>
+<p:sld xmlns:a="http://schemas.openxmlformats.org/drawingml/2006/main" xmlns:r="http://schemas.openxmlformats.org/officeDocument/2006/relationships" xmlns:p="http://schemas.openxmlformats.org/presentationml/2006/main">
+  <p:cSld>
+    <p:spTree>
+      <p:nvGrpSpPr>
+        <p:cNvPr id="1" name=""/>
+        <p:cNvGrpSpPr/>
+        <p:nvPr/>
+      </p:nvGrpSpPr>
+      <p:grpSpPr>
+        <a:xfrm>
+          <a:off x="0" y="0"/>
+          <a:ext cx="0" cy="0"/>
+          <a:chOff x="0" y="0"/>
+          <a:chExt cx="0" cy="0"/>
+        </a:xfrm>
+      </p:grpSpPr>
+      <p:sp>
+        <p:nvSpPr>
+          <p:cNvPr id="2" name="Title 1"/>
+          <p:cNvSpPr>
+            <a:spLocks noGrp="1"/>
+          </p:cNvSpPr>
+          <p:nvPr>
+            <p:ph type="title"/>
+          </p:nvPr>
+        </p:nvSpPr>
+        <p:spPr>
+          <a:xfrm>
+            <a:off x="646111" y="452718"/>
+            <a:ext cx="9887418" cy="1400530"/>
+          </a:xfrm>
+        </p:spPr>
+        <p:txBody>
+          <a:bodyPr/>
+          <a:lstStyle/>
+          <a:p>
+            <a:r>
+              <a:rPr lang="en-US" dirty="0"/>
+              <a:t>Shell Loop</a:t>
+            </a:r>
+          </a:p>
+        </p:txBody>
+      </p:sp>
+      <p:sp>
+        <p:nvSpPr>
+          <p:cNvPr id="3" name="Date Placeholder 2"/>
+          <p:cNvSpPr>
+            <a:spLocks noGrp="1"/>
+          </p:cNvSpPr>
+          <p:nvPr>
+            <p:ph type="dt" sz="half" idx="10"/>
+          </p:nvPr>
+        </p:nvSpPr>
+        <p:spPr/>
+        <p:txBody>
+          <a:bodyPr/>
+          <a:lstStyle/>
+          <a:p>
+            <a:endParaRPr lang="en-US"/>
+          </a:p>
+        </p:txBody>
+      </p:sp>
+      <p:sp>
+        <p:nvSpPr>
+          <p:cNvPr id="5" name="Content Placeholder 3"/>
+          <p:cNvSpPr>
+            <a:spLocks noGrp="1"/>
+          </p:cNvSpPr>
+          <p:nvPr>
+            <p:ph sz="quarter" idx="10"/>
+          </p:nvPr>
+        </p:nvSpPr>
+        <p:spPr>
+          <a:xfrm>
+            <a:off x="374528" y="1447801"/>
+            <a:ext cx="11416184" cy="4800600"/>
+          </a:xfrm>
+        </p:spPr>
+        <p:txBody>
+          <a:bodyPr/>
+          <a:lstStyle/>
+          <a:p>
+            <a:pPr marL="342900" indent="-342900">
+              <a:buFont typeface="Wingdings" panose="05000000000000000000" pitchFamily="2" charset="2"/>
+              <a:buChar char="§"/>
+            </a:pPr>
+            <a:r>
+              <a:rPr lang="en-US" sz="2400" dirty="0"/>
+              <a:t>The while loop</a:t>
+            </a:r>
+          </a:p>
+          <a:p>
+            <a:pPr marL="342900" indent="-342900">
+              <a:buFont typeface="Wingdings" panose="05000000000000000000" pitchFamily="2" charset="2"/>
+              <a:buChar char="§"/>
+            </a:pPr>
+            <a:r>
+              <a:rPr lang="en-US" sz="2400" dirty="0"/>
+              <a:t>The for loop</a:t>
+            </a:r>
+          </a:p>
+          <a:p>
+            <a:pPr marL="342900" indent="-342900">
+              <a:buFont typeface="Wingdings" panose="05000000000000000000" pitchFamily="2" charset="2"/>
+              <a:buChar char="§"/>
+            </a:pPr>
+            <a:r>
+              <a:rPr lang="en-US" sz="2400" dirty="0"/>
+              <a:t>The until loop</a:t>
+            </a:r>
+          </a:p>
+          <a:p>
+            <a:pPr marL="342900" indent="-342900">
+              <a:buFont typeface="Wingdings" panose="05000000000000000000" pitchFamily="2" charset="2"/>
+              <a:buChar char="§"/>
+            </a:pPr>
+            <a:r>
+              <a:rPr lang="en-US" sz="2400" dirty="0"/>
+              <a:t>The select loop</a:t>
+            </a:r>
+          </a:p>
+          <a:p>
+            <a:endParaRPr lang="en-US" sz="2400" dirty="0"/>
+          </a:p>
+        </p:txBody>
+      </p:sp>
+    </p:spTree>
+    <p:extLst>
+      <p:ext uri="{BB962C8B-B14F-4D97-AF65-F5344CB8AC3E}">
+        <p14:creationId xmlns:p14="http://schemas.microsoft.com/office/powerpoint/2010/main" val="1272389055"/>
+      </p:ext>
+    </p:extLst>
+  </p:cSld>
+  <p:clrMapOvr>
+    <a:masterClrMapping/>
+  </p:clrMapOvr>
+</p:sld>
+</file>
+
+<file path=ppt/slides/slide48.xml><?xml version="1.0" encoding="utf-8"?>
+<p:sld xmlns:a="http://schemas.openxmlformats.org/drawingml/2006/main" xmlns:r="http://schemas.openxmlformats.org/officeDocument/2006/relationships" xmlns:p="http://schemas.openxmlformats.org/presentationml/2006/main">
+  <p:cSld>
+    <p:spTree>
+      <p:nvGrpSpPr>
+        <p:cNvPr id="1" name=""/>
+        <p:cNvGrpSpPr/>
+        <p:nvPr/>
+      </p:nvGrpSpPr>
+      <p:grpSpPr>
+        <a:xfrm>
+          <a:off x="0" y="0"/>
+          <a:ext cx="0" cy="0"/>
+          <a:chOff x="0" y="0"/>
+          <a:chExt cx="0" cy="0"/>
+        </a:xfrm>
+      </p:grpSpPr>
+      <p:sp>
+        <p:nvSpPr>
+          <p:cNvPr id="2" name="Title 1"/>
+          <p:cNvSpPr>
+            <a:spLocks noGrp="1"/>
+          </p:cNvSpPr>
+          <p:nvPr>
+            <p:ph type="title"/>
+          </p:nvPr>
+        </p:nvSpPr>
+        <p:spPr>
+          <a:xfrm>
+            <a:off x="646111" y="452718"/>
+            <a:ext cx="9887418" cy="1400530"/>
+          </a:xfrm>
+        </p:spPr>
+        <p:txBody>
+          <a:bodyPr/>
+          <a:lstStyle/>
+          <a:p>
+            <a:r>
+              <a:rPr lang="en-US" dirty="0"/>
+              <a:t>The while loop</a:t>
+            </a:r>
+          </a:p>
+        </p:txBody>
+      </p:sp>
+      <p:sp>
+        <p:nvSpPr>
+          <p:cNvPr id="3" name="Date Placeholder 2"/>
+          <p:cNvSpPr>
+            <a:spLocks noGrp="1"/>
+          </p:cNvSpPr>
+          <p:nvPr>
+            <p:ph type="dt" sz="half" idx="10"/>
+          </p:nvPr>
+        </p:nvSpPr>
+        <p:spPr/>
+        <p:txBody>
+          <a:bodyPr/>
+          <a:lstStyle/>
+          <a:p>
+            <a:endParaRPr lang="en-US"/>
+          </a:p>
+        </p:txBody>
+      </p:sp>
+      <p:pic>
+        <p:nvPicPr>
+          <p:cNvPr id="6" name="Picture 2"/>
+          <p:cNvPicPr>
+            <a:picLocks noChangeAspect="1" noChangeArrowheads="1"/>
+          </p:cNvPicPr>
+          <p:nvPr/>
+        </p:nvPicPr>
+        <p:blipFill>
+          <a:blip r:embed="rId2">
+            <a:extLst>
+              <a:ext uri="{28A0092B-C50C-407E-A947-70E740481C1C}">
+                <a14:useLocalDpi xmlns:a14="http://schemas.microsoft.com/office/drawing/2010/main" val="0"/>
+              </a:ext>
+            </a:extLst>
+          </a:blip>
+          <a:srcRect/>
+          <a:stretch>
+            <a:fillRect/>
+          </a:stretch>
+        </p:blipFill>
+        <p:spPr bwMode="auto">
+          <a:xfrm>
+            <a:off x="805703" y="1447801"/>
+            <a:ext cx="7962900" cy="4981575"/>
+          </a:xfrm>
+          <a:prstGeom prst="rect">
+            <a:avLst/>
+          </a:prstGeom>
+          <a:noFill/>
+          <a:ln>
+            <a:noFill/>
+          </a:ln>
+          <a:extLst>
+            <a:ext uri="{909E8E84-426E-40DD-AFC4-6F175D3DCCD1}">
+              <a14:hiddenFill xmlns:a14="http://schemas.microsoft.com/office/drawing/2010/main">
+                <a:solidFill>
+                  <a:schemeClr val="accent1"/>
+                </a:solidFill>
+              </a14:hiddenFill>
+            </a:ext>
+            <a:ext uri="{91240B29-F687-4F45-9708-019B960494DF}">
+              <a14:hiddenLine xmlns:a14="http://schemas.microsoft.com/office/drawing/2010/main" w="9525">
+                <a:solidFill>
+                  <a:schemeClr val="tx1"/>
+                </a:solidFill>
+                <a:miter lim="800000"/>
+                <a:headEnd/>
+                <a:tailEnd/>
+              </a14:hiddenLine>
+            </a:ext>
+          </a:extLst>
+        </p:spPr>
+      </p:pic>
+    </p:spTree>
+    <p:extLst>
+      <p:ext uri="{BB962C8B-B14F-4D97-AF65-F5344CB8AC3E}">
+        <p14:creationId xmlns:p14="http://schemas.microsoft.com/office/powerpoint/2010/main" val="1160293738"/>
+      </p:ext>
+    </p:extLst>
+  </p:cSld>
+  <p:clrMapOvr>
+    <a:masterClrMapping/>
+  </p:clrMapOvr>
+</p:sld>
+</file>
+
+<file path=ppt/slides/slide49.xml><?xml version="1.0" encoding="utf-8"?>
+<p:sld xmlns:a="http://schemas.openxmlformats.org/drawingml/2006/main" xmlns:r="http://schemas.openxmlformats.org/officeDocument/2006/relationships" xmlns:p="http://schemas.openxmlformats.org/presentationml/2006/main">
+  <p:cSld>
+    <p:spTree>
+      <p:nvGrpSpPr>
+        <p:cNvPr id="1" name=""/>
+        <p:cNvGrpSpPr/>
+        <p:nvPr/>
+      </p:nvGrpSpPr>
+      <p:grpSpPr>
+        <a:xfrm>
+          <a:off x="0" y="0"/>
+          <a:ext cx="0" cy="0"/>
+          <a:chOff x="0" y="0"/>
+          <a:chExt cx="0" cy="0"/>
+        </a:xfrm>
+      </p:grpSpPr>
+      <p:sp>
+        <p:nvSpPr>
+          <p:cNvPr id="2" name="Title 1"/>
+          <p:cNvSpPr>
+            <a:spLocks noGrp="1"/>
+          </p:cNvSpPr>
+          <p:nvPr>
+            <p:ph type="title"/>
+          </p:nvPr>
+        </p:nvSpPr>
+        <p:spPr>
+          <a:xfrm>
+            <a:off x="646111" y="452718"/>
+            <a:ext cx="9887418" cy="1400530"/>
+          </a:xfrm>
+        </p:spPr>
+        <p:txBody>
+          <a:bodyPr/>
+          <a:lstStyle/>
+          <a:p>
+            <a:r>
+              <a:rPr lang="en-US" dirty="0"/>
+              <a:t>The for loop</a:t>
+            </a:r>
+          </a:p>
+        </p:txBody>
+      </p:sp>
+      <p:sp>
+        <p:nvSpPr>
+          <p:cNvPr id="3" name="Date Placeholder 2"/>
+          <p:cNvSpPr>
+            <a:spLocks noGrp="1"/>
+          </p:cNvSpPr>
+          <p:nvPr>
+            <p:ph type="dt" sz="half" idx="10"/>
+          </p:nvPr>
+        </p:nvSpPr>
+        <p:spPr/>
+        <p:txBody>
+          <a:bodyPr/>
+          <a:lstStyle/>
+          <a:p>
+            <a:endParaRPr lang="en-US"/>
+          </a:p>
+        </p:txBody>
+      </p:sp>
+      <p:pic>
+        <p:nvPicPr>
+          <p:cNvPr id="5" name="Picture 4"/>
+          <p:cNvPicPr>
+            <a:picLocks noChangeAspect="1" noChangeArrowheads="1"/>
+          </p:cNvPicPr>
+          <p:nvPr/>
+        </p:nvPicPr>
+        <p:blipFill>
+          <a:blip r:embed="rId2">
+            <a:extLst>
+              <a:ext uri="{28A0092B-C50C-407E-A947-70E740481C1C}">
+                <a14:useLocalDpi xmlns:a14="http://schemas.microsoft.com/office/drawing/2010/main" val="0"/>
+              </a:ext>
+            </a:extLst>
+          </a:blip>
+          <a:srcRect/>
+          <a:stretch>
+            <a:fillRect/>
+          </a:stretch>
+        </p:blipFill>
+        <p:spPr bwMode="auto">
+          <a:xfrm>
+            <a:off x="709893" y="1447801"/>
+            <a:ext cx="7867650" cy="5000625"/>
+          </a:xfrm>
+          <a:prstGeom prst="rect">
+            <a:avLst/>
+          </a:prstGeom>
+          <a:noFill/>
+          <a:ln>
+            <a:noFill/>
+          </a:ln>
+          <a:extLst>
+            <a:ext uri="{909E8E84-426E-40DD-AFC4-6F175D3DCCD1}">
+              <a14:hiddenFill xmlns:a14="http://schemas.microsoft.com/office/drawing/2010/main">
+                <a:solidFill>
+                  <a:schemeClr val="accent1"/>
+                </a:solidFill>
+              </a14:hiddenFill>
+            </a:ext>
+            <a:ext uri="{91240B29-F687-4F45-9708-019B960494DF}">
+              <a14:hiddenLine xmlns:a14="http://schemas.microsoft.com/office/drawing/2010/main" w="9525">
+                <a:solidFill>
+                  <a:schemeClr val="tx1"/>
+                </a:solidFill>
+                <a:miter lim="800000"/>
+                <a:headEnd/>
+                <a:tailEnd/>
+              </a14:hiddenLine>
+            </a:ext>
+          </a:extLst>
+        </p:spPr>
+      </p:pic>
+    </p:spTree>
+    <p:extLst>
+      <p:ext uri="{BB962C8B-B14F-4D97-AF65-F5344CB8AC3E}">
+        <p14:creationId xmlns:p14="http://schemas.microsoft.com/office/powerpoint/2010/main" val="3557038073"/>
+      </p:ext>
+    </p:extLst>
+  </p:cSld>
+  <p:clrMapOvr>
+    <a:masterClrMapping/>
+  </p:clrMapOvr>
+</p:sld>
+</file>
+
+<file path=ppt/slides/slide5.xml><?xml version="1.0" encoding="utf-8"?>
+<p:sld xmlns:a="http://schemas.openxmlformats.org/drawingml/2006/main" xmlns:r="http://schemas.openxmlformats.org/officeDocument/2006/relationships" xmlns:p="http://schemas.openxmlformats.org/presentationml/2006/main">
+  <p:cSld>
+    <p:spTree>
+      <p:nvGrpSpPr>
+        <p:cNvPr id="1" name=""/>
+        <p:cNvGrpSpPr/>
+        <p:nvPr/>
+      </p:nvGrpSpPr>
+      <p:grpSpPr>
+        <a:xfrm>
+          <a:off x="0" y="0"/>
+          <a:ext cx="0" cy="0"/>
+          <a:chOff x="0" y="0"/>
+          <a:chExt cx="0" cy="0"/>
+        </a:xfrm>
+      </p:grpSpPr>
+      <p:sp>
+        <p:nvSpPr>
+          <p:cNvPr id="2" name="Title 1"/>
+          <p:cNvSpPr>
+            <a:spLocks noGrp="1"/>
+          </p:cNvSpPr>
+          <p:nvPr>
+            <p:ph type="title"/>
+          </p:nvPr>
+        </p:nvSpPr>
+        <p:spPr/>
+        <p:txBody>
+          <a:bodyPr/>
+          <a:lstStyle/>
+          <a:p>
+            <a:r>
+              <a:rPr lang="en-US" dirty="0" err="1"/>
+              <a:t>Cont</a:t>
+            </a:r>
+            <a:r>
+              <a:rPr lang="en-US" dirty="0"/>
+              <a:t>…</a:t>
+            </a:r>
+          </a:p>
+        </p:txBody>
+      </p:sp>
+      <p:sp>
+        <p:nvSpPr>
+          <p:cNvPr id="3" name="Content Placeholder 2"/>
+          <p:cNvSpPr>
+            <a:spLocks noGrp="1"/>
+          </p:cNvSpPr>
+          <p:nvPr>
+            <p:ph idx="1"/>
+          </p:nvPr>
+        </p:nvSpPr>
+        <p:spPr>
+          <a:xfrm>
+            <a:off x="646111" y="1568824"/>
+            <a:ext cx="8946541" cy="4195481"/>
+          </a:xfrm>
+        </p:spPr>
+        <p:txBody>
+          <a:bodyPr>
+            <a:normAutofit/>
+          </a:bodyPr>
+          <a:lstStyle/>
+          <a:p>
+            <a:r>
+              <a:rPr lang="en-US" sz="1800" b="1" dirty="0">
+                <a:latin typeface="Verdana" pitchFamily="34" charset="0"/>
+              </a:rPr>
+              <a:t>-COMMANDS and UTILITIES: </a:t>
+            </a:r>
+          </a:p>
+          <a:p>
+            <a:pPr lvl="3"/>
+            <a:r>
+              <a:rPr lang="en-US" sz="2000" dirty="0">
+                <a:latin typeface="Verdana" pitchFamily="34" charset="0"/>
+              </a:rPr>
+              <a:t>There are various command and utilities which you would use in your day to day activities. </a:t>
+            </a:r>
+            <a:r>
+              <a:rPr lang="en-US" sz="2000" dirty="0" err="1">
+                <a:latin typeface="Verdana" pitchFamily="34" charset="0"/>
+              </a:rPr>
+              <a:t>cp</a:t>
+            </a:r>
+            <a:r>
+              <a:rPr lang="en-US" sz="2000" dirty="0">
+                <a:latin typeface="Verdana" pitchFamily="34" charset="0"/>
+              </a:rPr>
+              <a:t>, mv, cat and </a:t>
+            </a:r>
+            <a:r>
+              <a:rPr lang="en-US" sz="2000" dirty="0" err="1">
+                <a:latin typeface="Verdana" pitchFamily="34" charset="0"/>
+              </a:rPr>
+              <a:t>grep</a:t>
+            </a:r>
+            <a:r>
+              <a:rPr lang="en-US" sz="2000" dirty="0">
+                <a:latin typeface="Verdana" pitchFamily="34" charset="0"/>
+              </a:rPr>
+              <a:t> etc. are few examples of commands and utilities. There are over 250 standard commands plus numerous others provided through 3rd party software. All the commands come along with various optional options.</a:t>
+            </a:r>
+          </a:p>
+          <a:p>
+            <a:pPr lvl="3"/>
+            <a:endParaRPr lang="en-US" dirty="0">
+              <a:latin typeface="Verdana" pitchFamily="34" charset="0"/>
+            </a:endParaRPr>
+          </a:p>
+          <a:p>
+            <a:pPr lvl="3"/>
+            <a:endParaRPr lang="en-US" dirty="0">
+              <a:latin typeface="Verdana" pitchFamily="34" charset="0"/>
+            </a:endParaRPr>
+          </a:p>
+          <a:p>
+            <a:endParaRPr lang="en-US" dirty="0"/>
+          </a:p>
+        </p:txBody>
+      </p:sp>
+    </p:spTree>
+    <p:extLst>
+      <p:ext uri="{BB962C8B-B14F-4D97-AF65-F5344CB8AC3E}">
+        <p14:creationId xmlns:p14="http://schemas.microsoft.com/office/powerpoint/2010/main" val="247741331"/>
+      </p:ext>
+    </p:extLst>
+  </p:cSld>
+  <p:clrMapOvr>
+    <a:masterClrMapping/>
+  </p:clrMapOvr>
+</p:sld>
+</file>
+
+<file path=ppt/slides/slide50.xml><?xml version="1.0" encoding="utf-8"?>
+<p:sld xmlns:a="http://schemas.openxmlformats.org/drawingml/2006/main" xmlns:r="http://schemas.openxmlformats.org/officeDocument/2006/relationships" xmlns:p="http://schemas.openxmlformats.org/presentationml/2006/main">
+  <p:cSld>
+    <p:spTree>
+      <p:nvGrpSpPr>
+        <p:cNvPr id="1" name=""/>
+        <p:cNvGrpSpPr/>
+        <p:nvPr/>
+      </p:nvGrpSpPr>
+      <p:grpSpPr>
+        <a:xfrm>
+          <a:off x="0" y="0"/>
+          <a:ext cx="0" cy="0"/>
+          <a:chOff x="0" y="0"/>
+          <a:chExt cx="0" cy="0"/>
+        </a:xfrm>
+      </p:grpSpPr>
+      <p:sp>
+        <p:nvSpPr>
+          <p:cNvPr id="2" name="Title 1"/>
+          <p:cNvSpPr>
+            <a:spLocks noGrp="1"/>
+          </p:cNvSpPr>
+          <p:nvPr>
+            <p:ph type="title"/>
+          </p:nvPr>
+        </p:nvSpPr>
+        <p:spPr>
+          <a:xfrm>
+            <a:off x="646111" y="452718"/>
+            <a:ext cx="9887418" cy="1400530"/>
+          </a:xfrm>
+        </p:spPr>
+        <p:txBody>
+          <a:bodyPr/>
+          <a:lstStyle/>
+          <a:p>
+            <a:r>
+              <a:rPr lang="en-US" dirty="0"/>
+              <a:t>The until loop</a:t>
+            </a:r>
+          </a:p>
+        </p:txBody>
+      </p:sp>
+      <p:sp>
+        <p:nvSpPr>
+          <p:cNvPr id="3" name="Date Placeholder 2"/>
+          <p:cNvSpPr>
+            <a:spLocks noGrp="1"/>
+          </p:cNvSpPr>
+          <p:nvPr>
+            <p:ph type="dt" sz="half" idx="10"/>
+          </p:nvPr>
+        </p:nvSpPr>
+        <p:spPr/>
+        <p:txBody>
+          <a:bodyPr/>
+          <a:lstStyle/>
+          <a:p>
+            <a:endParaRPr lang="en-US"/>
+          </a:p>
+        </p:txBody>
+      </p:sp>
+      <p:pic>
+        <p:nvPicPr>
+          <p:cNvPr id="6" name="Picture 5"/>
+          <p:cNvPicPr>
+            <a:picLocks noChangeAspect="1" noChangeArrowheads="1"/>
+          </p:cNvPicPr>
+          <p:nvPr/>
+        </p:nvPicPr>
+        <p:blipFill>
+          <a:blip r:embed="rId2">
+            <a:extLst>
+              <a:ext uri="{28A0092B-C50C-407E-A947-70E740481C1C}">
+                <a14:useLocalDpi xmlns:a14="http://schemas.microsoft.com/office/drawing/2010/main" val="0"/>
+              </a:ext>
+            </a:extLst>
+          </a:blip>
+          <a:srcRect/>
+          <a:stretch>
+            <a:fillRect/>
+          </a:stretch>
+        </p:blipFill>
+        <p:spPr bwMode="auto">
+          <a:xfrm>
+            <a:off x="808785" y="1490383"/>
+            <a:ext cx="8010525" cy="5000876"/>
+          </a:xfrm>
+          <a:prstGeom prst="rect">
+            <a:avLst/>
+          </a:prstGeom>
+          <a:noFill/>
+          <a:ln>
+            <a:noFill/>
+          </a:ln>
+          <a:extLst>
+            <a:ext uri="{909E8E84-426E-40DD-AFC4-6F175D3DCCD1}">
+              <a14:hiddenFill xmlns:a14="http://schemas.microsoft.com/office/drawing/2010/main">
+                <a:solidFill>
+                  <a:schemeClr val="accent1"/>
+                </a:solidFill>
+              </a14:hiddenFill>
+            </a:ext>
+            <a:ext uri="{91240B29-F687-4F45-9708-019B960494DF}">
+              <a14:hiddenLine xmlns:a14="http://schemas.microsoft.com/office/drawing/2010/main" w="9525">
+                <a:solidFill>
+                  <a:schemeClr val="tx1"/>
+                </a:solidFill>
+                <a:miter lim="800000"/>
+                <a:headEnd/>
+                <a:tailEnd/>
+              </a14:hiddenLine>
+            </a:ext>
+          </a:extLst>
+        </p:spPr>
+      </p:pic>
+    </p:spTree>
+    <p:extLst>
+      <p:ext uri="{BB962C8B-B14F-4D97-AF65-F5344CB8AC3E}">
+        <p14:creationId xmlns:p14="http://schemas.microsoft.com/office/powerpoint/2010/main" val="2911020284"/>
+      </p:ext>
+    </p:extLst>
+  </p:cSld>
+  <p:clrMapOvr>
+    <a:masterClrMapping/>
+  </p:clrMapOvr>
+</p:sld>
+</file>
+
+<file path=ppt/slides/slide51.xml><?xml version="1.0" encoding="utf-8"?>
+<p:sld xmlns:a="http://schemas.openxmlformats.org/drawingml/2006/main" xmlns:r="http://schemas.openxmlformats.org/officeDocument/2006/relationships" xmlns:p="http://schemas.openxmlformats.org/presentationml/2006/main">
+  <p:cSld>
+    <p:spTree>
+      <p:nvGrpSpPr>
+        <p:cNvPr id="1" name=""/>
+        <p:cNvGrpSpPr/>
+        <p:nvPr/>
+      </p:nvGrpSpPr>
+      <p:grpSpPr>
+        <a:xfrm>
+          <a:off x="0" y="0"/>
+          <a:ext cx="0" cy="0"/>
+          <a:chOff x="0" y="0"/>
+          <a:chExt cx="0" cy="0"/>
+        </a:xfrm>
+      </p:grpSpPr>
+      <p:sp>
+        <p:nvSpPr>
+          <p:cNvPr id="2" name="Title 1"/>
+          <p:cNvSpPr>
+            <a:spLocks noGrp="1"/>
+          </p:cNvSpPr>
+          <p:nvPr>
+            <p:ph type="title"/>
+          </p:nvPr>
+        </p:nvSpPr>
+        <p:spPr>
+          <a:xfrm>
+            <a:off x="646111" y="452718"/>
+            <a:ext cx="9887418" cy="1400530"/>
+          </a:xfrm>
+        </p:spPr>
+        <p:txBody>
+          <a:bodyPr/>
+          <a:lstStyle/>
+          <a:p>
+            <a:r>
+              <a:rPr lang="en-US" dirty="0"/>
+              <a:t>The select Loop:</a:t>
+            </a:r>
+          </a:p>
+        </p:txBody>
+      </p:sp>
+      <p:sp>
+        <p:nvSpPr>
+          <p:cNvPr id="3" name="Date Placeholder 2"/>
+          <p:cNvSpPr>
+            <a:spLocks noGrp="1"/>
+          </p:cNvSpPr>
+          <p:nvPr>
+            <p:ph type="dt" sz="half" idx="10"/>
+          </p:nvPr>
+        </p:nvSpPr>
+        <p:spPr/>
+        <p:txBody>
+          <a:bodyPr/>
+          <a:lstStyle/>
+          <a:p>
+            <a:endParaRPr lang="en-US"/>
+          </a:p>
+        </p:txBody>
+      </p:sp>
+      <p:sp>
+        <p:nvSpPr>
+          <p:cNvPr id="5" name="Content Placeholder 3"/>
+          <p:cNvSpPr>
+            <a:spLocks noGrp="1"/>
+          </p:cNvSpPr>
+          <p:nvPr>
+            <p:ph sz="quarter" idx="10"/>
+          </p:nvPr>
+        </p:nvSpPr>
+        <p:spPr>
+          <a:xfrm>
+            <a:off x="338669" y="1066800"/>
+            <a:ext cx="10850031" cy="4876800"/>
+          </a:xfrm>
+        </p:spPr>
+        <p:txBody>
+          <a:bodyPr/>
+          <a:lstStyle/>
+          <a:p>
+            <a:r>
+              <a:rPr lang="en-US" sz="1600" dirty="0"/>
+              <a:t>#!/bin/</a:t>
+            </a:r>
+            <a:r>
+              <a:rPr lang="en-US" sz="1600" dirty="0" err="1"/>
+              <a:t>ksh</a:t>
+            </a:r>
+            <a:endParaRPr lang="en-US" sz="1600" dirty="0"/>
+          </a:p>
+          <a:p>
+            <a:r>
+              <a:rPr lang="en-US" sz="1600" dirty="0"/>
+              <a:t>select DRINK in tea </a:t>
+            </a:r>
+            <a:r>
+              <a:rPr lang="en-US" sz="1600" dirty="0" err="1"/>
+              <a:t>cofee</a:t>
+            </a:r>
+            <a:r>
+              <a:rPr lang="en-US" sz="1600" dirty="0"/>
+              <a:t> water juice </a:t>
+            </a:r>
+            <a:r>
+              <a:rPr lang="en-US" sz="1600" dirty="0" err="1"/>
+              <a:t>appe</a:t>
+            </a:r>
+            <a:r>
+              <a:rPr lang="en-US" sz="1600" dirty="0"/>
+              <a:t> all none</a:t>
+            </a:r>
+          </a:p>
+          <a:p>
+            <a:r>
+              <a:rPr lang="en-US" sz="1600" dirty="0"/>
+              <a:t>do</a:t>
+            </a:r>
+          </a:p>
+          <a:p>
+            <a:r>
+              <a:rPr lang="en-US" sz="1600" dirty="0"/>
+              <a:t>   case $DRINK in</a:t>
+            </a:r>
+          </a:p>
+          <a:p>
+            <a:r>
+              <a:rPr lang="en-US" sz="1600" dirty="0"/>
+              <a:t>      </a:t>
+            </a:r>
+            <a:r>
+              <a:rPr lang="en-US" sz="1600" dirty="0" err="1"/>
+              <a:t>tea|cofee|water|all</a:t>
+            </a:r>
+            <a:r>
+              <a:rPr lang="en-US" sz="1600" dirty="0"/>
+              <a:t>) </a:t>
+            </a:r>
+          </a:p>
+          <a:p>
+            <a:r>
+              <a:rPr lang="en-US" sz="1600" dirty="0"/>
+              <a:t>         echo "Go to canteen"</a:t>
+            </a:r>
+          </a:p>
+          <a:p>
+            <a:r>
+              <a:rPr lang="en-US" sz="1600" dirty="0"/>
+              <a:t>         ;;</a:t>
+            </a:r>
+          </a:p>
+          <a:p>
+            <a:r>
+              <a:rPr lang="en-US" sz="1600" dirty="0"/>
+              <a:t>      </a:t>
+            </a:r>
+            <a:r>
+              <a:rPr lang="en-US" sz="1600" dirty="0" err="1"/>
+              <a:t>juice|appe</a:t>
+            </a:r>
+            <a:r>
+              <a:rPr lang="en-US" sz="1600" dirty="0"/>
+              <a:t>)</a:t>
+            </a:r>
+          </a:p>
+          <a:p>
+            <a:r>
+              <a:rPr lang="en-US" sz="1600" dirty="0"/>
+              <a:t>         echo "Available at home"</a:t>
+            </a:r>
+          </a:p>
+          <a:p>
+            <a:r>
+              <a:rPr lang="en-US" sz="1600" dirty="0"/>
+              <a:t>      ;;</a:t>
+            </a:r>
+          </a:p>
+          <a:p>
+            <a:r>
+              <a:rPr lang="en-US" sz="1600" dirty="0"/>
+              <a:t>      none) </a:t>
+            </a:r>
+          </a:p>
+          <a:p>
+            <a:r>
+              <a:rPr lang="en-US" sz="1600" dirty="0"/>
+              <a:t>         break </a:t>
+            </a:r>
+          </a:p>
+          <a:p>
+            <a:r>
+              <a:rPr lang="en-US" sz="1600" dirty="0"/>
+              <a:t>      ;;</a:t>
+            </a:r>
+          </a:p>
+          <a:p>
+            <a:r>
+              <a:rPr lang="en-US" sz="1600" dirty="0"/>
+              <a:t>      *) echo "ERROR: Invalid selection" </a:t>
+            </a:r>
+          </a:p>
+          <a:p>
+            <a:r>
+              <a:rPr lang="en-US" sz="1600" dirty="0"/>
+              <a:t>      ;;</a:t>
+            </a:r>
+          </a:p>
+          <a:p>
+            <a:r>
+              <a:rPr lang="en-US" sz="1600" dirty="0"/>
+              <a:t>   </a:t>
+            </a:r>
+            <a:r>
+              <a:rPr lang="en-US" sz="1600" dirty="0" err="1"/>
+              <a:t>esac</a:t>
+            </a:r>
+            <a:endParaRPr lang="en-US" sz="1600" dirty="0"/>
+          </a:p>
+          <a:p>
+            <a:r>
+              <a:rPr lang="en-US" sz="1600" dirty="0"/>
+              <a:t>done</a:t>
+            </a:r>
+          </a:p>
+          <a:p>
+            <a:endParaRPr lang="en-US" sz="1600" dirty="0"/>
+          </a:p>
+        </p:txBody>
+      </p:sp>
+    </p:spTree>
+    <p:extLst>
+      <p:ext uri="{BB962C8B-B14F-4D97-AF65-F5344CB8AC3E}">
+        <p14:creationId xmlns:p14="http://schemas.microsoft.com/office/powerpoint/2010/main" val="1448557846"/>
+      </p:ext>
+    </p:extLst>
+  </p:cSld>
+  <p:clrMapOvr>
+    <a:masterClrMapping/>
+  </p:clrMapOvr>
+</p:sld>
+</file>
+
+<file path=ppt/slides/slide52.xml><?xml version="1.0" encoding="utf-8"?>
+<p:sld xmlns:a="http://schemas.openxmlformats.org/drawingml/2006/main" xmlns:r="http://schemas.openxmlformats.org/officeDocument/2006/relationships" xmlns:p="http://schemas.openxmlformats.org/presentationml/2006/main">
+  <p:cSld>
+    <p:spTree>
+      <p:nvGrpSpPr>
+        <p:cNvPr id="1" name=""/>
+        <p:cNvGrpSpPr/>
+        <p:nvPr/>
+      </p:nvGrpSpPr>
+      <p:grpSpPr>
+        <a:xfrm>
+          <a:off x="0" y="0"/>
+          <a:ext cx="0" cy="0"/>
+          <a:chOff x="0" y="0"/>
+          <a:chExt cx="0" cy="0"/>
+        </a:xfrm>
+      </p:grpSpPr>
+      <p:sp>
+        <p:nvSpPr>
+          <p:cNvPr id="2" name="Title 1"/>
+          <p:cNvSpPr>
+            <a:spLocks noGrp="1"/>
+          </p:cNvSpPr>
+          <p:nvPr>
+            <p:ph type="title"/>
+          </p:nvPr>
+        </p:nvSpPr>
+        <p:spPr>
+          <a:xfrm>
+            <a:off x="646111" y="452718"/>
+            <a:ext cx="9887418" cy="1400530"/>
+          </a:xfrm>
+        </p:spPr>
+        <p:txBody>
+          <a:bodyPr/>
+          <a:lstStyle/>
+          <a:p>
+            <a:r>
+              <a:rPr lang="en-US" b="1" dirty="0"/>
+              <a:t>Command Substitution</a:t>
+            </a:r>
+            <a:endParaRPr lang="en-US" dirty="0"/>
+          </a:p>
+        </p:txBody>
+      </p:sp>
+      <p:sp>
+        <p:nvSpPr>
+          <p:cNvPr id="3" name="Date Placeholder 2"/>
+          <p:cNvSpPr>
+            <a:spLocks noGrp="1"/>
+          </p:cNvSpPr>
+          <p:nvPr>
+            <p:ph type="dt" sz="half" idx="10"/>
+          </p:nvPr>
+        </p:nvSpPr>
+        <p:spPr/>
+        <p:txBody>
+          <a:bodyPr/>
+          <a:lstStyle/>
+          <a:p>
+            <a:endParaRPr lang="en-US"/>
+          </a:p>
+        </p:txBody>
+      </p:sp>
+      <p:sp>
+        <p:nvSpPr>
+          <p:cNvPr id="5" name="Content Placeholder 3"/>
+          <p:cNvSpPr>
+            <a:spLocks noGrp="1"/>
+          </p:cNvSpPr>
+          <p:nvPr>
+            <p:ph sz="quarter" idx="10"/>
+          </p:nvPr>
+        </p:nvSpPr>
+        <p:spPr>
+          <a:xfrm>
+            <a:off x="455210" y="1447801"/>
+            <a:ext cx="10850031" cy="4876800"/>
+          </a:xfrm>
+        </p:spPr>
+        <p:txBody>
+          <a:bodyPr/>
+          <a:lstStyle/>
+          <a:p>
+            <a:pPr marL="342900" indent="-342900">
+              <a:buFont typeface="Wingdings" panose="05000000000000000000" pitchFamily="2" charset="2"/>
+              <a:buChar char="Ø"/>
+            </a:pPr>
+            <a:r>
+              <a:rPr lang="en-US" dirty="0"/>
+              <a:t>Command substitution is the mechanism by which the shell performs a given set of commands and then substitutes their output in the place of the commands.</a:t>
+            </a:r>
+          </a:p>
+          <a:p>
+            <a:pPr lvl="1"/>
+            <a:r>
+              <a:rPr lang="en-US" dirty="0"/>
+              <a:t>`command` </a:t>
+            </a:r>
+          </a:p>
+          <a:p>
+            <a:pPr lvl="1"/>
+            <a:r>
+              <a:rPr lang="en-US" dirty="0"/>
+              <a:t>Example: </a:t>
+            </a:r>
+          </a:p>
+          <a:p>
+            <a:pPr lvl="1">
+              <a:buNone/>
+            </a:pPr>
+            <a:r>
+              <a:rPr lang="en-US" dirty="0"/>
+              <a:t>        #!/bin/</a:t>
+            </a:r>
+            <a:r>
+              <a:rPr lang="en-US" dirty="0" err="1"/>
+              <a:t>sh</a:t>
+            </a:r>
+            <a:r>
+              <a:rPr lang="en-US" dirty="0"/>
+              <a:t> </a:t>
+            </a:r>
+          </a:p>
+          <a:p>
+            <a:pPr lvl="1">
+              <a:buNone/>
+            </a:pPr>
+            <a:r>
+              <a:rPr lang="en-US" dirty="0"/>
+              <a:t>        USERS=`who | </a:t>
+            </a:r>
+            <a:r>
+              <a:rPr lang="en-US" dirty="0" err="1"/>
+              <a:t>wc</a:t>
+            </a:r>
+            <a:r>
+              <a:rPr lang="en-US" dirty="0"/>
+              <a:t> -l` </a:t>
+            </a:r>
+          </a:p>
+          <a:p>
+            <a:pPr lvl="1">
+              <a:buNone/>
+            </a:pPr>
+            <a:r>
+              <a:rPr lang="en-US" dirty="0"/>
+              <a:t>        echo "Logged in user are $USERS" </a:t>
+            </a:r>
+          </a:p>
+          <a:p>
+            <a:endParaRPr lang="en-US" dirty="0"/>
+          </a:p>
+        </p:txBody>
+      </p:sp>
+    </p:spTree>
+    <p:extLst>
+      <p:ext uri="{BB962C8B-B14F-4D97-AF65-F5344CB8AC3E}">
+        <p14:creationId xmlns:p14="http://schemas.microsoft.com/office/powerpoint/2010/main" val="2546076438"/>
+      </p:ext>
+    </p:extLst>
+  </p:cSld>
+  <p:clrMapOvr>
+    <a:masterClrMapping/>
+  </p:clrMapOvr>
+</p:sld>
+</file>
+
+<file path=ppt/slides/slide53.xml><?xml version="1.0" encoding="utf-8"?>
+<p:sld xmlns:a="http://schemas.openxmlformats.org/drawingml/2006/main" xmlns:r="http://schemas.openxmlformats.org/officeDocument/2006/relationships" xmlns:p="http://schemas.openxmlformats.org/presentationml/2006/main">
+  <p:cSld>
+    <p:spTree>
+      <p:nvGrpSpPr>
+        <p:cNvPr id="1" name=""/>
+        <p:cNvGrpSpPr/>
+        <p:nvPr/>
+      </p:nvGrpSpPr>
+      <p:grpSpPr>
+        <a:xfrm>
+          <a:off x="0" y="0"/>
+          <a:ext cx="0" cy="0"/>
+          <a:chOff x="0" y="0"/>
+          <a:chExt cx="0" cy="0"/>
+        </a:xfrm>
+      </p:grpSpPr>
+      <p:sp>
+        <p:nvSpPr>
+          <p:cNvPr id="2" name="Title 1"/>
+          <p:cNvSpPr>
+            <a:spLocks noGrp="1"/>
+          </p:cNvSpPr>
+          <p:nvPr>
+            <p:ph type="title"/>
+          </p:nvPr>
+        </p:nvSpPr>
+        <p:spPr>
+          <a:xfrm>
+            <a:off x="646111" y="452718"/>
+            <a:ext cx="9887418" cy="1400530"/>
+          </a:xfrm>
+        </p:spPr>
+        <p:txBody>
+          <a:bodyPr/>
+          <a:lstStyle/>
+          <a:p>
+            <a:r>
+              <a:rPr lang="en-US" b="1" dirty="0"/>
+              <a:t>Shell </a:t>
+            </a:r>
+            <a:r>
+              <a:rPr lang="en-US" b="1" dirty="0" err="1"/>
+              <a:t>Input/Output</a:t>
+            </a:r>
+            <a:r>
+              <a:rPr lang="en-US" b="1" dirty="0"/>
+              <a:t> Redirections</a:t>
+            </a:r>
+            <a:endParaRPr lang="en-US" dirty="0"/>
+          </a:p>
+        </p:txBody>
+      </p:sp>
+      <p:sp>
+        <p:nvSpPr>
+          <p:cNvPr id="3" name="Date Placeholder 2"/>
+          <p:cNvSpPr>
+            <a:spLocks noGrp="1"/>
+          </p:cNvSpPr>
+          <p:nvPr>
+            <p:ph type="dt" sz="half" idx="10"/>
+          </p:nvPr>
+        </p:nvSpPr>
+        <p:spPr/>
+        <p:txBody>
+          <a:bodyPr/>
+          <a:lstStyle/>
+          <a:p>
+            <a:endParaRPr lang="en-US"/>
+          </a:p>
+        </p:txBody>
+      </p:sp>
+      <p:sp>
+        <p:nvSpPr>
+          <p:cNvPr id="4" name="Date Placeholder 3"/>
+          <p:cNvSpPr>
+            <a:spLocks noGrp="1"/>
+          </p:cNvSpPr>
+          <p:nvPr>
+            <p:ph type="dt" sz="half" idx="10"/>
+          </p:nvPr>
+        </p:nvSpPr>
+        <p:spPr/>
+        <p:txBody>
+          <a:bodyPr/>
+          <a:lstStyle/>
+          <a:p>
+            <a:endParaRPr lang="en-US"/>
+          </a:p>
+        </p:txBody>
+      </p:sp>
+      <p:sp>
+        <p:nvSpPr>
+          <p:cNvPr id="5" name="Date Placeholder 4"/>
+          <p:cNvSpPr>
+            <a:spLocks noGrp="1"/>
+          </p:cNvSpPr>
+          <p:nvPr>
+            <p:ph type="dt" sz="half" idx="10"/>
+          </p:nvPr>
+        </p:nvSpPr>
+        <p:spPr/>
+        <p:txBody>
+          <a:bodyPr/>
+          <a:lstStyle/>
+          <a:p>
+            <a:endParaRPr lang="en-US"/>
+          </a:p>
+        </p:txBody>
+      </p:sp>
+      <p:pic>
+        <p:nvPicPr>
+          <p:cNvPr id="10" name="Picture 2"/>
+          <p:cNvPicPr>
+            <a:picLocks noChangeAspect="1" noChangeArrowheads="1"/>
+          </p:cNvPicPr>
+          <p:nvPr/>
+        </p:nvPicPr>
+        <p:blipFill>
+          <a:blip r:embed="rId2">
+            <a:extLst>
+              <a:ext uri="{28A0092B-C50C-407E-A947-70E740481C1C}">
+                <a14:useLocalDpi xmlns:a14="http://schemas.microsoft.com/office/drawing/2010/main" val="0"/>
+              </a:ext>
+            </a:extLst>
+          </a:blip>
+          <a:srcRect/>
+          <a:stretch>
+            <a:fillRect/>
+          </a:stretch>
+        </p:blipFill>
+        <p:spPr bwMode="auto">
+          <a:xfrm>
+            <a:off x="646111" y="1782973"/>
+            <a:ext cx="7639050" cy="3467100"/>
+          </a:xfrm>
+          <a:prstGeom prst="rect">
+            <a:avLst/>
+          </a:prstGeom>
+          <a:noFill/>
+          <a:ln>
+            <a:noFill/>
+          </a:ln>
+          <a:extLst>
+            <a:ext uri="{909E8E84-426E-40DD-AFC4-6F175D3DCCD1}">
+              <a14:hiddenFill xmlns:a14="http://schemas.microsoft.com/office/drawing/2010/main">
+                <a:solidFill>
+                  <a:schemeClr val="accent1"/>
+                </a:solidFill>
+              </a14:hiddenFill>
+            </a:ext>
+            <a:ext uri="{91240B29-F687-4F45-9708-019B960494DF}">
+              <a14:hiddenLine xmlns:a14="http://schemas.microsoft.com/office/drawing/2010/main" w="9525">
+                <a:solidFill>
+                  <a:schemeClr val="tx1"/>
+                </a:solidFill>
+                <a:miter lim="800000"/>
+                <a:headEnd/>
+                <a:tailEnd/>
+              </a14:hiddenLine>
+            </a:ext>
+          </a:extLst>
+        </p:spPr>
+      </p:pic>
+    </p:spTree>
+    <p:extLst>
+      <p:ext uri="{BB962C8B-B14F-4D97-AF65-F5344CB8AC3E}">
+        <p14:creationId xmlns:p14="http://schemas.microsoft.com/office/powerpoint/2010/main" val="1309045425"/>
+      </p:ext>
+    </p:extLst>
+  </p:cSld>
+  <p:clrMapOvr>
+    <a:masterClrMapping/>
+  </p:clrMapOvr>
+</p:sld>
+</file>
+
+<file path=ppt/slides/slide54.xml><?xml version="1.0" encoding="utf-8"?>
+<p:sld xmlns:a="http://schemas.openxmlformats.org/drawingml/2006/main" xmlns:r="http://schemas.openxmlformats.org/officeDocument/2006/relationships" xmlns:p="http://schemas.openxmlformats.org/presentationml/2006/main">
+  <p:cSld>
+    <p:spTree>
+      <p:nvGrpSpPr>
+        <p:cNvPr id="1" name=""/>
+        <p:cNvGrpSpPr/>
+        <p:nvPr/>
+      </p:nvGrpSpPr>
+      <p:grpSpPr>
+        <a:xfrm>
+          <a:off x="0" y="0"/>
+          <a:ext cx="0" cy="0"/>
+          <a:chOff x="0" y="0"/>
+          <a:chExt cx="0" cy="0"/>
+        </a:xfrm>
+      </p:grpSpPr>
+      <p:sp>
+        <p:nvSpPr>
+          <p:cNvPr id="2" name="Title 1"/>
+          <p:cNvSpPr>
+            <a:spLocks noGrp="1"/>
+          </p:cNvSpPr>
+          <p:nvPr>
+            <p:ph type="title"/>
+          </p:nvPr>
+        </p:nvSpPr>
+        <p:spPr>
+          <a:xfrm>
+            <a:off x="646111" y="452718"/>
+            <a:ext cx="9887418" cy="1400530"/>
+          </a:xfrm>
+        </p:spPr>
+        <p:txBody>
+          <a:bodyPr/>
+          <a:lstStyle/>
+          <a:p>
+            <a:r>
+              <a:rPr lang="en-US" b="1" dirty="0"/>
+              <a:t>Arrays</a:t>
+            </a:r>
+            <a:endParaRPr lang="en-US" dirty="0"/>
+          </a:p>
+        </p:txBody>
+      </p:sp>
+      <p:sp>
+        <p:nvSpPr>
+          <p:cNvPr id="3" name="Date Placeholder 2"/>
+          <p:cNvSpPr>
+            <a:spLocks noGrp="1"/>
+          </p:cNvSpPr>
+          <p:nvPr>
+            <p:ph type="dt" sz="half" idx="10"/>
+          </p:nvPr>
+        </p:nvSpPr>
+        <p:spPr/>
+        <p:txBody>
+          <a:bodyPr/>
+          <a:lstStyle/>
+          <a:p>
+            <a:endParaRPr lang="en-US"/>
+          </a:p>
+        </p:txBody>
+      </p:sp>
+      <p:sp>
+        <p:nvSpPr>
+          <p:cNvPr id="4" name="Date Placeholder 3"/>
+          <p:cNvSpPr>
+            <a:spLocks noGrp="1"/>
+          </p:cNvSpPr>
+          <p:nvPr>
+            <p:ph type="dt" sz="half" idx="10"/>
+          </p:nvPr>
+        </p:nvSpPr>
+        <p:spPr/>
+        <p:txBody>
+          <a:bodyPr/>
+          <a:lstStyle/>
+          <a:p>
+            <a:endParaRPr lang="en-US"/>
+          </a:p>
+        </p:txBody>
+      </p:sp>
+      <p:sp>
+        <p:nvSpPr>
+          <p:cNvPr id="5" name="Date Placeholder 4"/>
+          <p:cNvSpPr>
+            <a:spLocks noGrp="1"/>
+          </p:cNvSpPr>
+          <p:nvPr>
+            <p:ph type="dt" sz="half" idx="10"/>
+          </p:nvPr>
+        </p:nvSpPr>
+        <p:spPr/>
+        <p:txBody>
+          <a:bodyPr/>
+          <a:lstStyle/>
+          <a:p>
+            <a:endParaRPr lang="en-US"/>
+          </a:p>
+        </p:txBody>
+      </p:sp>
+      <p:sp>
+        <p:nvSpPr>
+          <p:cNvPr id="6" name="Rectangle 5"/>
+          <p:cNvSpPr/>
+          <p:nvPr/>
+        </p:nvSpPr>
+        <p:spPr>
+          <a:xfrm>
+            <a:off x="546846" y="1447801"/>
+            <a:ext cx="9879107" cy="4770537"/>
+          </a:xfrm>
+          <a:prstGeom prst="rect">
+            <a:avLst/>
+          </a:prstGeom>
+        </p:spPr>
+        <p:txBody>
+          <a:bodyPr wrap="square">
+            <a:spAutoFit/>
+          </a:bodyPr>
+          <a:lstStyle/>
+          <a:p>
+            <a:r>
+              <a:rPr lang="en-US" sz="1600" b="1" dirty="0"/>
+              <a:t>Defining Array Values: </a:t>
+            </a:r>
+          </a:p>
+          <a:p>
+            <a:pPr lvl="1"/>
+            <a:r>
+              <a:rPr lang="en-US" sz="1600" b="1" dirty="0"/>
+              <a:t>	</a:t>
+            </a:r>
+            <a:r>
+              <a:rPr lang="en-US" sz="1600" dirty="0" err="1"/>
+              <a:t>array_name</a:t>
+            </a:r>
+            <a:r>
+              <a:rPr lang="en-US" sz="1600" dirty="0"/>
+              <a:t>[index]=value</a:t>
+            </a:r>
+          </a:p>
+          <a:p>
+            <a:pPr lvl="1">
+              <a:buNone/>
+            </a:pPr>
+            <a:r>
+              <a:rPr lang="en-US" sz="1600" dirty="0"/>
+              <a:t>		</a:t>
+            </a:r>
+            <a:r>
+              <a:rPr lang="en-US" sz="1600" i="1" dirty="0"/>
+              <a:t> </a:t>
+            </a:r>
+            <a:r>
+              <a:rPr lang="en-US" sz="1600" i="1" dirty="0" err="1"/>
+              <a:t>array_name</a:t>
+            </a:r>
+            <a:r>
+              <a:rPr lang="en-US" sz="1600" dirty="0"/>
+              <a:t> is the name of the array, </a:t>
+            </a:r>
+            <a:r>
+              <a:rPr lang="en-US" sz="1600" i="1" dirty="0"/>
+              <a:t>index</a:t>
+            </a:r>
+            <a:r>
+              <a:rPr lang="en-US" sz="1600" dirty="0"/>
+              <a:t> is the index of the item in the array that you want to set, and value is the value you want to set for that item.</a:t>
+            </a:r>
+          </a:p>
+          <a:p>
+            <a:pPr lvl="1">
+              <a:buNone/>
+            </a:pPr>
+            <a:endParaRPr lang="en-US" sz="1600" dirty="0"/>
+          </a:p>
+          <a:p>
+            <a:pPr lvl="1">
+              <a:buNone/>
+            </a:pPr>
+            <a:r>
+              <a:rPr lang="en-US" sz="1600" dirty="0"/>
+              <a:t>      Example : NAME[0]=“Ramesh" </a:t>
+            </a:r>
+          </a:p>
+          <a:p>
+            <a:pPr lvl="1">
+              <a:buNone/>
+            </a:pPr>
+            <a:r>
+              <a:rPr lang="en-US" sz="1600" dirty="0"/>
+              <a:t>                        NAME[1]=“Mani" </a:t>
+            </a:r>
+          </a:p>
+          <a:p>
+            <a:pPr lvl="1">
+              <a:buNone/>
+            </a:pPr>
+            <a:r>
+              <a:rPr lang="en-US" sz="1600" dirty="0"/>
+              <a:t>                        NAME[2]=“</a:t>
+            </a:r>
+            <a:r>
+              <a:rPr lang="en-US" sz="1600" dirty="0" err="1"/>
+              <a:t>Kathir</a:t>
+            </a:r>
+            <a:r>
+              <a:rPr lang="en-US" sz="1600" dirty="0"/>
+              <a:t>" </a:t>
+            </a:r>
+          </a:p>
+          <a:p>
+            <a:pPr lvl="1">
+              <a:buNone/>
+            </a:pPr>
+            <a:r>
+              <a:rPr lang="en-US" sz="1600" dirty="0"/>
+              <a:t>                        NAME[3]=“</a:t>
+            </a:r>
+            <a:r>
+              <a:rPr lang="en-US" sz="1600" dirty="0" err="1"/>
+              <a:t>Sekar</a:t>
+            </a:r>
+            <a:r>
+              <a:rPr lang="en-US" sz="1600" dirty="0"/>
+              <a:t>" </a:t>
+            </a:r>
+          </a:p>
+          <a:p>
+            <a:pPr lvl="1">
+              <a:buNone/>
+            </a:pPr>
+            <a:r>
+              <a:rPr lang="en-US" sz="1600" dirty="0"/>
+              <a:t>                        NAME[4]=“</a:t>
+            </a:r>
+            <a:r>
+              <a:rPr lang="en-US" sz="1600" dirty="0" err="1"/>
+              <a:t>Sharmila</a:t>
+            </a:r>
+            <a:r>
+              <a:rPr lang="en-US" sz="1600" dirty="0"/>
+              <a:t>" </a:t>
+            </a:r>
+          </a:p>
+          <a:p>
+            <a:endParaRPr lang="en-US" sz="1600" b="1" dirty="0"/>
+          </a:p>
+          <a:p>
+            <a:r>
+              <a:rPr lang="en-US" sz="1600" b="1" dirty="0"/>
+              <a:t>Accessing Array Values</a:t>
+            </a:r>
+          </a:p>
+          <a:p>
+            <a:pPr lvl="1"/>
+            <a:r>
+              <a:rPr lang="en-US" sz="1600" dirty="0"/>
+              <a:t>${</a:t>
+            </a:r>
+            <a:r>
+              <a:rPr lang="en-US" sz="1600" dirty="0" err="1"/>
+              <a:t>array_name</a:t>
+            </a:r>
+            <a:r>
+              <a:rPr lang="en-US" sz="1600" dirty="0"/>
+              <a:t>[index]} </a:t>
+            </a:r>
+          </a:p>
+          <a:p>
+            <a:pPr lvl="1">
+              <a:buNone/>
+            </a:pPr>
+            <a:r>
+              <a:rPr lang="en-US" sz="1600" dirty="0"/>
+              <a:t>		</a:t>
+            </a:r>
+            <a:r>
+              <a:rPr lang="en-US" sz="1600" i="1" dirty="0"/>
+              <a:t> </a:t>
+            </a:r>
+            <a:r>
+              <a:rPr lang="en-US" sz="1600" i="1" dirty="0" err="1"/>
+              <a:t>array_name</a:t>
+            </a:r>
+            <a:r>
+              <a:rPr lang="en-US" sz="1600" dirty="0"/>
+              <a:t> is the name of the array, </a:t>
+            </a:r>
+            <a:r>
+              <a:rPr lang="en-US" sz="1600" i="1" dirty="0"/>
+              <a:t>index</a:t>
+            </a:r>
+            <a:r>
+              <a:rPr lang="en-US" sz="1600" dirty="0"/>
+              <a:t> is the index of the item in the array that you want to set, and value is the value you want to set for that item.</a:t>
+            </a:r>
+          </a:p>
+          <a:p>
+            <a:pPr lvl="1">
+              <a:buNone/>
+            </a:pPr>
+            <a:endParaRPr lang="en-US" sz="1600" dirty="0"/>
+          </a:p>
+          <a:p>
+            <a:pPr lvl="1">
+              <a:buNone/>
+            </a:pPr>
+            <a:r>
+              <a:rPr lang="en-US" sz="1600" dirty="0"/>
+              <a:t>      Example : echo "First Index: ${NAME[0]}" </a:t>
+            </a:r>
+          </a:p>
+          <a:p>
+            <a:pPr lvl="1">
+              <a:buNone/>
+            </a:pPr>
+            <a:r>
+              <a:rPr lang="en-US" sz="1600" dirty="0"/>
+              <a:t>                        echo "Second Index: ${NAME[1]}" </a:t>
+            </a:r>
+          </a:p>
+          <a:p>
+            <a:endParaRPr lang="en-US" sz="1600" dirty="0"/>
+          </a:p>
+        </p:txBody>
+      </p:sp>
+    </p:spTree>
+    <p:extLst>
+      <p:ext uri="{BB962C8B-B14F-4D97-AF65-F5344CB8AC3E}">
+        <p14:creationId xmlns:p14="http://schemas.microsoft.com/office/powerpoint/2010/main" val="2274619937"/>
+      </p:ext>
+    </p:extLst>
+  </p:cSld>
+  <p:clrMapOvr>
+    <a:masterClrMapping/>
+  </p:clrMapOvr>
+</p:sld>
+</file>
+
+<file path=ppt/slides/slide55.xml><?xml version="1.0" encoding="utf-8"?>
+<p:sld xmlns:a="http://schemas.openxmlformats.org/drawingml/2006/main" xmlns:r="http://schemas.openxmlformats.org/officeDocument/2006/relationships" xmlns:p="http://schemas.openxmlformats.org/presentationml/2006/main">
+  <p:cSld>
+    <p:spTree>
+      <p:nvGrpSpPr>
+        <p:cNvPr id="1" name=""/>
+        <p:cNvGrpSpPr/>
+        <p:nvPr/>
+      </p:nvGrpSpPr>
+      <p:grpSpPr>
+        <a:xfrm>
+          <a:off x="0" y="0"/>
+          <a:ext cx="0" cy="0"/>
+          <a:chOff x="0" y="0"/>
+          <a:chExt cx="0" cy="0"/>
+        </a:xfrm>
+      </p:grpSpPr>
+      <p:sp>
+        <p:nvSpPr>
+          <p:cNvPr id="2" name="Title 1"/>
+          <p:cNvSpPr>
+            <a:spLocks noGrp="1"/>
+          </p:cNvSpPr>
+          <p:nvPr>
+            <p:ph type="title"/>
+          </p:nvPr>
+        </p:nvSpPr>
         <p:spPr/>
         <p:txBody>
           <a:bodyPr/>
@@ -12965,7 +15616,7 @@
         </p:blipFill>
         <p:spPr bwMode="auto">
           <a:xfrm>
-            <a:off x="2124076" y="854245"/>
+            <a:off x="1376546" y="2813674"/>
             <a:ext cx="7943851" cy="4944979"/>
           </a:xfrm>
           <a:prstGeom prst="rect">
@@ -13009,7 +15660,7 @@
 </p:sld>
 </file>
 
-<file path=ppt/slides/slide37.xml><?xml version="1.0" encoding="utf-8"?>
+<file path=ppt/slides/slide56.xml><?xml version="1.0" encoding="utf-8"?>
 <p:sld xmlns:a="http://schemas.openxmlformats.org/drawingml/2006/main" xmlns:r="http://schemas.openxmlformats.org/officeDocument/2006/relationships" xmlns:p="http://schemas.openxmlformats.org/presentationml/2006/main">
   <p:cSld>
     <p:spTree>
@@ -13087,358 +15738,6 @@
     <p:extLst>
       <p:ext uri="{BB962C8B-B14F-4D97-AF65-F5344CB8AC3E}">
         <p14:creationId xmlns:p14="http://schemas.microsoft.com/office/powerpoint/2010/main" val="504396708"/>
-      </p:ext>
-    </p:extLst>
-  </p:cSld>
-  <p:clrMapOvr>
-    <a:masterClrMapping/>
-  </p:clrMapOvr>
-</p:sld>
-</file>
-
-<file path=ppt/slides/slide4.xml><?xml version="1.0" encoding="utf-8"?>
-<p:sld xmlns:a="http://schemas.openxmlformats.org/drawingml/2006/main" xmlns:r="http://schemas.openxmlformats.org/officeDocument/2006/relationships" xmlns:p="http://schemas.openxmlformats.org/presentationml/2006/main">
-  <p:cSld>
-    <p:spTree>
-      <p:nvGrpSpPr>
-        <p:cNvPr id="1" name=""/>
-        <p:cNvGrpSpPr/>
-        <p:nvPr/>
-      </p:nvGrpSpPr>
-      <p:grpSpPr>
-        <a:xfrm>
-          <a:off x="0" y="0"/>
-          <a:ext cx="0" cy="0"/>
-          <a:chOff x="0" y="0"/>
-          <a:chExt cx="0" cy="0"/>
-        </a:xfrm>
-      </p:grpSpPr>
-      <p:sp>
-        <p:nvSpPr>
-          <p:cNvPr id="2" name="Title 1"/>
-          <p:cNvSpPr>
-            <a:spLocks noGrp="1"/>
-          </p:cNvSpPr>
-          <p:nvPr>
-            <p:ph type="title"/>
-          </p:nvPr>
-        </p:nvSpPr>
-        <p:spPr/>
-        <p:txBody>
-          <a:bodyPr/>
-          <a:lstStyle/>
-          <a:p>
-            <a:r>
-              <a:rPr lang="en-US" dirty="0" err="1"/>
-              <a:t>Cont</a:t>
-            </a:r>
-            <a:r>
-              <a:rPr lang="en-US" dirty="0"/>
-              <a:t>…</a:t>
-            </a:r>
-          </a:p>
-        </p:txBody>
-      </p:sp>
-      <p:sp>
-        <p:nvSpPr>
-          <p:cNvPr id="3" name="Content Placeholder 2"/>
-          <p:cNvSpPr>
-            <a:spLocks noGrp="1"/>
-          </p:cNvSpPr>
-          <p:nvPr>
-            <p:ph idx="1"/>
-          </p:nvPr>
-        </p:nvSpPr>
-        <p:spPr>
-          <a:xfrm>
-            <a:off x="646111" y="1568824"/>
-            <a:ext cx="8946541" cy="4195481"/>
-          </a:xfrm>
-        </p:spPr>
-        <p:txBody>
-          <a:bodyPr>
-            <a:normAutofit fontScale="85000" lnSpcReduction="20000"/>
-          </a:bodyPr>
-          <a:lstStyle/>
-          <a:p>
-            <a:pPr lvl="2"/>
-            <a:r>
-              <a:rPr lang="en-US" altLang="en-US" b="1" dirty="0">
-                <a:latin typeface="Verdana" pitchFamily="34" charset="0"/>
-              </a:rPr>
-              <a:t>KERNEL</a:t>
-            </a:r>
-          </a:p>
-          <a:p>
-            <a:pPr lvl="3"/>
-            <a:r>
-              <a:rPr lang="en-US" altLang="en-US" dirty="0">
-                <a:latin typeface="Verdana" pitchFamily="34" charset="0"/>
-              </a:rPr>
-              <a:t>The Kernel is the heart of the system. It contains a set of programs  normally written in C to communicate with the hardware.</a:t>
-            </a:r>
-          </a:p>
-          <a:p>
-            <a:pPr lvl="3"/>
-            <a:r>
-              <a:rPr lang="en-US" altLang="en-US" dirty="0">
-                <a:latin typeface="Verdana" pitchFamily="34" charset="0"/>
-              </a:rPr>
-              <a:t>The Kernel acts as the interface between the computer hardware and various programs/application/shell.</a:t>
-            </a:r>
-          </a:p>
-          <a:p>
-            <a:pPr lvl="3">
-              <a:buFontTx/>
-              <a:buNone/>
-            </a:pPr>
-            <a:endParaRPr lang="en-US" altLang="en-US" dirty="0">
-              <a:latin typeface="Verdana" pitchFamily="34" charset="0"/>
-            </a:endParaRPr>
-          </a:p>
-          <a:p>
-            <a:pPr lvl="3">
-              <a:buFontTx/>
-              <a:buNone/>
-            </a:pPr>
-            <a:r>
-              <a:rPr lang="en-US" altLang="en-US" dirty="0">
-                <a:latin typeface="Verdana" pitchFamily="34" charset="0"/>
-              </a:rPr>
-              <a:t>The following are the tasks done by the Kernel</a:t>
-            </a:r>
-          </a:p>
-          <a:p>
-            <a:pPr lvl="2">
-              <a:buFontTx/>
-              <a:buNone/>
-            </a:pPr>
-            <a:r>
-              <a:rPr lang="en-US" altLang="en-US" dirty="0">
-                <a:latin typeface="Verdana" pitchFamily="34" charset="0"/>
-              </a:rPr>
-              <a:t>			1) I/O management</a:t>
-            </a:r>
-          </a:p>
-          <a:p>
-            <a:pPr lvl="2">
-              <a:buFontTx/>
-              <a:buNone/>
-            </a:pPr>
-            <a:r>
-              <a:rPr lang="en-US" altLang="en-US" dirty="0">
-                <a:latin typeface="Verdana" pitchFamily="34" charset="0"/>
-              </a:rPr>
-              <a:t>			2) Process management</a:t>
-            </a:r>
-          </a:p>
-          <a:p>
-            <a:pPr lvl="2">
-              <a:buFontTx/>
-              <a:buNone/>
-            </a:pPr>
-            <a:r>
-              <a:rPr lang="en-US" altLang="en-US" dirty="0">
-                <a:latin typeface="Verdana" pitchFamily="34" charset="0"/>
-              </a:rPr>
-              <a:t>			3) Device management</a:t>
-            </a:r>
-          </a:p>
-          <a:p>
-            <a:pPr lvl="2">
-              <a:buFontTx/>
-              <a:buNone/>
-            </a:pPr>
-            <a:r>
-              <a:rPr lang="en-US" altLang="en-US" dirty="0">
-                <a:latin typeface="Verdana" pitchFamily="34" charset="0"/>
-              </a:rPr>
-              <a:t>			4) File management</a:t>
-            </a:r>
-          </a:p>
-          <a:p>
-            <a:pPr lvl="2">
-              <a:buFontTx/>
-              <a:buNone/>
-            </a:pPr>
-            <a:r>
-              <a:rPr lang="en-US" altLang="en-US" dirty="0">
-                <a:latin typeface="Verdana" pitchFamily="34" charset="0"/>
-              </a:rPr>
-              <a:t>			5) Memory management</a:t>
-            </a:r>
-          </a:p>
-          <a:p>
-            <a:pPr lvl="2"/>
-            <a:r>
-              <a:rPr lang="en-US" altLang="en-US" b="1" dirty="0">
-                <a:latin typeface="Verdana" pitchFamily="34" charset="0"/>
-              </a:rPr>
-              <a:t>SHELL</a:t>
-            </a:r>
-          </a:p>
-          <a:p>
-            <a:pPr lvl="3"/>
-            <a:r>
-              <a:rPr lang="en-US" altLang="en-US" dirty="0">
-                <a:latin typeface="Verdana" pitchFamily="34" charset="0"/>
-              </a:rPr>
-              <a:t>Computer understands the language of  0's and 1's called the binary language.</a:t>
-            </a:r>
-          </a:p>
-          <a:p>
-            <a:pPr lvl="3"/>
-            <a:r>
-              <a:rPr lang="en-US" altLang="en-US" dirty="0">
-                <a:latin typeface="Verdana" pitchFamily="34" charset="0"/>
-              </a:rPr>
-              <a:t>The Shell is an special program that takes in the human understandable command and if it is an valid one it will pass on to the Kernel for execution.</a:t>
-            </a:r>
-          </a:p>
-          <a:p>
-            <a:endParaRPr lang="en-US" dirty="0"/>
-          </a:p>
-        </p:txBody>
-      </p:sp>
-    </p:spTree>
-    <p:extLst>
-      <p:ext uri="{BB962C8B-B14F-4D97-AF65-F5344CB8AC3E}">
-        <p14:creationId xmlns:p14="http://schemas.microsoft.com/office/powerpoint/2010/main" val="1055357257"/>
-      </p:ext>
-    </p:extLst>
-  </p:cSld>
-  <p:clrMapOvr>
-    <a:masterClrMapping/>
-  </p:clrMapOvr>
-</p:sld>
-</file>
-
-<file path=ppt/slides/slide5.xml><?xml version="1.0" encoding="utf-8"?>
-<p:sld xmlns:a="http://schemas.openxmlformats.org/drawingml/2006/main" xmlns:r="http://schemas.openxmlformats.org/officeDocument/2006/relationships" xmlns:p="http://schemas.openxmlformats.org/presentationml/2006/main">
-  <p:cSld>
-    <p:spTree>
-      <p:nvGrpSpPr>
-        <p:cNvPr id="1" name=""/>
-        <p:cNvGrpSpPr/>
-        <p:nvPr/>
-      </p:nvGrpSpPr>
-      <p:grpSpPr>
-        <a:xfrm>
-          <a:off x="0" y="0"/>
-          <a:ext cx="0" cy="0"/>
-          <a:chOff x="0" y="0"/>
-          <a:chExt cx="0" cy="0"/>
-        </a:xfrm>
-      </p:grpSpPr>
-      <p:sp>
-        <p:nvSpPr>
-          <p:cNvPr id="2" name="Title 1"/>
-          <p:cNvSpPr>
-            <a:spLocks noGrp="1"/>
-          </p:cNvSpPr>
-          <p:nvPr>
-            <p:ph type="title"/>
-          </p:nvPr>
-        </p:nvSpPr>
-        <p:spPr/>
-        <p:txBody>
-          <a:bodyPr/>
-          <a:lstStyle/>
-          <a:p>
-            <a:r>
-              <a:rPr lang="en-US" dirty="0" err="1"/>
-              <a:t>Cont</a:t>
-            </a:r>
-            <a:r>
-              <a:rPr lang="en-US" dirty="0"/>
-              <a:t>…</a:t>
-            </a:r>
-          </a:p>
-        </p:txBody>
-      </p:sp>
-      <p:sp>
-        <p:nvSpPr>
-          <p:cNvPr id="3" name="Content Placeholder 2"/>
-          <p:cNvSpPr>
-            <a:spLocks noGrp="1"/>
-          </p:cNvSpPr>
-          <p:nvPr>
-            <p:ph idx="1"/>
-          </p:nvPr>
-        </p:nvSpPr>
-        <p:spPr>
-          <a:xfrm>
-            <a:off x="646111" y="1568824"/>
-            <a:ext cx="8946541" cy="4195481"/>
-          </a:xfrm>
-        </p:spPr>
-        <p:txBody>
-          <a:bodyPr>
-            <a:normAutofit/>
-          </a:bodyPr>
-          <a:lstStyle/>
-          <a:p>
-            <a:r>
-              <a:rPr lang="en-US" sz="1800" b="1" dirty="0">
-                <a:latin typeface="Verdana" pitchFamily="34" charset="0"/>
-              </a:rPr>
-              <a:t>-COMMANDS and UTILITIES: </a:t>
-            </a:r>
-          </a:p>
-          <a:p>
-            <a:pPr lvl="3"/>
-            <a:r>
-              <a:rPr lang="en-US" sz="2000" dirty="0">
-                <a:latin typeface="Verdana" pitchFamily="34" charset="0"/>
-              </a:rPr>
-              <a:t>There are various command and utilities which you would use in your day to day activities. </a:t>
-            </a:r>
-            <a:r>
-              <a:rPr lang="en-US" sz="2000" dirty="0" err="1">
-                <a:latin typeface="Verdana" pitchFamily="34" charset="0"/>
-              </a:rPr>
-              <a:t>cp</a:t>
-            </a:r>
-            <a:r>
-              <a:rPr lang="en-US" sz="2000" dirty="0">
-                <a:latin typeface="Verdana" pitchFamily="34" charset="0"/>
-              </a:rPr>
-              <a:t>, mv, cat and </a:t>
-            </a:r>
-            <a:r>
-              <a:rPr lang="en-US" sz="2000" dirty="0" err="1">
-                <a:latin typeface="Verdana" pitchFamily="34" charset="0"/>
-              </a:rPr>
-              <a:t>grep</a:t>
-            </a:r>
-            <a:r>
-              <a:rPr lang="en-US" sz="2000" dirty="0">
-                <a:latin typeface="Verdana" pitchFamily="34" charset="0"/>
-              </a:rPr>
-              <a:t> etc. are few examples of commands and utilities. There are over 250 standard commands plus numerous others provided through 3rd party software. All the commands come along with various optional options.</a:t>
-            </a:r>
-          </a:p>
-          <a:p>
-            <a:pPr lvl="3"/>
-            <a:endParaRPr lang="en-US" dirty="0">
-              <a:latin typeface="Verdana" pitchFamily="34" charset="0"/>
-            </a:endParaRPr>
-          </a:p>
-          <a:p>
-            <a:pPr lvl="3"/>
-            <a:endParaRPr lang="en-US" dirty="0">
-              <a:latin typeface="Verdana" pitchFamily="34" charset="0"/>
-            </a:endParaRPr>
-          </a:p>
-          <a:p>
-            <a:endParaRPr lang="en-US" dirty="0"/>
-          </a:p>
-        </p:txBody>
-      </p:sp>
-    </p:spTree>
-    <p:extLst>
-      <p:ext uri="{BB962C8B-B14F-4D97-AF65-F5344CB8AC3E}">
-        <p14:creationId xmlns:p14="http://schemas.microsoft.com/office/powerpoint/2010/main" val="247741331"/>
       </p:ext>
     </p:extLst>
   </p:cSld>
